--- a/docs/img/title.pptx
+++ b/docs/img/title.pptx
@@ -3699,15 +3699,13 @@
         </p:nvSpPr>
         <p:spPr bwMode="auto">
           <a:xfrm>
-            <a:off x="80470" y="2024270"/>
-            <a:ext cx="2667026" cy="446276"/>
+            <a:off x="67077" y="2053387"/>
+            <a:ext cx="2647288" cy="400110"/>
           </a:xfrm>
           <a:prstGeom prst="rect">
             <a:avLst/>
           </a:prstGeom>
-          <a:solidFill>
-            <a:schemeClr val="bg1"/>
-          </a:solidFill>
+          <a:noFill/>
           <a:ln w="12700">
             <a:noFill/>
             <a:miter lim="800000"/>
@@ -3716,7 +3714,7 @@
           </a:ln>
         </p:spPr>
         <p:txBody>
-          <a:bodyPr wrap="square">
+          <a:bodyPr wrap="square" lIns="0" rIns="0">
             <a:spAutoFit/>
           </a:bodyPr>
           <a:lstStyle/>
@@ -3727,10 +3725,10 @@
               </a:spcBef>
             </a:pPr>
             <a:r>
-              <a:rPr lang="en-US" sz="2300" b="1" dirty="0" smtClean="0"/>
-              <a:t>Space-Time Guess</a:t>
-            </a:r>
-            <a:endParaRPr lang="en-US" sz="2300" b="1" dirty="0"/>
+              <a:rPr lang="en-US" sz="2000" b="1" dirty="0" smtClean="0"/>
+              <a:t>Initial Space-Time Guess</a:t>
+            </a:r>
+            <a:endParaRPr lang="en-US" sz="2000" b="1" dirty="0"/>
           </a:p>
         </p:txBody>
       </p:sp>
@@ -3912,15 +3910,13 @@
         </p:nvSpPr>
         <p:spPr bwMode="auto">
           <a:xfrm>
-            <a:off x="3149036" y="2029899"/>
-            <a:ext cx="2680418" cy="446276"/>
+            <a:off x="3149036" y="2052989"/>
+            <a:ext cx="2680418" cy="400110"/>
           </a:xfrm>
           <a:prstGeom prst="rect">
             <a:avLst/>
           </a:prstGeom>
-          <a:solidFill>
-            <a:schemeClr val="bg1"/>
-          </a:solidFill>
+          <a:noFill/>
           <a:ln w="12700">
             <a:noFill/>
             <a:miter lim="800000"/>
@@ -3940,10 +3936,10 @@
               </a:spcBef>
             </a:pPr>
             <a:r>
-              <a:rPr lang="en-US" sz="2300" b="1" dirty="0" smtClean="0"/>
+              <a:rPr lang="en-US" sz="2000" b="1" dirty="0" smtClean="0"/>
               <a:t>Iterate</a:t>
             </a:r>
-            <a:endParaRPr lang="en-US" sz="2300" dirty="0"/>
+            <a:endParaRPr lang="en-US" sz="2000" dirty="0"/>
           </a:p>
         </p:txBody>
       </p:sp>
@@ -4295,8 +4291,8 @@
         </p:nvSpPr>
         <p:spPr bwMode="auto">
           <a:xfrm flipV="1">
-            <a:off x="2602049" y="2322687"/>
-            <a:ext cx="769576" cy="0"/>
+            <a:off x="2760545" y="2299597"/>
+            <a:ext cx="657260" cy="6974"/>
           </a:xfrm>
           <a:prstGeom prst="line">
             <a:avLst/>
@@ -4548,15 +4544,13 @@
         </p:nvSpPr>
         <p:spPr bwMode="auto">
           <a:xfrm>
-            <a:off x="6173208" y="2038970"/>
-            <a:ext cx="2676445" cy="446276"/>
+            <a:off x="6173208" y="2062060"/>
+            <a:ext cx="2676445" cy="400110"/>
           </a:xfrm>
           <a:prstGeom prst="rect">
             <a:avLst/>
           </a:prstGeom>
-          <a:solidFill>
-            <a:schemeClr val="bg1"/>
-          </a:solidFill>
+          <a:noFill/>
           <a:ln w="12700">
             <a:noFill/>
             <a:miter lim="800000"/>
@@ -4576,14 +4570,14 @@
               </a:spcBef>
             </a:pPr>
             <a:r>
-              <a:rPr lang="en-US" sz="2300" b="1" dirty="0" smtClean="0">
+              <a:rPr lang="en-US" sz="2000" b="1" dirty="0" smtClean="0">
                 <a:solidFill>
                   <a:srgbClr val="000000"/>
                 </a:solidFill>
               </a:rPr>
-              <a:t>Finish</a:t>
-            </a:r>
-            <a:endParaRPr lang="en-US" sz="2300" dirty="0">
+              <a:t>Converge</a:t>
+            </a:r>
+            <a:endParaRPr lang="en-US" sz="2000" dirty="0">
               <a:solidFill>
                 <a:srgbClr val="000000"/>
               </a:solidFill>
@@ -4774,40 +4768,6 @@
                 <a:srgbClr val="000000"/>
               </a:solidFill>
             </a:endParaRPr>
-          </a:p>
-        </p:txBody>
-      </p:sp>
-      <p:sp>
-        <p:nvSpPr>
-          <p:cNvPr id="127" name="Line 25"/>
-          <p:cNvSpPr>
-            <a:spLocks noChangeShapeType="1"/>
-          </p:cNvSpPr>
-          <p:nvPr/>
-        </p:nvSpPr>
-        <p:spPr bwMode="auto">
-          <a:xfrm flipV="1">
-            <a:off x="5681197" y="2329661"/>
-            <a:ext cx="769576" cy="0"/>
-          </a:xfrm>
-          <a:prstGeom prst="line">
-            <a:avLst/>
-          </a:prstGeom>
-          <a:noFill/>
-          <a:ln w="76200">
-            <a:solidFill>
-              <a:schemeClr val="tx1"/>
-            </a:solidFill>
-            <a:round/>
-            <a:headEnd type="none" w="sm" len="sm"/>
-            <a:tailEnd type="triangle" w="med" len="lg"/>
-          </a:ln>
-        </p:spPr>
-        <p:txBody>
-          <a:bodyPr wrap="none" anchor="ctr"/>
-          <a:lstStyle/>
-          <a:p>
-            <a:endParaRPr lang="en-US" dirty="0"/>
           </a:p>
         </p:txBody>
       </p:sp>
@@ -4982,6 +4942,44 @@
               <a:t>Parallel-in-Time Software</a:t>
             </a:r>
             <a:endParaRPr lang="en-US" sz="2800" dirty="0"/>
+          </a:p>
+        </p:txBody>
+      </p:sp>
+      <p:sp>
+        <p:nvSpPr>
+          <p:cNvPr id="35" name="Line 25"/>
+          <p:cNvSpPr>
+            <a:spLocks noChangeShapeType="1"/>
+          </p:cNvSpPr>
+          <p:nvPr/>
+        </p:nvSpPr>
+        <p:spPr bwMode="auto">
+          <a:xfrm flipV="1">
+            <a:off x="5819737" y="2292623"/>
+            <a:ext cx="657260" cy="6974"/>
+          </a:xfrm>
+          <a:prstGeom prst="line">
+            <a:avLst/>
+          </a:prstGeom>
+          <a:noFill/>
+          <a:ln w="76200">
+            <a:solidFill>
+              <a:schemeClr val="tx1"/>
+            </a:solidFill>
+            <a:round/>
+            <a:headEnd type="none" w="sm" len="sm"/>
+            <a:tailEnd type="triangle" w="med" len="lg"/>
+          </a:ln>
+        </p:spPr>
+        <p:txBody>
+          <a:bodyPr wrap="none" anchor="ctr"/>
+          <a:lstStyle/>
+          <a:p>
+            <a:r>
+              <a:rPr lang="en-US" dirty="0" smtClean="0"/>
+              <a:t> </a:t>
+            </a:r>
+            <a:endParaRPr lang="en-US" dirty="0"/>
           </a:p>
         </p:txBody>
       </p:sp>

--- a/docs/img/title.pptx
+++ b/docs/img/title.pptx
@@ -5,19 +5,21 @@
     <p:sldMasterId id="2147483648" r:id="rId1"/>
   </p:sldMasterIdLst>
   <p:notesMasterIdLst>
-    <p:notesMasterId r:id="rId3"/>
+    <p:notesMasterId r:id="rId5"/>
   </p:notesMasterIdLst>
   <p:sldIdLst>
-    <p:sldId id="257" r:id="rId2"/>
+    <p:sldId id="256" r:id="rId2"/>
+    <p:sldId id="257" r:id="rId3"/>
+    <p:sldId id="258" r:id="rId4"/>
   </p:sldIdLst>
-  <p:sldSz cx="18288000" cy="18288000"/>
+  <p:sldSz cx="9144000" cy="6858000" type="screen4x3"/>
   <p:notesSz cx="6858000" cy="9144000"/>
   <p:defaultTextStyle>
     <a:defPPr>
       <a:defRPr lang="en-US"/>
     </a:defPPr>
-    <a:lvl1pPr marL="0" algn="l" defTabSz="1045022" rtl="0" eaLnBrk="1" latinLnBrk="0" hangingPunct="1">
-      <a:defRPr sz="4100" kern="1200">
+    <a:lvl1pPr marL="0" algn="l" defTabSz="457200" rtl="0" eaLnBrk="1" latinLnBrk="0" hangingPunct="1">
+      <a:defRPr sz="1800" kern="1200">
         <a:solidFill>
           <a:schemeClr val="tx1"/>
         </a:solidFill>
@@ -26,8 +28,8 @@
         <a:cs typeface="+mn-cs"/>
       </a:defRPr>
     </a:lvl1pPr>
-    <a:lvl2pPr marL="1045022" algn="l" defTabSz="1045022" rtl="0" eaLnBrk="1" latinLnBrk="0" hangingPunct="1">
-      <a:defRPr sz="4100" kern="1200">
+    <a:lvl2pPr marL="457200" algn="l" defTabSz="457200" rtl="0" eaLnBrk="1" latinLnBrk="0" hangingPunct="1">
+      <a:defRPr sz="1800" kern="1200">
         <a:solidFill>
           <a:schemeClr val="tx1"/>
         </a:solidFill>
@@ -36,8 +38,8 @@
         <a:cs typeface="+mn-cs"/>
       </a:defRPr>
     </a:lvl2pPr>
-    <a:lvl3pPr marL="2090044" algn="l" defTabSz="1045022" rtl="0" eaLnBrk="1" latinLnBrk="0" hangingPunct="1">
-      <a:defRPr sz="4100" kern="1200">
+    <a:lvl3pPr marL="914400" algn="l" defTabSz="457200" rtl="0" eaLnBrk="1" latinLnBrk="0" hangingPunct="1">
+      <a:defRPr sz="1800" kern="1200">
         <a:solidFill>
           <a:schemeClr val="tx1"/>
         </a:solidFill>
@@ -46,8 +48,8 @@
         <a:cs typeface="+mn-cs"/>
       </a:defRPr>
     </a:lvl3pPr>
-    <a:lvl4pPr marL="3135066" algn="l" defTabSz="1045022" rtl="0" eaLnBrk="1" latinLnBrk="0" hangingPunct="1">
-      <a:defRPr sz="4100" kern="1200">
+    <a:lvl4pPr marL="1371600" algn="l" defTabSz="457200" rtl="0" eaLnBrk="1" latinLnBrk="0" hangingPunct="1">
+      <a:defRPr sz="1800" kern="1200">
         <a:solidFill>
           <a:schemeClr val="tx1"/>
         </a:solidFill>
@@ -56,8 +58,8 @@
         <a:cs typeface="+mn-cs"/>
       </a:defRPr>
     </a:lvl4pPr>
-    <a:lvl5pPr marL="4180088" algn="l" defTabSz="1045022" rtl="0" eaLnBrk="1" latinLnBrk="0" hangingPunct="1">
-      <a:defRPr sz="4100" kern="1200">
+    <a:lvl5pPr marL="1828800" algn="l" defTabSz="457200" rtl="0" eaLnBrk="1" latinLnBrk="0" hangingPunct="1">
+      <a:defRPr sz="1800" kern="1200">
         <a:solidFill>
           <a:schemeClr val="tx1"/>
         </a:solidFill>
@@ -66,8 +68,8 @@
         <a:cs typeface="+mn-cs"/>
       </a:defRPr>
     </a:lvl5pPr>
-    <a:lvl6pPr marL="5225110" algn="l" defTabSz="1045022" rtl="0" eaLnBrk="1" latinLnBrk="0" hangingPunct="1">
-      <a:defRPr sz="4100" kern="1200">
+    <a:lvl6pPr marL="2286000" algn="l" defTabSz="457200" rtl="0" eaLnBrk="1" latinLnBrk="0" hangingPunct="1">
+      <a:defRPr sz="1800" kern="1200">
         <a:solidFill>
           <a:schemeClr val="tx1"/>
         </a:solidFill>
@@ -76,8 +78,8 @@
         <a:cs typeface="+mn-cs"/>
       </a:defRPr>
     </a:lvl6pPr>
-    <a:lvl7pPr marL="6270132" algn="l" defTabSz="1045022" rtl="0" eaLnBrk="1" latinLnBrk="0" hangingPunct="1">
-      <a:defRPr sz="4100" kern="1200">
+    <a:lvl7pPr marL="2743200" algn="l" defTabSz="457200" rtl="0" eaLnBrk="1" latinLnBrk="0" hangingPunct="1">
+      <a:defRPr sz="1800" kern="1200">
         <a:solidFill>
           <a:schemeClr val="tx1"/>
         </a:solidFill>
@@ -86,8 +88,8 @@
         <a:cs typeface="+mn-cs"/>
       </a:defRPr>
     </a:lvl7pPr>
-    <a:lvl8pPr marL="7315154" algn="l" defTabSz="1045022" rtl="0" eaLnBrk="1" latinLnBrk="0" hangingPunct="1">
-      <a:defRPr sz="4100" kern="1200">
+    <a:lvl8pPr marL="3200400" algn="l" defTabSz="457200" rtl="0" eaLnBrk="1" latinLnBrk="0" hangingPunct="1">
+      <a:defRPr sz="1800" kern="1200">
         <a:solidFill>
           <a:schemeClr val="tx1"/>
         </a:solidFill>
@@ -96,8 +98,8 @@
         <a:cs typeface="+mn-cs"/>
       </a:defRPr>
     </a:lvl8pPr>
-    <a:lvl9pPr marL="8360176" algn="l" defTabSz="1045022" rtl="0" eaLnBrk="1" latinLnBrk="0" hangingPunct="1">
-      <a:defRPr sz="4100" kern="1200">
+    <a:lvl9pPr marL="3657600" algn="l" defTabSz="457200" rtl="0" eaLnBrk="1" latinLnBrk="0" hangingPunct="1">
+      <a:defRPr sz="1800" kern="1200">
         <a:solidFill>
           <a:schemeClr val="tx1"/>
         </a:solidFill>
@@ -190,9 +192,9 @@
             </a:lvl1pPr>
           </a:lstStyle>
           <a:p>
-            <a:fld id="{D9924079-B708-CB4B-9377-39FFA055DE28}" type="datetimeFigureOut">
-              <a:rPr lang="en-US" smtClean="0"/>
-              <a:t>7/29/14</a:t>
+            <a:fld id="{E188F9CD-06D5-634D-8F9B-4D359D0B651A}" type="datetimeFigureOut">
+              <a:rPr lang="en-US" smtClean="0"/>
+              <a:t>8/15/14</a:t>
             </a:fld>
             <a:endParaRPr lang="en-US"/>
           </a:p>
@@ -210,8 +212,8 @@
         </p:nvSpPr>
         <p:spPr>
           <a:xfrm>
-            <a:off x="1714500" y="685800"/>
-            <a:ext cx="3429000" cy="3429000"/>
+            <a:off x="1143000" y="685800"/>
+            <a:ext cx="4572000" cy="3429000"/>
           </a:xfrm>
           <a:prstGeom prst="rect">
             <a:avLst/>
@@ -349,7 +351,7 @@
             </a:lvl1pPr>
           </a:lstStyle>
           <a:p>
-            <a:fld id="{CE314279-6281-ED4E-9D80-8BDC28857383}" type="slidenum">
+            <a:fld id="{8866A22F-1533-9944-BABF-527CE5E65BC8}" type="slidenum">
               <a:rPr lang="en-US" smtClean="0"/>
               <a:t>‹#›</a:t>
             </a:fld>
@@ -360,7 +362,7 @@
     </p:spTree>
     <p:extLst>
       <p:ext uri="{BB962C8B-B14F-4D97-AF65-F5344CB8AC3E}">
-        <p14:creationId xmlns:p14="http://schemas.microsoft.com/office/powerpoint/2010/main" val="3269959876"/>
+        <p14:creationId xmlns:p14="http://schemas.microsoft.com/office/powerpoint/2010/main" val="4117699989"/>
       </p:ext>
     </p:extLst>
   </p:cSld>
@@ -504,6 +506,276 @@
           <a:bodyPr/>
           <a:lstStyle/>
           <a:p>
+            <a:r>
+              <a:rPr lang="en-US" sz="1200" kern="1200" dirty="0" smtClean="0">
+                <a:solidFill>
+                  <a:schemeClr val="tx1"/>
+                </a:solidFill>
+                <a:latin typeface="+mn-lt"/>
+                <a:ea typeface="+mn-ea"/>
+                <a:cs typeface="+mn-cs"/>
+              </a:rPr>
+              <a:t>1.\quad &amp; x\</a:t>
+            </a:r>
+            <a:r>
+              <a:rPr lang="en-US" sz="1200" kern="1200" dirty="0" err="1" smtClean="0">
+                <a:solidFill>
+                  <a:schemeClr val="tx1"/>
+                </a:solidFill>
+                <a:latin typeface="+mn-lt"/>
+                <a:ea typeface="+mn-ea"/>
+                <a:cs typeface="+mn-cs"/>
+              </a:rPr>
+              <a:t>mbox</a:t>
+            </a:r>
+            <a:r>
+              <a:rPr lang="en-US" sz="1200" kern="1200" dirty="0" smtClean="0">
+                <a:solidFill>
+                  <a:schemeClr val="tx1"/>
+                </a:solidFill>
+                <a:latin typeface="+mn-lt"/>
+                <a:ea typeface="+mn-ea"/>
+                <a:cs typeface="+mn-cs"/>
+              </a:rPr>
+              <a:t>{Braid}    &amp; \quad \</a:t>
+            </a:r>
+            <a:r>
+              <a:rPr lang="en-US" sz="1200" kern="1200" dirty="0" err="1" smtClean="0">
+                <a:solidFill>
+                  <a:schemeClr val="tx1"/>
+                </a:solidFill>
+                <a:latin typeface="+mn-lt"/>
+                <a:ea typeface="+mn-ea"/>
+                <a:cs typeface="+mn-cs"/>
+              </a:rPr>
+              <a:t>mbox</a:t>
+            </a:r>
+            <a:r>
+              <a:rPr lang="en-US" sz="1200" kern="1200" dirty="0" smtClean="0">
+                <a:solidFill>
+                  <a:schemeClr val="tx1"/>
+                </a:solidFill>
+                <a:latin typeface="+mn-lt"/>
+                <a:ea typeface="+mn-ea"/>
+                <a:cs typeface="+mn-cs"/>
+              </a:rPr>
+              <a:t>{A math font x in front of Braid}\\</a:t>
+            </a:r>
+          </a:p>
+          <a:p>
+            <a:r>
+              <a:rPr lang="en-US" sz="1200" kern="1200" dirty="0" smtClean="0">
+                <a:solidFill>
+                  <a:schemeClr val="tx1"/>
+                </a:solidFill>
+                <a:latin typeface="+mn-lt"/>
+                <a:ea typeface="+mn-ea"/>
+                <a:cs typeface="+mn-cs"/>
+              </a:rPr>
+              <a:t>2.\quad &amp; \chi\</a:t>
+            </a:r>
+            <a:r>
+              <a:rPr lang="en-US" sz="1200" kern="1200" dirty="0" err="1" smtClean="0">
+                <a:solidFill>
+                  <a:schemeClr val="tx1"/>
+                </a:solidFill>
+                <a:latin typeface="+mn-lt"/>
+                <a:ea typeface="+mn-ea"/>
+                <a:cs typeface="+mn-cs"/>
+              </a:rPr>
+              <a:t>mbox</a:t>
+            </a:r>
+            <a:r>
+              <a:rPr lang="en-US" sz="1200" kern="1200" dirty="0" smtClean="0">
+                <a:solidFill>
+                  <a:schemeClr val="tx1"/>
+                </a:solidFill>
+                <a:latin typeface="+mn-lt"/>
+                <a:ea typeface="+mn-ea"/>
+                <a:cs typeface="+mn-cs"/>
+              </a:rPr>
+              <a:t>{Braid} &amp; \quad \</a:t>
+            </a:r>
+            <a:r>
+              <a:rPr lang="en-US" sz="1200" kern="1200" dirty="0" err="1" smtClean="0">
+                <a:solidFill>
+                  <a:schemeClr val="tx1"/>
+                </a:solidFill>
+                <a:latin typeface="+mn-lt"/>
+                <a:ea typeface="+mn-ea"/>
+                <a:cs typeface="+mn-cs"/>
+              </a:rPr>
+              <a:t>mbox</a:t>
+            </a:r>
+            <a:r>
+              <a:rPr lang="en-US" sz="1200" kern="1200" dirty="0" smtClean="0">
+                <a:solidFill>
+                  <a:schemeClr val="tx1"/>
+                </a:solidFill>
+                <a:latin typeface="+mn-lt"/>
+                <a:ea typeface="+mn-ea"/>
+                <a:cs typeface="+mn-cs"/>
+              </a:rPr>
+              <a:t>{A chi in front of Braid}\\</a:t>
+            </a:r>
+          </a:p>
+          <a:p>
+            <a:r>
+              <a:rPr lang="en-US" sz="1200" kern="1200" dirty="0" smtClean="0">
+                <a:solidFill>
+                  <a:schemeClr val="tx1"/>
+                </a:solidFill>
+                <a:latin typeface="+mn-lt"/>
+                <a:ea typeface="+mn-ea"/>
+                <a:cs typeface="+mn-cs"/>
+              </a:rPr>
+              <a:t>3.\quad &amp; \</a:t>
+            </a:r>
+            <a:r>
+              <a:rPr lang="en-US" sz="1200" kern="1200" dirty="0" err="1" smtClean="0">
+                <a:solidFill>
+                  <a:schemeClr val="tx1"/>
+                </a:solidFill>
+                <a:latin typeface="+mn-lt"/>
+                <a:ea typeface="+mn-ea"/>
+                <a:cs typeface="+mn-cs"/>
+              </a:rPr>
+              <a:t>mbox</a:t>
+            </a:r>
+            <a:r>
+              <a:rPr lang="en-US" sz="1200" kern="1200" dirty="0" smtClean="0">
+                <a:solidFill>
+                  <a:schemeClr val="tx1"/>
+                </a:solidFill>
+                <a:latin typeface="+mn-lt"/>
+                <a:ea typeface="+mn-ea"/>
+                <a:cs typeface="+mn-cs"/>
+              </a:rPr>
+              <a:t>{</a:t>
+            </a:r>
+            <a:r>
+              <a:rPr lang="en-US" sz="1200" kern="1200" dirty="0" err="1" smtClean="0">
+                <a:solidFill>
+                  <a:schemeClr val="tx1"/>
+                </a:solidFill>
+                <a:latin typeface="+mn-lt"/>
+                <a:ea typeface="+mn-ea"/>
+                <a:cs typeface="+mn-cs"/>
+              </a:rPr>
+              <a:t>xBraid</a:t>
+            </a:r>
+            <a:r>
+              <a:rPr lang="en-US" sz="1200" kern="1200" dirty="0" smtClean="0">
+                <a:solidFill>
+                  <a:schemeClr val="tx1"/>
+                </a:solidFill>
+                <a:latin typeface="+mn-lt"/>
+                <a:ea typeface="+mn-ea"/>
+                <a:cs typeface="+mn-cs"/>
+              </a:rPr>
+              <a:t>}    &amp; \quad \</a:t>
+            </a:r>
+            <a:r>
+              <a:rPr lang="en-US" sz="1200" kern="1200" dirty="0" err="1" smtClean="0">
+                <a:solidFill>
+                  <a:schemeClr val="tx1"/>
+                </a:solidFill>
+                <a:latin typeface="+mn-lt"/>
+                <a:ea typeface="+mn-ea"/>
+                <a:cs typeface="+mn-cs"/>
+              </a:rPr>
+              <a:t>mbox</a:t>
+            </a:r>
+            <a:r>
+              <a:rPr lang="en-US" sz="1200" kern="1200" dirty="0" smtClean="0">
+                <a:solidFill>
+                  <a:schemeClr val="tx1"/>
+                </a:solidFill>
+                <a:latin typeface="+mn-lt"/>
+                <a:ea typeface="+mn-ea"/>
+                <a:cs typeface="+mn-cs"/>
+              </a:rPr>
+              <a:t>{A regular font x in front of Braid}\\</a:t>
+            </a:r>
+          </a:p>
+          <a:p>
+            <a:r>
+              <a:rPr lang="en-US" sz="1200" kern="1200" dirty="0" smtClean="0">
+                <a:solidFill>
+                  <a:schemeClr val="tx1"/>
+                </a:solidFill>
+                <a:latin typeface="+mn-lt"/>
+                <a:ea typeface="+mn-ea"/>
+                <a:cs typeface="+mn-cs"/>
+              </a:rPr>
+              <a:t>4.\quad &amp; \</a:t>
+            </a:r>
+            <a:r>
+              <a:rPr lang="en-US" sz="1200" kern="1200" dirty="0" err="1" smtClean="0">
+                <a:solidFill>
+                  <a:schemeClr val="tx1"/>
+                </a:solidFill>
+                <a:latin typeface="+mn-lt"/>
+                <a:ea typeface="+mn-ea"/>
+                <a:cs typeface="+mn-cs"/>
+              </a:rPr>
+              <a:t>mbox</a:t>
+            </a:r>
+            <a:r>
+              <a:rPr lang="en-US" sz="1200" kern="1200" dirty="0" smtClean="0">
+                <a:solidFill>
+                  <a:schemeClr val="tx1"/>
+                </a:solidFill>
+                <a:latin typeface="+mn-lt"/>
+                <a:ea typeface="+mn-ea"/>
+                <a:cs typeface="+mn-cs"/>
+              </a:rPr>
+              <a:t>{</a:t>
+            </a:r>
+            <a:r>
+              <a:rPr lang="en-US" sz="1200" kern="1200" dirty="0" err="1" smtClean="0">
+                <a:solidFill>
+                  <a:schemeClr val="tx1"/>
+                </a:solidFill>
+                <a:latin typeface="+mn-lt"/>
+                <a:ea typeface="+mn-ea"/>
+                <a:cs typeface="+mn-cs"/>
+              </a:rPr>
+              <a:t>XBraid</a:t>
+            </a:r>
+            <a:r>
+              <a:rPr lang="en-US" sz="1200" kern="1200" dirty="0" smtClean="0">
+                <a:solidFill>
+                  <a:schemeClr val="tx1"/>
+                </a:solidFill>
+                <a:latin typeface="+mn-lt"/>
+                <a:ea typeface="+mn-ea"/>
+                <a:cs typeface="+mn-cs"/>
+              </a:rPr>
+              <a:t>}    &amp; \quad \</a:t>
+            </a:r>
+            <a:r>
+              <a:rPr lang="en-US" sz="1200" kern="1200" dirty="0" err="1" smtClean="0">
+                <a:solidFill>
+                  <a:schemeClr val="tx1"/>
+                </a:solidFill>
+                <a:latin typeface="+mn-lt"/>
+                <a:ea typeface="+mn-ea"/>
+                <a:cs typeface="+mn-cs"/>
+              </a:rPr>
+              <a:t>mbox</a:t>
+            </a:r>
+            <a:r>
+              <a:rPr lang="en-US" sz="1200" kern="1200" dirty="0" smtClean="0">
+                <a:solidFill>
+                  <a:schemeClr val="tx1"/>
+                </a:solidFill>
+                <a:latin typeface="+mn-lt"/>
+                <a:ea typeface="+mn-ea"/>
+                <a:cs typeface="+mn-cs"/>
+              </a:rPr>
+              <a:t>{A regular font X in front of Braid} \\</a:t>
+            </a:r>
             <a:endParaRPr lang="en-US" dirty="0"/>
           </a:p>
         </p:txBody>
@@ -523,9 +795,9 @@
           <a:bodyPr/>
           <a:lstStyle/>
           <a:p>
-            <a:fld id="{CE314279-6281-ED4E-9D80-8BDC28857383}" type="slidenum">
-              <a:rPr lang="en-US" smtClean="0"/>
-              <a:t>1</a:t>
+            <a:fld id="{8866A22F-1533-9944-BABF-527CE5E65BC8}" type="slidenum">
+              <a:rPr lang="en-US" smtClean="0"/>
+              <a:t>2</a:t>
             </a:fld>
             <a:endParaRPr lang="en-US"/>
           </a:p>
@@ -534,7 +806,7 @@
     </p:spTree>
     <p:extLst>
       <p:ext uri="{BB962C8B-B14F-4D97-AF65-F5344CB8AC3E}">
-        <p14:creationId xmlns:p14="http://schemas.microsoft.com/office/powerpoint/2010/main" val="4074372698"/>
+        <p14:creationId xmlns:p14="http://schemas.microsoft.com/office/powerpoint/2010/main" val="2791943017"/>
       </p:ext>
     </p:extLst>
   </p:cSld>
@@ -573,8 +845,8 @@
         </p:nvSpPr>
         <p:spPr>
           <a:xfrm>
-            <a:off x="1371600" y="5681135"/>
-            <a:ext cx="15544800" cy="3920067"/>
+            <a:off x="685800" y="2130425"/>
+            <a:ext cx="7772400" cy="1470025"/>
           </a:xfrm>
         </p:spPr>
         <p:txBody>
@@ -601,8 +873,8 @@
         </p:nvSpPr>
         <p:spPr>
           <a:xfrm>
-            <a:off x="2743200" y="10363200"/>
-            <a:ext cx="12801600" cy="4673600"/>
+            <a:off x="1371600" y="3886200"/>
+            <a:ext cx="6400800" cy="1752600"/>
           </a:xfrm>
         </p:spPr>
         <p:txBody>
@@ -618,7 +890,7 @@
                 </a:solidFill>
               </a:defRPr>
             </a:lvl1pPr>
-            <a:lvl2pPr marL="1045022" indent="0" algn="ctr">
+            <a:lvl2pPr marL="457200" indent="0" algn="ctr">
               <a:buNone/>
               <a:defRPr>
                 <a:solidFill>
@@ -628,7 +900,7 @@
                 </a:solidFill>
               </a:defRPr>
             </a:lvl2pPr>
-            <a:lvl3pPr marL="2090044" indent="0" algn="ctr">
+            <a:lvl3pPr marL="914400" indent="0" algn="ctr">
               <a:buNone/>
               <a:defRPr>
                 <a:solidFill>
@@ -638,7 +910,7 @@
                 </a:solidFill>
               </a:defRPr>
             </a:lvl3pPr>
-            <a:lvl4pPr marL="3135066" indent="0" algn="ctr">
+            <a:lvl4pPr marL="1371600" indent="0" algn="ctr">
               <a:buNone/>
               <a:defRPr>
                 <a:solidFill>
@@ -648,7 +920,7 @@
                 </a:solidFill>
               </a:defRPr>
             </a:lvl4pPr>
-            <a:lvl5pPr marL="4180088" indent="0" algn="ctr">
+            <a:lvl5pPr marL="1828800" indent="0" algn="ctr">
               <a:buNone/>
               <a:defRPr>
                 <a:solidFill>
@@ -658,7 +930,7 @@
                 </a:solidFill>
               </a:defRPr>
             </a:lvl5pPr>
-            <a:lvl6pPr marL="5225110" indent="0" algn="ctr">
+            <a:lvl6pPr marL="2286000" indent="0" algn="ctr">
               <a:buNone/>
               <a:defRPr>
                 <a:solidFill>
@@ -668,7 +940,7 @@
                 </a:solidFill>
               </a:defRPr>
             </a:lvl6pPr>
-            <a:lvl7pPr marL="6270132" indent="0" algn="ctr">
+            <a:lvl7pPr marL="2743200" indent="0" algn="ctr">
               <a:buNone/>
               <a:defRPr>
                 <a:solidFill>
@@ -678,7 +950,7 @@
                 </a:solidFill>
               </a:defRPr>
             </a:lvl7pPr>
-            <a:lvl8pPr marL="7315154" indent="0" algn="ctr">
+            <a:lvl8pPr marL="3200400" indent="0" algn="ctr">
               <a:buNone/>
               <a:defRPr>
                 <a:solidFill>
@@ -688,7 +960,7 @@
                 </a:solidFill>
               </a:defRPr>
             </a:lvl8pPr>
-            <a:lvl9pPr marL="8360176" indent="0" algn="ctr">
+            <a:lvl9pPr marL="3657600" indent="0" algn="ctr">
               <a:buNone/>
               <a:defRPr>
                 <a:solidFill>
@@ -723,9 +995,9 @@
           <a:bodyPr/>
           <a:lstStyle/>
           <a:p>
-            <a:fld id="{25B35073-AD13-6A48-8F8C-739ACC6114D3}" type="datetimeFigureOut">
-              <a:rPr lang="en-US" smtClean="0"/>
-              <a:t>7/29/14</a:t>
+            <a:fld id="{0C51A9C6-C325-304C-B61F-765046FB0B72}" type="datetimeFigureOut">
+              <a:rPr lang="en-US" smtClean="0"/>
+              <a:t>8/15/14</a:t>
             </a:fld>
             <a:endParaRPr lang="en-US"/>
           </a:p>
@@ -765,7 +1037,7 @@
           <a:bodyPr/>
           <a:lstStyle/>
           <a:p>
-            <a:fld id="{E050019A-C032-6642-B818-FA5D7495BBC3}" type="slidenum">
+            <a:fld id="{D371A1E3-43A8-574B-895D-0FCF57F828BB}" type="slidenum">
               <a:rPr lang="en-US" smtClean="0"/>
               <a:t>‹#›</a:t>
             </a:fld>
@@ -776,7 +1048,7 @@
     </p:spTree>
     <p:extLst>
       <p:ext uri="{BB962C8B-B14F-4D97-AF65-F5344CB8AC3E}">
-        <p14:creationId xmlns:p14="http://schemas.microsoft.com/office/powerpoint/2010/main" val="1677505210"/>
+        <p14:creationId xmlns:p14="http://schemas.microsoft.com/office/powerpoint/2010/main" val="3623644090"/>
       </p:ext>
     </p:extLst>
   </p:cSld>
@@ -893,9 +1165,9 @@
           <a:bodyPr/>
           <a:lstStyle/>
           <a:p>
-            <a:fld id="{25B35073-AD13-6A48-8F8C-739ACC6114D3}" type="datetimeFigureOut">
-              <a:rPr lang="en-US" smtClean="0"/>
-              <a:t>7/29/14</a:t>
+            <a:fld id="{0C51A9C6-C325-304C-B61F-765046FB0B72}" type="datetimeFigureOut">
+              <a:rPr lang="en-US" smtClean="0"/>
+              <a:t>8/15/14</a:t>
             </a:fld>
             <a:endParaRPr lang="en-US"/>
           </a:p>
@@ -935,7 +1207,7 @@
           <a:bodyPr/>
           <a:lstStyle/>
           <a:p>
-            <a:fld id="{E050019A-C032-6642-B818-FA5D7495BBC3}" type="slidenum">
+            <a:fld id="{D371A1E3-43A8-574B-895D-0FCF57F828BB}" type="slidenum">
               <a:rPr lang="en-US" smtClean="0"/>
               <a:t>‹#›</a:t>
             </a:fld>
@@ -946,7 +1218,7 @@
     </p:spTree>
     <p:extLst>
       <p:ext uri="{BB962C8B-B14F-4D97-AF65-F5344CB8AC3E}">
-        <p14:creationId xmlns:p14="http://schemas.microsoft.com/office/powerpoint/2010/main" val="2311115938"/>
+        <p14:creationId xmlns:p14="http://schemas.microsoft.com/office/powerpoint/2010/main" val="174244218"/>
       </p:ext>
     </p:extLst>
   </p:cSld>
@@ -985,8 +1257,8 @@
         </p:nvSpPr>
         <p:spPr>
           <a:xfrm>
-            <a:off x="26517600" y="1951569"/>
-            <a:ext cx="8229600" cy="41613667"/>
+            <a:off x="6629400" y="274638"/>
+            <a:ext cx="2057400" cy="5851525"/>
           </a:xfrm>
         </p:spPr>
         <p:txBody>
@@ -1013,8 +1285,8 @@
         </p:nvSpPr>
         <p:spPr>
           <a:xfrm>
-            <a:off x="1828800" y="1951569"/>
-            <a:ext cx="24384000" cy="41613667"/>
+            <a:off x="457200" y="274638"/>
+            <a:ext cx="6019800" cy="5851525"/>
           </a:xfrm>
         </p:spPr>
         <p:txBody>
@@ -1073,9 +1345,9 @@
           <a:bodyPr/>
           <a:lstStyle/>
           <a:p>
-            <a:fld id="{25B35073-AD13-6A48-8F8C-739ACC6114D3}" type="datetimeFigureOut">
-              <a:rPr lang="en-US" smtClean="0"/>
-              <a:t>7/29/14</a:t>
+            <a:fld id="{0C51A9C6-C325-304C-B61F-765046FB0B72}" type="datetimeFigureOut">
+              <a:rPr lang="en-US" smtClean="0"/>
+              <a:t>8/15/14</a:t>
             </a:fld>
             <a:endParaRPr lang="en-US"/>
           </a:p>
@@ -1115,7 +1387,7 @@
           <a:bodyPr/>
           <a:lstStyle/>
           <a:p>
-            <a:fld id="{E050019A-C032-6642-B818-FA5D7495BBC3}" type="slidenum">
+            <a:fld id="{D371A1E3-43A8-574B-895D-0FCF57F828BB}" type="slidenum">
               <a:rPr lang="en-US" smtClean="0"/>
               <a:t>‹#›</a:t>
             </a:fld>
@@ -1126,7 +1398,7 @@
     </p:spTree>
     <p:extLst>
       <p:ext uri="{BB962C8B-B14F-4D97-AF65-F5344CB8AC3E}">
-        <p14:creationId xmlns:p14="http://schemas.microsoft.com/office/powerpoint/2010/main" val="3451528376"/>
+        <p14:creationId xmlns:p14="http://schemas.microsoft.com/office/powerpoint/2010/main" val="3547963425"/>
       </p:ext>
     </p:extLst>
   </p:cSld>
@@ -1243,9 +1515,9 @@
           <a:bodyPr/>
           <a:lstStyle/>
           <a:p>
-            <a:fld id="{25B35073-AD13-6A48-8F8C-739ACC6114D3}" type="datetimeFigureOut">
-              <a:rPr lang="en-US" smtClean="0"/>
-              <a:t>7/29/14</a:t>
+            <a:fld id="{0C51A9C6-C325-304C-B61F-765046FB0B72}" type="datetimeFigureOut">
+              <a:rPr lang="en-US" smtClean="0"/>
+              <a:t>8/15/14</a:t>
             </a:fld>
             <a:endParaRPr lang="en-US"/>
           </a:p>
@@ -1285,7 +1557,7 @@
           <a:bodyPr/>
           <a:lstStyle/>
           <a:p>
-            <a:fld id="{E050019A-C032-6642-B818-FA5D7495BBC3}" type="slidenum">
+            <a:fld id="{D371A1E3-43A8-574B-895D-0FCF57F828BB}" type="slidenum">
               <a:rPr lang="en-US" smtClean="0"/>
               <a:t>‹#›</a:t>
             </a:fld>
@@ -1296,7 +1568,7 @@
     </p:spTree>
     <p:extLst>
       <p:ext uri="{BB962C8B-B14F-4D97-AF65-F5344CB8AC3E}">
-        <p14:creationId xmlns:p14="http://schemas.microsoft.com/office/powerpoint/2010/main" val="3534306370"/>
+        <p14:creationId xmlns:p14="http://schemas.microsoft.com/office/powerpoint/2010/main" val="4016150423"/>
       </p:ext>
     </p:extLst>
   </p:cSld>
@@ -1335,15 +1607,15 @@
         </p:nvSpPr>
         <p:spPr>
           <a:xfrm>
-            <a:off x="1444626" y="11751735"/>
-            <a:ext cx="15544800" cy="3632200"/>
+            <a:off x="722313" y="4406900"/>
+            <a:ext cx="7772400" cy="1362075"/>
           </a:xfrm>
         </p:spPr>
         <p:txBody>
           <a:bodyPr anchor="t"/>
           <a:lstStyle>
             <a:lvl1pPr algn="l">
-              <a:defRPr sz="9100" b="1" cap="all"/>
+              <a:defRPr sz="4000" b="1" cap="all"/>
             </a:lvl1pPr>
           </a:lstStyle>
           <a:p>
@@ -1367,8 +1639,8 @@
         </p:nvSpPr>
         <p:spPr>
           <a:xfrm>
-            <a:off x="1444626" y="7751236"/>
-            <a:ext cx="15544800" cy="4000499"/>
+            <a:off x="722313" y="2906713"/>
+            <a:ext cx="7772400" cy="1500187"/>
           </a:xfrm>
         </p:spPr>
         <p:txBody>
@@ -1376,7 +1648,7 @@
           <a:lstStyle>
             <a:lvl1pPr marL="0" indent="0">
               <a:buNone/>
-              <a:defRPr sz="4600">
+              <a:defRPr sz="2000">
                 <a:solidFill>
                   <a:schemeClr val="tx1">
                     <a:tint val="75000"/>
@@ -1384,9 +1656,9 @@
                 </a:solidFill>
               </a:defRPr>
             </a:lvl1pPr>
-            <a:lvl2pPr marL="1045022" indent="0">
+            <a:lvl2pPr marL="457200" indent="0">
               <a:buNone/>
-              <a:defRPr sz="4100">
+              <a:defRPr sz="1800">
                 <a:solidFill>
                   <a:schemeClr val="tx1">
                     <a:tint val="75000"/>
@@ -1394,9 +1666,9 @@
                 </a:solidFill>
               </a:defRPr>
             </a:lvl2pPr>
-            <a:lvl3pPr marL="2090044" indent="0">
+            <a:lvl3pPr marL="914400" indent="0">
               <a:buNone/>
-              <a:defRPr sz="3700">
+              <a:defRPr sz="1600">
                 <a:solidFill>
                   <a:schemeClr val="tx1">
                     <a:tint val="75000"/>
@@ -1404,9 +1676,9 @@
                 </a:solidFill>
               </a:defRPr>
             </a:lvl3pPr>
-            <a:lvl4pPr marL="3135066" indent="0">
+            <a:lvl4pPr marL="1371600" indent="0">
               <a:buNone/>
-              <a:defRPr sz="3200">
+              <a:defRPr sz="1400">
                 <a:solidFill>
                   <a:schemeClr val="tx1">
                     <a:tint val="75000"/>
@@ -1414,9 +1686,9 @@
                 </a:solidFill>
               </a:defRPr>
             </a:lvl4pPr>
-            <a:lvl5pPr marL="4180088" indent="0">
+            <a:lvl5pPr marL="1828800" indent="0">
               <a:buNone/>
-              <a:defRPr sz="3200">
+              <a:defRPr sz="1400">
                 <a:solidFill>
                   <a:schemeClr val="tx1">
                     <a:tint val="75000"/>
@@ -1424,9 +1696,9 @@
                 </a:solidFill>
               </a:defRPr>
             </a:lvl5pPr>
-            <a:lvl6pPr marL="5225110" indent="0">
+            <a:lvl6pPr marL="2286000" indent="0">
               <a:buNone/>
-              <a:defRPr sz="3200">
+              <a:defRPr sz="1400">
                 <a:solidFill>
                   <a:schemeClr val="tx1">
                     <a:tint val="75000"/>
@@ -1434,9 +1706,9 @@
                 </a:solidFill>
               </a:defRPr>
             </a:lvl6pPr>
-            <a:lvl7pPr marL="6270132" indent="0">
+            <a:lvl7pPr marL="2743200" indent="0">
               <a:buNone/>
-              <a:defRPr sz="3200">
+              <a:defRPr sz="1400">
                 <a:solidFill>
                   <a:schemeClr val="tx1">
                     <a:tint val="75000"/>
@@ -1444,9 +1716,9 @@
                 </a:solidFill>
               </a:defRPr>
             </a:lvl7pPr>
-            <a:lvl8pPr marL="7315154" indent="0">
+            <a:lvl8pPr marL="3200400" indent="0">
               <a:buNone/>
-              <a:defRPr sz="3200">
+              <a:defRPr sz="1400">
                 <a:solidFill>
                   <a:schemeClr val="tx1">
                     <a:tint val="75000"/>
@@ -1454,9 +1726,9 @@
                 </a:solidFill>
               </a:defRPr>
             </a:lvl8pPr>
-            <a:lvl9pPr marL="8360176" indent="0">
+            <a:lvl9pPr marL="3657600" indent="0">
               <a:buNone/>
-              <a:defRPr sz="3200">
+              <a:defRPr sz="1400">
                 <a:solidFill>
                   <a:schemeClr val="tx1">
                     <a:tint val="75000"/>
@@ -1489,9 +1761,9 @@
           <a:bodyPr/>
           <a:lstStyle/>
           <a:p>
-            <a:fld id="{25B35073-AD13-6A48-8F8C-739ACC6114D3}" type="datetimeFigureOut">
-              <a:rPr lang="en-US" smtClean="0"/>
-              <a:t>7/29/14</a:t>
+            <a:fld id="{0C51A9C6-C325-304C-B61F-765046FB0B72}" type="datetimeFigureOut">
+              <a:rPr lang="en-US" smtClean="0"/>
+              <a:t>8/15/14</a:t>
             </a:fld>
             <a:endParaRPr lang="en-US"/>
           </a:p>
@@ -1531,7 +1803,7 @@
           <a:bodyPr/>
           <a:lstStyle/>
           <a:p>
-            <a:fld id="{E050019A-C032-6642-B818-FA5D7495BBC3}" type="slidenum">
+            <a:fld id="{D371A1E3-43A8-574B-895D-0FCF57F828BB}" type="slidenum">
               <a:rPr lang="en-US" smtClean="0"/>
               <a:t>‹#›</a:t>
             </a:fld>
@@ -1542,7 +1814,7 @@
     </p:spTree>
     <p:extLst>
       <p:ext uri="{BB962C8B-B14F-4D97-AF65-F5344CB8AC3E}">
-        <p14:creationId xmlns:p14="http://schemas.microsoft.com/office/powerpoint/2010/main" val="1999225630"/>
+        <p14:creationId xmlns:p14="http://schemas.microsoft.com/office/powerpoint/2010/main" val="4276565225"/>
       </p:ext>
     </p:extLst>
   </p:cSld>
@@ -1604,39 +1876,39 @@
         </p:nvSpPr>
         <p:spPr>
           <a:xfrm>
-            <a:off x="1828800" y="11379201"/>
-            <a:ext cx="16306800" cy="32186035"/>
+            <a:off x="457200" y="1600200"/>
+            <a:ext cx="4038600" cy="4525963"/>
           </a:xfrm>
         </p:spPr>
         <p:txBody>
           <a:bodyPr/>
           <a:lstStyle>
             <a:lvl1pPr>
-              <a:defRPr sz="6400"/>
+              <a:defRPr sz="2800"/>
             </a:lvl1pPr>
             <a:lvl2pPr>
-              <a:defRPr sz="5500"/>
+              <a:defRPr sz="2400"/>
             </a:lvl2pPr>
             <a:lvl3pPr>
-              <a:defRPr sz="4600"/>
+              <a:defRPr sz="2000"/>
             </a:lvl3pPr>
             <a:lvl4pPr>
-              <a:defRPr sz="4100"/>
+              <a:defRPr sz="1800"/>
             </a:lvl4pPr>
             <a:lvl5pPr>
-              <a:defRPr sz="4100"/>
+              <a:defRPr sz="1800"/>
             </a:lvl5pPr>
             <a:lvl6pPr>
-              <a:defRPr sz="4100"/>
+              <a:defRPr sz="1800"/>
             </a:lvl6pPr>
             <a:lvl7pPr>
-              <a:defRPr sz="4100"/>
+              <a:defRPr sz="1800"/>
             </a:lvl7pPr>
             <a:lvl8pPr>
-              <a:defRPr sz="4100"/>
+              <a:defRPr sz="1800"/>
             </a:lvl8pPr>
             <a:lvl9pPr>
-              <a:defRPr sz="4100"/>
+              <a:defRPr sz="1800"/>
             </a:lvl9pPr>
           </a:lstStyle>
           <a:p>
@@ -1689,39 +1961,39 @@
         </p:nvSpPr>
         <p:spPr>
           <a:xfrm>
-            <a:off x="18440400" y="11379201"/>
-            <a:ext cx="16306800" cy="32186035"/>
+            <a:off x="4648200" y="1600200"/>
+            <a:ext cx="4038600" cy="4525963"/>
           </a:xfrm>
         </p:spPr>
         <p:txBody>
           <a:bodyPr/>
           <a:lstStyle>
             <a:lvl1pPr>
-              <a:defRPr sz="6400"/>
+              <a:defRPr sz="2800"/>
             </a:lvl1pPr>
             <a:lvl2pPr>
-              <a:defRPr sz="5500"/>
+              <a:defRPr sz="2400"/>
             </a:lvl2pPr>
             <a:lvl3pPr>
-              <a:defRPr sz="4600"/>
+              <a:defRPr sz="2000"/>
             </a:lvl3pPr>
             <a:lvl4pPr>
-              <a:defRPr sz="4100"/>
+              <a:defRPr sz="1800"/>
             </a:lvl4pPr>
             <a:lvl5pPr>
-              <a:defRPr sz="4100"/>
+              <a:defRPr sz="1800"/>
             </a:lvl5pPr>
             <a:lvl6pPr>
-              <a:defRPr sz="4100"/>
+              <a:defRPr sz="1800"/>
             </a:lvl6pPr>
             <a:lvl7pPr>
-              <a:defRPr sz="4100"/>
+              <a:defRPr sz="1800"/>
             </a:lvl7pPr>
             <a:lvl8pPr>
-              <a:defRPr sz="4100"/>
+              <a:defRPr sz="1800"/>
             </a:lvl8pPr>
             <a:lvl9pPr>
-              <a:defRPr sz="4100"/>
+              <a:defRPr sz="1800"/>
             </a:lvl9pPr>
           </a:lstStyle>
           <a:p>
@@ -1777,9 +2049,9 @@
           <a:bodyPr/>
           <a:lstStyle/>
           <a:p>
-            <a:fld id="{25B35073-AD13-6A48-8F8C-739ACC6114D3}" type="datetimeFigureOut">
-              <a:rPr lang="en-US" smtClean="0"/>
-              <a:t>7/29/14</a:t>
+            <a:fld id="{0C51A9C6-C325-304C-B61F-765046FB0B72}" type="datetimeFigureOut">
+              <a:rPr lang="en-US" smtClean="0"/>
+              <a:t>8/15/14</a:t>
             </a:fld>
             <a:endParaRPr lang="en-US"/>
           </a:p>
@@ -1819,7 +2091,7 @@
           <a:bodyPr/>
           <a:lstStyle/>
           <a:p>
-            <a:fld id="{E050019A-C032-6642-B818-FA5D7495BBC3}" type="slidenum">
+            <a:fld id="{D371A1E3-43A8-574B-895D-0FCF57F828BB}" type="slidenum">
               <a:rPr lang="en-US" smtClean="0"/>
               <a:t>‹#›</a:t>
             </a:fld>
@@ -1830,7 +2102,7 @@
     </p:spTree>
     <p:extLst>
       <p:ext uri="{BB962C8B-B14F-4D97-AF65-F5344CB8AC3E}">
-        <p14:creationId xmlns:p14="http://schemas.microsoft.com/office/powerpoint/2010/main" val="3119440477"/>
+        <p14:creationId xmlns:p14="http://schemas.microsoft.com/office/powerpoint/2010/main" val="3814501200"/>
       </p:ext>
     </p:extLst>
   </p:cSld>
@@ -1867,12 +2139,7 @@
             <p:ph type="title"/>
           </p:nvPr>
         </p:nvSpPr>
-        <p:spPr>
-          <a:xfrm>
-            <a:off x="914400" y="732368"/>
-            <a:ext cx="16459200" cy="3048000"/>
-          </a:xfrm>
-        </p:spPr>
+        <p:spPr/>
         <p:txBody>
           <a:bodyPr/>
           <a:lstStyle>
@@ -1901,8 +2168,8 @@
         </p:nvSpPr>
         <p:spPr>
           <a:xfrm>
-            <a:off x="914400" y="4093635"/>
-            <a:ext cx="8080376" cy="1706032"/>
+            <a:off x="457200" y="1535113"/>
+            <a:ext cx="4040188" cy="639762"/>
           </a:xfrm>
         </p:spPr>
         <p:txBody>
@@ -1910,39 +2177,39 @@
           <a:lstStyle>
             <a:lvl1pPr marL="0" indent="0">
               <a:buNone/>
-              <a:defRPr sz="5500" b="1"/>
+              <a:defRPr sz="2400" b="1"/>
             </a:lvl1pPr>
-            <a:lvl2pPr marL="1045022" indent="0">
+            <a:lvl2pPr marL="457200" indent="0">
               <a:buNone/>
-              <a:defRPr sz="4600" b="1"/>
+              <a:defRPr sz="2000" b="1"/>
             </a:lvl2pPr>
-            <a:lvl3pPr marL="2090044" indent="0">
+            <a:lvl3pPr marL="914400" indent="0">
               <a:buNone/>
-              <a:defRPr sz="4100" b="1"/>
+              <a:defRPr sz="1800" b="1"/>
             </a:lvl3pPr>
-            <a:lvl4pPr marL="3135066" indent="0">
+            <a:lvl4pPr marL="1371600" indent="0">
               <a:buNone/>
-              <a:defRPr sz="3700" b="1"/>
+              <a:defRPr sz="1600" b="1"/>
             </a:lvl4pPr>
-            <a:lvl5pPr marL="4180088" indent="0">
+            <a:lvl5pPr marL="1828800" indent="0">
               <a:buNone/>
-              <a:defRPr sz="3700" b="1"/>
+              <a:defRPr sz="1600" b="1"/>
             </a:lvl5pPr>
-            <a:lvl6pPr marL="5225110" indent="0">
+            <a:lvl6pPr marL="2286000" indent="0">
               <a:buNone/>
-              <a:defRPr sz="3700" b="1"/>
+              <a:defRPr sz="1600" b="1"/>
             </a:lvl6pPr>
-            <a:lvl7pPr marL="6270132" indent="0">
+            <a:lvl7pPr marL="2743200" indent="0">
               <a:buNone/>
-              <a:defRPr sz="3700" b="1"/>
+              <a:defRPr sz="1600" b="1"/>
             </a:lvl7pPr>
-            <a:lvl8pPr marL="7315154" indent="0">
+            <a:lvl8pPr marL="3200400" indent="0">
               <a:buNone/>
-              <a:defRPr sz="3700" b="1"/>
+              <a:defRPr sz="1600" b="1"/>
             </a:lvl8pPr>
-            <a:lvl9pPr marL="8360176" indent="0">
+            <a:lvl9pPr marL="3657600" indent="0">
               <a:buNone/>
-              <a:defRPr sz="3700" b="1"/>
+              <a:defRPr sz="1600" b="1"/>
             </a:lvl9pPr>
           </a:lstStyle>
           <a:p>
@@ -1966,39 +2233,39 @@
         </p:nvSpPr>
         <p:spPr>
           <a:xfrm>
-            <a:off x="914400" y="5799667"/>
-            <a:ext cx="8080376" cy="10536768"/>
+            <a:off x="457200" y="2174875"/>
+            <a:ext cx="4040188" cy="3951288"/>
           </a:xfrm>
         </p:spPr>
         <p:txBody>
           <a:bodyPr/>
           <a:lstStyle>
             <a:lvl1pPr>
-              <a:defRPr sz="5500"/>
+              <a:defRPr sz="2400"/>
             </a:lvl1pPr>
             <a:lvl2pPr>
-              <a:defRPr sz="4600"/>
+              <a:defRPr sz="2000"/>
             </a:lvl2pPr>
             <a:lvl3pPr>
-              <a:defRPr sz="4100"/>
+              <a:defRPr sz="1800"/>
             </a:lvl3pPr>
             <a:lvl4pPr>
-              <a:defRPr sz="3700"/>
+              <a:defRPr sz="1600"/>
             </a:lvl4pPr>
             <a:lvl5pPr>
-              <a:defRPr sz="3700"/>
+              <a:defRPr sz="1600"/>
             </a:lvl5pPr>
             <a:lvl6pPr>
-              <a:defRPr sz="3700"/>
+              <a:defRPr sz="1600"/>
             </a:lvl6pPr>
             <a:lvl7pPr>
-              <a:defRPr sz="3700"/>
+              <a:defRPr sz="1600"/>
             </a:lvl7pPr>
             <a:lvl8pPr>
-              <a:defRPr sz="3700"/>
+              <a:defRPr sz="1600"/>
             </a:lvl8pPr>
             <a:lvl9pPr>
-              <a:defRPr sz="3700"/>
+              <a:defRPr sz="1600"/>
             </a:lvl9pPr>
           </a:lstStyle>
           <a:p>
@@ -2051,8 +2318,8 @@
         </p:nvSpPr>
         <p:spPr>
           <a:xfrm>
-            <a:off x="9290051" y="4093635"/>
-            <a:ext cx="8083550" cy="1706032"/>
+            <a:off x="4645025" y="1535113"/>
+            <a:ext cx="4041775" cy="639762"/>
           </a:xfrm>
         </p:spPr>
         <p:txBody>
@@ -2060,39 +2327,39 @@
           <a:lstStyle>
             <a:lvl1pPr marL="0" indent="0">
               <a:buNone/>
-              <a:defRPr sz="5500" b="1"/>
+              <a:defRPr sz="2400" b="1"/>
             </a:lvl1pPr>
-            <a:lvl2pPr marL="1045022" indent="0">
+            <a:lvl2pPr marL="457200" indent="0">
               <a:buNone/>
-              <a:defRPr sz="4600" b="1"/>
+              <a:defRPr sz="2000" b="1"/>
             </a:lvl2pPr>
-            <a:lvl3pPr marL="2090044" indent="0">
+            <a:lvl3pPr marL="914400" indent="0">
               <a:buNone/>
-              <a:defRPr sz="4100" b="1"/>
+              <a:defRPr sz="1800" b="1"/>
             </a:lvl3pPr>
-            <a:lvl4pPr marL="3135066" indent="0">
+            <a:lvl4pPr marL="1371600" indent="0">
               <a:buNone/>
-              <a:defRPr sz="3700" b="1"/>
+              <a:defRPr sz="1600" b="1"/>
             </a:lvl4pPr>
-            <a:lvl5pPr marL="4180088" indent="0">
+            <a:lvl5pPr marL="1828800" indent="0">
               <a:buNone/>
-              <a:defRPr sz="3700" b="1"/>
+              <a:defRPr sz="1600" b="1"/>
             </a:lvl5pPr>
-            <a:lvl6pPr marL="5225110" indent="0">
+            <a:lvl6pPr marL="2286000" indent="0">
               <a:buNone/>
-              <a:defRPr sz="3700" b="1"/>
+              <a:defRPr sz="1600" b="1"/>
             </a:lvl6pPr>
-            <a:lvl7pPr marL="6270132" indent="0">
+            <a:lvl7pPr marL="2743200" indent="0">
               <a:buNone/>
-              <a:defRPr sz="3700" b="1"/>
+              <a:defRPr sz="1600" b="1"/>
             </a:lvl7pPr>
-            <a:lvl8pPr marL="7315154" indent="0">
+            <a:lvl8pPr marL="3200400" indent="0">
               <a:buNone/>
-              <a:defRPr sz="3700" b="1"/>
+              <a:defRPr sz="1600" b="1"/>
             </a:lvl8pPr>
-            <a:lvl9pPr marL="8360176" indent="0">
+            <a:lvl9pPr marL="3657600" indent="0">
               <a:buNone/>
-              <a:defRPr sz="3700" b="1"/>
+              <a:defRPr sz="1600" b="1"/>
             </a:lvl9pPr>
           </a:lstStyle>
           <a:p>
@@ -2116,39 +2383,39 @@
         </p:nvSpPr>
         <p:spPr>
           <a:xfrm>
-            <a:off x="9290051" y="5799667"/>
-            <a:ext cx="8083550" cy="10536768"/>
+            <a:off x="4645025" y="2174875"/>
+            <a:ext cx="4041775" cy="3951288"/>
           </a:xfrm>
         </p:spPr>
         <p:txBody>
           <a:bodyPr/>
           <a:lstStyle>
             <a:lvl1pPr>
-              <a:defRPr sz="5500"/>
+              <a:defRPr sz="2400"/>
             </a:lvl1pPr>
             <a:lvl2pPr>
-              <a:defRPr sz="4600"/>
+              <a:defRPr sz="2000"/>
             </a:lvl2pPr>
             <a:lvl3pPr>
-              <a:defRPr sz="4100"/>
+              <a:defRPr sz="1800"/>
             </a:lvl3pPr>
             <a:lvl4pPr>
-              <a:defRPr sz="3700"/>
+              <a:defRPr sz="1600"/>
             </a:lvl4pPr>
             <a:lvl5pPr>
-              <a:defRPr sz="3700"/>
+              <a:defRPr sz="1600"/>
             </a:lvl5pPr>
             <a:lvl6pPr>
-              <a:defRPr sz="3700"/>
+              <a:defRPr sz="1600"/>
             </a:lvl6pPr>
             <a:lvl7pPr>
-              <a:defRPr sz="3700"/>
+              <a:defRPr sz="1600"/>
             </a:lvl7pPr>
             <a:lvl8pPr>
-              <a:defRPr sz="3700"/>
+              <a:defRPr sz="1600"/>
             </a:lvl8pPr>
             <a:lvl9pPr>
-              <a:defRPr sz="3700"/>
+              <a:defRPr sz="1600"/>
             </a:lvl9pPr>
           </a:lstStyle>
           <a:p>
@@ -2204,9 +2471,9 @@
           <a:bodyPr/>
           <a:lstStyle/>
           <a:p>
-            <a:fld id="{25B35073-AD13-6A48-8F8C-739ACC6114D3}" type="datetimeFigureOut">
-              <a:rPr lang="en-US" smtClean="0"/>
-              <a:t>7/29/14</a:t>
+            <a:fld id="{0C51A9C6-C325-304C-B61F-765046FB0B72}" type="datetimeFigureOut">
+              <a:rPr lang="en-US" smtClean="0"/>
+              <a:t>8/15/14</a:t>
             </a:fld>
             <a:endParaRPr lang="en-US"/>
           </a:p>
@@ -2246,7 +2513,7 @@
           <a:bodyPr/>
           <a:lstStyle/>
           <a:p>
-            <a:fld id="{E050019A-C032-6642-B818-FA5D7495BBC3}" type="slidenum">
+            <a:fld id="{D371A1E3-43A8-574B-895D-0FCF57F828BB}" type="slidenum">
               <a:rPr lang="en-US" smtClean="0"/>
               <a:t>‹#›</a:t>
             </a:fld>
@@ -2257,7 +2524,7 @@
     </p:spTree>
     <p:extLst>
       <p:ext uri="{BB962C8B-B14F-4D97-AF65-F5344CB8AC3E}">
-        <p14:creationId xmlns:p14="http://schemas.microsoft.com/office/powerpoint/2010/main" val="3223332966"/>
+        <p14:creationId xmlns:p14="http://schemas.microsoft.com/office/powerpoint/2010/main" val="190813014"/>
       </p:ext>
     </p:extLst>
   </p:cSld>
@@ -2322,9 +2589,9 @@
           <a:bodyPr/>
           <a:lstStyle/>
           <a:p>
-            <a:fld id="{25B35073-AD13-6A48-8F8C-739ACC6114D3}" type="datetimeFigureOut">
-              <a:rPr lang="en-US" smtClean="0"/>
-              <a:t>7/29/14</a:t>
+            <a:fld id="{0C51A9C6-C325-304C-B61F-765046FB0B72}" type="datetimeFigureOut">
+              <a:rPr lang="en-US" smtClean="0"/>
+              <a:t>8/15/14</a:t>
             </a:fld>
             <a:endParaRPr lang="en-US"/>
           </a:p>
@@ -2364,7 +2631,7 @@
           <a:bodyPr/>
           <a:lstStyle/>
           <a:p>
-            <a:fld id="{E050019A-C032-6642-B818-FA5D7495BBC3}" type="slidenum">
+            <a:fld id="{D371A1E3-43A8-574B-895D-0FCF57F828BB}" type="slidenum">
               <a:rPr lang="en-US" smtClean="0"/>
               <a:t>‹#›</a:t>
             </a:fld>
@@ -2375,7 +2642,7 @@
     </p:spTree>
     <p:extLst>
       <p:ext uri="{BB962C8B-B14F-4D97-AF65-F5344CB8AC3E}">
-        <p14:creationId xmlns:p14="http://schemas.microsoft.com/office/powerpoint/2010/main" val="250522820"/>
+        <p14:creationId xmlns:p14="http://schemas.microsoft.com/office/powerpoint/2010/main" val="720921005"/>
       </p:ext>
     </p:extLst>
   </p:cSld>
@@ -2417,9 +2684,9 @@
           <a:bodyPr/>
           <a:lstStyle/>
           <a:p>
-            <a:fld id="{25B35073-AD13-6A48-8F8C-739ACC6114D3}" type="datetimeFigureOut">
-              <a:rPr lang="en-US" smtClean="0"/>
-              <a:t>7/29/14</a:t>
+            <a:fld id="{0C51A9C6-C325-304C-B61F-765046FB0B72}" type="datetimeFigureOut">
+              <a:rPr lang="en-US" smtClean="0"/>
+              <a:t>8/15/14</a:t>
             </a:fld>
             <a:endParaRPr lang="en-US"/>
           </a:p>
@@ -2459,7 +2726,7 @@
           <a:bodyPr/>
           <a:lstStyle/>
           <a:p>
-            <a:fld id="{E050019A-C032-6642-B818-FA5D7495BBC3}" type="slidenum">
+            <a:fld id="{D371A1E3-43A8-574B-895D-0FCF57F828BB}" type="slidenum">
               <a:rPr lang="en-US" smtClean="0"/>
               <a:t>‹#›</a:t>
             </a:fld>
@@ -2470,7 +2737,7 @@
     </p:spTree>
     <p:extLst>
       <p:ext uri="{BB962C8B-B14F-4D97-AF65-F5344CB8AC3E}">
-        <p14:creationId xmlns:p14="http://schemas.microsoft.com/office/powerpoint/2010/main" val="1110310871"/>
+        <p14:creationId xmlns:p14="http://schemas.microsoft.com/office/powerpoint/2010/main" val="1478178012"/>
       </p:ext>
     </p:extLst>
   </p:cSld>
@@ -2509,15 +2776,15 @@
         </p:nvSpPr>
         <p:spPr>
           <a:xfrm>
-            <a:off x="914401" y="728133"/>
-            <a:ext cx="6016626" cy="3098800"/>
+            <a:off x="457200" y="273050"/>
+            <a:ext cx="3008313" cy="1162050"/>
           </a:xfrm>
         </p:spPr>
         <p:txBody>
           <a:bodyPr anchor="b"/>
           <a:lstStyle>
             <a:lvl1pPr algn="l">
-              <a:defRPr sz="4600" b="1"/>
+              <a:defRPr sz="2000" b="1"/>
             </a:lvl1pPr>
           </a:lstStyle>
           <a:p>
@@ -2541,39 +2808,39 @@
         </p:nvSpPr>
         <p:spPr>
           <a:xfrm>
-            <a:off x="7150100" y="728135"/>
-            <a:ext cx="10223500" cy="15608301"/>
+            <a:off x="3575050" y="273050"/>
+            <a:ext cx="5111750" cy="5853113"/>
           </a:xfrm>
         </p:spPr>
         <p:txBody>
           <a:bodyPr/>
           <a:lstStyle>
             <a:lvl1pPr>
-              <a:defRPr sz="7300"/>
+              <a:defRPr sz="3200"/>
             </a:lvl1pPr>
             <a:lvl2pPr>
-              <a:defRPr sz="6400"/>
+              <a:defRPr sz="2800"/>
             </a:lvl2pPr>
             <a:lvl3pPr>
-              <a:defRPr sz="5500"/>
+              <a:defRPr sz="2400"/>
             </a:lvl3pPr>
             <a:lvl4pPr>
-              <a:defRPr sz="4600"/>
+              <a:defRPr sz="2000"/>
             </a:lvl4pPr>
             <a:lvl5pPr>
-              <a:defRPr sz="4600"/>
+              <a:defRPr sz="2000"/>
             </a:lvl5pPr>
             <a:lvl6pPr>
-              <a:defRPr sz="4600"/>
+              <a:defRPr sz="2000"/>
             </a:lvl6pPr>
             <a:lvl7pPr>
-              <a:defRPr sz="4600"/>
+              <a:defRPr sz="2000"/>
             </a:lvl7pPr>
             <a:lvl8pPr>
-              <a:defRPr sz="4600"/>
+              <a:defRPr sz="2000"/>
             </a:lvl8pPr>
             <a:lvl9pPr>
-              <a:defRPr sz="4600"/>
+              <a:defRPr sz="2000"/>
             </a:lvl9pPr>
           </a:lstStyle>
           <a:p>
@@ -2626,8 +2893,8 @@
         </p:nvSpPr>
         <p:spPr>
           <a:xfrm>
-            <a:off x="914401" y="3826935"/>
-            <a:ext cx="6016626" cy="12509501"/>
+            <a:off x="457200" y="1435100"/>
+            <a:ext cx="3008313" cy="4691063"/>
           </a:xfrm>
         </p:spPr>
         <p:txBody>
@@ -2635,39 +2902,39 @@
           <a:lstStyle>
             <a:lvl1pPr marL="0" indent="0">
               <a:buNone/>
-              <a:defRPr sz="3200"/>
+              <a:defRPr sz="1400"/>
             </a:lvl1pPr>
-            <a:lvl2pPr marL="1045022" indent="0">
+            <a:lvl2pPr marL="457200" indent="0">
               <a:buNone/>
-              <a:defRPr sz="2700"/>
+              <a:defRPr sz="1200"/>
             </a:lvl2pPr>
-            <a:lvl3pPr marL="2090044" indent="0">
+            <a:lvl3pPr marL="914400" indent="0">
               <a:buNone/>
-              <a:defRPr sz="2300"/>
+              <a:defRPr sz="1000"/>
             </a:lvl3pPr>
-            <a:lvl4pPr marL="3135066" indent="0">
+            <a:lvl4pPr marL="1371600" indent="0">
               <a:buNone/>
-              <a:defRPr sz="2100"/>
+              <a:defRPr sz="900"/>
             </a:lvl4pPr>
-            <a:lvl5pPr marL="4180088" indent="0">
+            <a:lvl5pPr marL="1828800" indent="0">
               <a:buNone/>
-              <a:defRPr sz="2100"/>
+              <a:defRPr sz="900"/>
             </a:lvl5pPr>
-            <a:lvl6pPr marL="5225110" indent="0">
+            <a:lvl6pPr marL="2286000" indent="0">
               <a:buNone/>
-              <a:defRPr sz="2100"/>
+              <a:defRPr sz="900"/>
             </a:lvl6pPr>
-            <a:lvl7pPr marL="6270132" indent="0">
+            <a:lvl7pPr marL="2743200" indent="0">
               <a:buNone/>
-              <a:defRPr sz="2100"/>
+              <a:defRPr sz="900"/>
             </a:lvl7pPr>
-            <a:lvl8pPr marL="7315154" indent="0">
+            <a:lvl8pPr marL="3200400" indent="0">
               <a:buNone/>
-              <a:defRPr sz="2100"/>
+              <a:defRPr sz="900"/>
             </a:lvl8pPr>
-            <a:lvl9pPr marL="8360176" indent="0">
+            <a:lvl9pPr marL="3657600" indent="0">
               <a:buNone/>
-              <a:defRPr sz="2100"/>
+              <a:defRPr sz="900"/>
             </a:lvl9pPr>
           </a:lstStyle>
           <a:p>
@@ -2694,9 +2961,9 @@
           <a:bodyPr/>
           <a:lstStyle/>
           <a:p>
-            <a:fld id="{25B35073-AD13-6A48-8F8C-739ACC6114D3}" type="datetimeFigureOut">
-              <a:rPr lang="en-US" smtClean="0"/>
-              <a:t>7/29/14</a:t>
+            <a:fld id="{0C51A9C6-C325-304C-B61F-765046FB0B72}" type="datetimeFigureOut">
+              <a:rPr lang="en-US" smtClean="0"/>
+              <a:t>8/15/14</a:t>
             </a:fld>
             <a:endParaRPr lang="en-US"/>
           </a:p>
@@ -2736,7 +3003,7 @@
           <a:bodyPr/>
           <a:lstStyle/>
           <a:p>
-            <a:fld id="{E050019A-C032-6642-B818-FA5D7495BBC3}" type="slidenum">
+            <a:fld id="{D371A1E3-43A8-574B-895D-0FCF57F828BB}" type="slidenum">
               <a:rPr lang="en-US" smtClean="0"/>
               <a:t>‹#›</a:t>
             </a:fld>
@@ -2747,7 +3014,7 @@
     </p:spTree>
     <p:extLst>
       <p:ext uri="{BB962C8B-B14F-4D97-AF65-F5344CB8AC3E}">
-        <p14:creationId xmlns:p14="http://schemas.microsoft.com/office/powerpoint/2010/main" val="3389503047"/>
+        <p14:creationId xmlns:p14="http://schemas.microsoft.com/office/powerpoint/2010/main" val="1188745634"/>
       </p:ext>
     </p:extLst>
   </p:cSld>
@@ -2786,15 +3053,15 @@
         </p:nvSpPr>
         <p:spPr>
           <a:xfrm>
-            <a:off x="3584576" y="12801600"/>
-            <a:ext cx="10972800" cy="1511301"/>
+            <a:off x="1792288" y="4800600"/>
+            <a:ext cx="5486400" cy="566738"/>
           </a:xfrm>
         </p:spPr>
         <p:txBody>
           <a:bodyPr anchor="b"/>
           <a:lstStyle>
             <a:lvl1pPr algn="l">
-              <a:defRPr sz="4600" b="1"/>
+              <a:defRPr sz="2000" b="1"/>
             </a:lvl1pPr>
           </a:lstStyle>
           <a:p>
@@ -2818,69 +3085,8 @@
         </p:nvSpPr>
         <p:spPr>
           <a:xfrm>
-            <a:off x="3584576" y="1634067"/>
-            <a:ext cx="10972800" cy="10972800"/>
-          </a:xfrm>
-        </p:spPr>
-        <p:txBody>
-          <a:bodyPr/>
-          <a:lstStyle>
-            <a:lvl1pPr marL="0" indent="0">
-              <a:buNone/>
-              <a:defRPr sz="7300"/>
-            </a:lvl1pPr>
-            <a:lvl2pPr marL="1045022" indent="0">
-              <a:buNone/>
-              <a:defRPr sz="6400"/>
-            </a:lvl2pPr>
-            <a:lvl3pPr marL="2090044" indent="0">
-              <a:buNone/>
-              <a:defRPr sz="5500"/>
-            </a:lvl3pPr>
-            <a:lvl4pPr marL="3135066" indent="0">
-              <a:buNone/>
-              <a:defRPr sz="4600"/>
-            </a:lvl4pPr>
-            <a:lvl5pPr marL="4180088" indent="0">
-              <a:buNone/>
-              <a:defRPr sz="4600"/>
-            </a:lvl5pPr>
-            <a:lvl6pPr marL="5225110" indent="0">
-              <a:buNone/>
-              <a:defRPr sz="4600"/>
-            </a:lvl6pPr>
-            <a:lvl7pPr marL="6270132" indent="0">
-              <a:buNone/>
-              <a:defRPr sz="4600"/>
-            </a:lvl7pPr>
-            <a:lvl8pPr marL="7315154" indent="0">
-              <a:buNone/>
-              <a:defRPr sz="4600"/>
-            </a:lvl8pPr>
-            <a:lvl9pPr marL="8360176" indent="0">
-              <a:buNone/>
-              <a:defRPr sz="4600"/>
-            </a:lvl9pPr>
-          </a:lstStyle>
-          <a:p>
-            <a:endParaRPr lang="en-US"/>
-          </a:p>
-        </p:txBody>
-      </p:sp>
-      <p:sp>
-        <p:nvSpPr>
-          <p:cNvPr id="4" name="Text Placeholder 3"/>
-          <p:cNvSpPr>
-            <a:spLocks noGrp="1"/>
-          </p:cNvSpPr>
-          <p:nvPr>
-            <p:ph type="body" sz="half" idx="2"/>
-          </p:nvPr>
-        </p:nvSpPr>
-        <p:spPr>
-          <a:xfrm>
-            <a:off x="3584576" y="14312901"/>
-            <a:ext cx="10972800" cy="2146299"/>
+            <a:off x="1792288" y="612775"/>
+            <a:ext cx="5486400" cy="4114800"/>
           </a:xfrm>
         </p:spPr>
         <p:txBody>
@@ -2890,37 +3096,98 @@
               <a:buNone/>
               <a:defRPr sz="3200"/>
             </a:lvl1pPr>
-            <a:lvl2pPr marL="1045022" indent="0">
+            <a:lvl2pPr marL="457200" indent="0">
               <a:buNone/>
-              <a:defRPr sz="2700"/>
+              <a:defRPr sz="2800"/>
             </a:lvl2pPr>
-            <a:lvl3pPr marL="2090044" indent="0">
+            <a:lvl3pPr marL="914400" indent="0">
               <a:buNone/>
-              <a:defRPr sz="2300"/>
+              <a:defRPr sz="2400"/>
             </a:lvl3pPr>
-            <a:lvl4pPr marL="3135066" indent="0">
+            <a:lvl4pPr marL="1371600" indent="0">
               <a:buNone/>
-              <a:defRPr sz="2100"/>
+              <a:defRPr sz="2000"/>
             </a:lvl4pPr>
-            <a:lvl5pPr marL="4180088" indent="0">
+            <a:lvl5pPr marL="1828800" indent="0">
               <a:buNone/>
-              <a:defRPr sz="2100"/>
+              <a:defRPr sz="2000"/>
             </a:lvl5pPr>
-            <a:lvl6pPr marL="5225110" indent="0">
+            <a:lvl6pPr marL="2286000" indent="0">
               <a:buNone/>
-              <a:defRPr sz="2100"/>
+              <a:defRPr sz="2000"/>
             </a:lvl6pPr>
-            <a:lvl7pPr marL="6270132" indent="0">
+            <a:lvl7pPr marL="2743200" indent="0">
               <a:buNone/>
-              <a:defRPr sz="2100"/>
+              <a:defRPr sz="2000"/>
             </a:lvl7pPr>
-            <a:lvl8pPr marL="7315154" indent="0">
+            <a:lvl8pPr marL="3200400" indent="0">
               <a:buNone/>
-              <a:defRPr sz="2100"/>
+              <a:defRPr sz="2000"/>
             </a:lvl8pPr>
-            <a:lvl9pPr marL="8360176" indent="0">
+            <a:lvl9pPr marL="3657600" indent="0">
               <a:buNone/>
-              <a:defRPr sz="2100"/>
+              <a:defRPr sz="2000"/>
+            </a:lvl9pPr>
+          </a:lstStyle>
+          <a:p>
+            <a:endParaRPr lang="en-US"/>
+          </a:p>
+        </p:txBody>
+      </p:sp>
+      <p:sp>
+        <p:nvSpPr>
+          <p:cNvPr id="4" name="Text Placeholder 3"/>
+          <p:cNvSpPr>
+            <a:spLocks noGrp="1"/>
+          </p:cNvSpPr>
+          <p:nvPr>
+            <p:ph type="body" sz="half" idx="2"/>
+          </p:nvPr>
+        </p:nvSpPr>
+        <p:spPr>
+          <a:xfrm>
+            <a:off x="1792288" y="5367338"/>
+            <a:ext cx="5486400" cy="804862"/>
+          </a:xfrm>
+        </p:spPr>
+        <p:txBody>
+          <a:bodyPr/>
+          <a:lstStyle>
+            <a:lvl1pPr marL="0" indent="0">
+              <a:buNone/>
+              <a:defRPr sz="1400"/>
+            </a:lvl1pPr>
+            <a:lvl2pPr marL="457200" indent="0">
+              <a:buNone/>
+              <a:defRPr sz="1200"/>
+            </a:lvl2pPr>
+            <a:lvl3pPr marL="914400" indent="0">
+              <a:buNone/>
+              <a:defRPr sz="1000"/>
+            </a:lvl3pPr>
+            <a:lvl4pPr marL="1371600" indent="0">
+              <a:buNone/>
+              <a:defRPr sz="900"/>
+            </a:lvl4pPr>
+            <a:lvl5pPr marL="1828800" indent="0">
+              <a:buNone/>
+              <a:defRPr sz="900"/>
+            </a:lvl5pPr>
+            <a:lvl6pPr marL="2286000" indent="0">
+              <a:buNone/>
+              <a:defRPr sz="900"/>
+            </a:lvl6pPr>
+            <a:lvl7pPr marL="2743200" indent="0">
+              <a:buNone/>
+              <a:defRPr sz="900"/>
+            </a:lvl7pPr>
+            <a:lvl8pPr marL="3200400" indent="0">
+              <a:buNone/>
+              <a:defRPr sz="900"/>
+            </a:lvl8pPr>
+            <a:lvl9pPr marL="3657600" indent="0">
+              <a:buNone/>
+              <a:defRPr sz="900"/>
             </a:lvl9pPr>
           </a:lstStyle>
           <a:p>
@@ -2947,9 +3214,9 @@
           <a:bodyPr/>
           <a:lstStyle/>
           <a:p>
-            <a:fld id="{25B35073-AD13-6A48-8F8C-739ACC6114D3}" type="datetimeFigureOut">
-              <a:rPr lang="en-US" smtClean="0"/>
-              <a:t>7/29/14</a:t>
+            <a:fld id="{0C51A9C6-C325-304C-B61F-765046FB0B72}" type="datetimeFigureOut">
+              <a:rPr lang="en-US" smtClean="0"/>
+              <a:t>8/15/14</a:t>
             </a:fld>
             <a:endParaRPr lang="en-US"/>
           </a:p>
@@ -2989,7 +3256,7 @@
           <a:bodyPr/>
           <a:lstStyle/>
           <a:p>
-            <a:fld id="{E050019A-C032-6642-B818-FA5D7495BBC3}" type="slidenum">
+            <a:fld id="{D371A1E3-43A8-574B-895D-0FCF57F828BB}" type="slidenum">
               <a:rPr lang="en-US" smtClean="0"/>
               <a:t>‹#›</a:t>
             </a:fld>
@@ -3000,7 +3267,7 @@
     </p:spTree>
     <p:extLst>
       <p:ext uri="{BB962C8B-B14F-4D97-AF65-F5344CB8AC3E}">
-        <p14:creationId xmlns:p14="http://schemas.microsoft.com/office/powerpoint/2010/main" val="1932143927"/>
+        <p14:creationId xmlns:p14="http://schemas.microsoft.com/office/powerpoint/2010/main" val="2321371650"/>
       </p:ext>
     </p:extLst>
   </p:cSld>
@@ -3044,15 +3311,15 @@
         </p:nvSpPr>
         <p:spPr>
           <a:xfrm>
-            <a:off x="914400" y="732368"/>
-            <a:ext cx="16459200" cy="3048000"/>
+            <a:off x="457200" y="274638"/>
+            <a:ext cx="8229600" cy="1143000"/>
           </a:xfrm>
           <a:prstGeom prst="rect">
             <a:avLst/>
           </a:prstGeom>
         </p:spPr>
         <p:txBody>
-          <a:bodyPr vert="horz" lIns="209004" tIns="104502" rIns="209004" bIns="104502" rtlCol="0" anchor="ctr">
+          <a:bodyPr vert="horz" lIns="91440" tIns="45720" rIns="91440" bIns="45720" rtlCol="0" anchor="ctr">
             <a:normAutofit/>
           </a:bodyPr>
           <a:lstStyle/>
@@ -3077,15 +3344,15 @@
         </p:nvSpPr>
         <p:spPr>
           <a:xfrm>
-            <a:off x="914400" y="4267201"/>
-            <a:ext cx="16459200" cy="12069235"/>
+            <a:off x="457200" y="1600200"/>
+            <a:ext cx="8229600" cy="4525963"/>
           </a:xfrm>
           <a:prstGeom prst="rect">
             <a:avLst/>
           </a:prstGeom>
         </p:spPr>
         <p:txBody>
-          <a:bodyPr vert="horz" lIns="209004" tIns="104502" rIns="209004" bIns="104502" rtlCol="0">
+          <a:bodyPr vert="horz" lIns="91440" tIns="45720" rIns="91440" bIns="45720" rtlCol="0">
             <a:normAutofit/>
           </a:bodyPr>
           <a:lstStyle/>
@@ -3139,18 +3406,18 @@
         </p:nvSpPr>
         <p:spPr>
           <a:xfrm>
-            <a:off x="914400" y="16950268"/>
-            <a:ext cx="4267200" cy="973667"/>
+            <a:off x="457200" y="6356350"/>
+            <a:ext cx="2133600" cy="365125"/>
           </a:xfrm>
           <a:prstGeom prst="rect">
             <a:avLst/>
           </a:prstGeom>
         </p:spPr>
         <p:txBody>
-          <a:bodyPr vert="horz" lIns="209004" tIns="104502" rIns="209004" bIns="104502" rtlCol="0" anchor="ctr"/>
+          <a:bodyPr vert="horz" lIns="91440" tIns="45720" rIns="91440" bIns="45720" rtlCol="0" anchor="ctr"/>
           <a:lstStyle>
             <a:lvl1pPr algn="l">
-              <a:defRPr sz="2700">
+              <a:defRPr sz="1200">
                 <a:solidFill>
                   <a:schemeClr val="tx1">
                     <a:tint val="75000"/>
@@ -3160,9 +3427,9 @@
             </a:lvl1pPr>
           </a:lstStyle>
           <a:p>
-            <a:fld id="{25B35073-AD13-6A48-8F8C-739ACC6114D3}" type="datetimeFigureOut">
-              <a:rPr lang="en-US" smtClean="0"/>
-              <a:t>7/29/14</a:t>
+            <a:fld id="{0C51A9C6-C325-304C-B61F-765046FB0B72}" type="datetimeFigureOut">
+              <a:rPr lang="en-US" smtClean="0"/>
+              <a:t>8/15/14</a:t>
             </a:fld>
             <a:endParaRPr lang="en-US"/>
           </a:p>
@@ -3180,18 +3447,18 @@
         </p:nvSpPr>
         <p:spPr>
           <a:xfrm>
-            <a:off x="6248400" y="16950268"/>
-            <a:ext cx="5791200" cy="973667"/>
+            <a:off x="3124200" y="6356350"/>
+            <a:ext cx="2895600" cy="365125"/>
           </a:xfrm>
           <a:prstGeom prst="rect">
             <a:avLst/>
           </a:prstGeom>
         </p:spPr>
         <p:txBody>
-          <a:bodyPr vert="horz" lIns="209004" tIns="104502" rIns="209004" bIns="104502" rtlCol="0" anchor="ctr"/>
+          <a:bodyPr vert="horz" lIns="91440" tIns="45720" rIns="91440" bIns="45720" rtlCol="0" anchor="ctr"/>
           <a:lstStyle>
             <a:lvl1pPr algn="ctr">
-              <a:defRPr sz="2700">
+              <a:defRPr sz="1200">
                 <a:solidFill>
                   <a:schemeClr val="tx1">
                     <a:tint val="75000"/>
@@ -3217,18 +3484,18 @@
         </p:nvSpPr>
         <p:spPr>
           <a:xfrm>
-            <a:off x="13106400" y="16950268"/>
-            <a:ext cx="4267200" cy="973667"/>
+            <a:off x="6553200" y="6356350"/>
+            <a:ext cx="2133600" cy="365125"/>
           </a:xfrm>
           <a:prstGeom prst="rect">
             <a:avLst/>
           </a:prstGeom>
         </p:spPr>
         <p:txBody>
-          <a:bodyPr vert="horz" lIns="209004" tIns="104502" rIns="209004" bIns="104502" rtlCol="0" anchor="ctr"/>
+          <a:bodyPr vert="horz" lIns="91440" tIns="45720" rIns="91440" bIns="45720" rtlCol="0" anchor="ctr"/>
           <a:lstStyle>
             <a:lvl1pPr algn="r">
-              <a:defRPr sz="2700">
+              <a:defRPr sz="1200">
                 <a:solidFill>
                   <a:schemeClr val="tx1">
                     <a:tint val="75000"/>
@@ -3238,7 +3505,7 @@
             </a:lvl1pPr>
           </a:lstStyle>
           <a:p>
-            <a:fld id="{E050019A-C032-6642-B818-FA5D7495BBC3}" type="slidenum">
+            <a:fld id="{D371A1E3-43A8-574B-895D-0FCF57F828BB}" type="slidenum">
               <a:rPr lang="en-US" smtClean="0"/>
               <a:t>‹#›</a:t>
             </a:fld>
@@ -3249,7 +3516,7 @@
     </p:spTree>
     <p:extLst>
       <p:ext uri="{BB962C8B-B14F-4D97-AF65-F5344CB8AC3E}">
-        <p14:creationId xmlns:p14="http://schemas.microsoft.com/office/powerpoint/2010/main" val="3691601750"/>
+        <p14:creationId xmlns:p14="http://schemas.microsoft.com/office/powerpoint/2010/main" val="2071812428"/>
       </p:ext>
     </p:extLst>
   </p:cSld>
@@ -3269,12 +3536,12 @@
   </p:sldLayoutIdLst>
   <p:txStyles>
     <p:titleStyle>
-      <a:lvl1pPr algn="ctr" defTabSz="1045022" rtl="0" eaLnBrk="1" latinLnBrk="0" hangingPunct="1">
+      <a:lvl1pPr algn="ctr" defTabSz="457200" rtl="0" eaLnBrk="1" latinLnBrk="0" hangingPunct="1">
         <a:spcBef>
           <a:spcPct val="0"/>
         </a:spcBef>
         <a:buNone/>
-        <a:defRPr sz="10100" kern="1200">
+        <a:defRPr sz="4400" kern="1200">
           <a:solidFill>
             <a:schemeClr val="tx1"/>
           </a:solidFill>
@@ -3285,13 +3552,13 @@
       </a:lvl1pPr>
     </p:titleStyle>
     <p:bodyStyle>
-      <a:lvl1pPr marL="783767" indent="-783767" algn="l" defTabSz="1045022" rtl="0" eaLnBrk="1" latinLnBrk="0" hangingPunct="1">
+      <a:lvl1pPr marL="342900" indent="-342900" algn="l" defTabSz="457200" rtl="0" eaLnBrk="1" latinLnBrk="0" hangingPunct="1">
         <a:spcBef>
           <a:spcPct val="20000"/>
         </a:spcBef>
         <a:buFont typeface="Arial"/>
         <a:buChar char="•"/>
-        <a:defRPr sz="7300" kern="1200">
+        <a:defRPr sz="3200" kern="1200">
           <a:solidFill>
             <a:schemeClr val="tx1"/>
           </a:solidFill>
@@ -3300,13 +3567,13 @@
           <a:cs typeface="+mn-cs"/>
         </a:defRPr>
       </a:lvl1pPr>
-      <a:lvl2pPr marL="1698161" indent="-653139" algn="l" defTabSz="1045022" rtl="0" eaLnBrk="1" latinLnBrk="0" hangingPunct="1">
+      <a:lvl2pPr marL="742950" indent="-285750" algn="l" defTabSz="457200" rtl="0" eaLnBrk="1" latinLnBrk="0" hangingPunct="1">
         <a:spcBef>
           <a:spcPct val="20000"/>
         </a:spcBef>
         <a:buFont typeface="Arial"/>
         <a:buChar char="–"/>
-        <a:defRPr sz="6400" kern="1200">
+        <a:defRPr sz="2800" kern="1200">
           <a:solidFill>
             <a:schemeClr val="tx1"/>
           </a:solidFill>
@@ -3315,13 +3582,13 @@
           <a:cs typeface="+mn-cs"/>
         </a:defRPr>
       </a:lvl2pPr>
-      <a:lvl3pPr marL="2612555" indent="-522511" algn="l" defTabSz="1045022" rtl="0" eaLnBrk="1" latinLnBrk="0" hangingPunct="1">
+      <a:lvl3pPr marL="1143000" indent="-228600" algn="l" defTabSz="457200" rtl="0" eaLnBrk="1" latinLnBrk="0" hangingPunct="1">
         <a:spcBef>
           <a:spcPct val="20000"/>
         </a:spcBef>
         <a:buFont typeface="Arial"/>
         <a:buChar char="•"/>
-        <a:defRPr sz="5500" kern="1200">
+        <a:defRPr sz="2400" kern="1200">
           <a:solidFill>
             <a:schemeClr val="tx1"/>
           </a:solidFill>
@@ -3330,13 +3597,13 @@
           <a:cs typeface="+mn-cs"/>
         </a:defRPr>
       </a:lvl3pPr>
-      <a:lvl4pPr marL="3657577" indent="-522511" algn="l" defTabSz="1045022" rtl="0" eaLnBrk="1" latinLnBrk="0" hangingPunct="1">
+      <a:lvl4pPr marL="1600200" indent="-228600" algn="l" defTabSz="457200" rtl="0" eaLnBrk="1" latinLnBrk="0" hangingPunct="1">
         <a:spcBef>
           <a:spcPct val="20000"/>
         </a:spcBef>
         <a:buFont typeface="Arial"/>
         <a:buChar char="–"/>
-        <a:defRPr sz="4600" kern="1200">
+        <a:defRPr sz="2000" kern="1200">
           <a:solidFill>
             <a:schemeClr val="tx1"/>
           </a:solidFill>
@@ -3345,13 +3612,13 @@
           <a:cs typeface="+mn-cs"/>
         </a:defRPr>
       </a:lvl4pPr>
-      <a:lvl5pPr marL="4702599" indent="-522511" algn="l" defTabSz="1045022" rtl="0" eaLnBrk="1" latinLnBrk="0" hangingPunct="1">
+      <a:lvl5pPr marL="2057400" indent="-228600" algn="l" defTabSz="457200" rtl="0" eaLnBrk="1" latinLnBrk="0" hangingPunct="1">
         <a:spcBef>
           <a:spcPct val="20000"/>
         </a:spcBef>
         <a:buFont typeface="Arial"/>
         <a:buChar char="»"/>
-        <a:defRPr sz="4600" kern="1200">
+        <a:defRPr sz="2000" kern="1200">
           <a:solidFill>
             <a:schemeClr val="tx1"/>
           </a:solidFill>
@@ -3360,13 +3627,13 @@
           <a:cs typeface="+mn-cs"/>
         </a:defRPr>
       </a:lvl5pPr>
-      <a:lvl6pPr marL="5747621" indent="-522511" algn="l" defTabSz="1045022" rtl="0" eaLnBrk="1" latinLnBrk="0" hangingPunct="1">
+      <a:lvl6pPr marL="2514600" indent="-228600" algn="l" defTabSz="457200" rtl="0" eaLnBrk="1" latinLnBrk="0" hangingPunct="1">
         <a:spcBef>
           <a:spcPct val="20000"/>
         </a:spcBef>
         <a:buFont typeface="Arial"/>
         <a:buChar char="•"/>
-        <a:defRPr sz="4600" kern="1200">
+        <a:defRPr sz="2000" kern="1200">
           <a:solidFill>
             <a:schemeClr val="tx1"/>
           </a:solidFill>
@@ -3375,13 +3642,13 @@
           <a:cs typeface="+mn-cs"/>
         </a:defRPr>
       </a:lvl6pPr>
-      <a:lvl7pPr marL="6792643" indent="-522511" algn="l" defTabSz="1045022" rtl="0" eaLnBrk="1" latinLnBrk="0" hangingPunct="1">
+      <a:lvl7pPr marL="2971800" indent="-228600" algn="l" defTabSz="457200" rtl="0" eaLnBrk="1" latinLnBrk="0" hangingPunct="1">
         <a:spcBef>
           <a:spcPct val="20000"/>
         </a:spcBef>
         <a:buFont typeface="Arial"/>
         <a:buChar char="•"/>
-        <a:defRPr sz="4600" kern="1200">
+        <a:defRPr sz="2000" kern="1200">
           <a:solidFill>
             <a:schemeClr val="tx1"/>
           </a:solidFill>
@@ -3390,13 +3657,13 @@
           <a:cs typeface="+mn-cs"/>
         </a:defRPr>
       </a:lvl7pPr>
-      <a:lvl8pPr marL="7837665" indent="-522511" algn="l" defTabSz="1045022" rtl="0" eaLnBrk="1" latinLnBrk="0" hangingPunct="1">
+      <a:lvl8pPr marL="3429000" indent="-228600" algn="l" defTabSz="457200" rtl="0" eaLnBrk="1" latinLnBrk="0" hangingPunct="1">
         <a:spcBef>
           <a:spcPct val="20000"/>
         </a:spcBef>
         <a:buFont typeface="Arial"/>
         <a:buChar char="•"/>
-        <a:defRPr sz="4600" kern="1200">
+        <a:defRPr sz="2000" kern="1200">
           <a:solidFill>
             <a:schemeClr val="tx1"/>
           </a:solidFill>
@@ -3405,13 +3672,13 @@
           <a:cs typeface="+mn-cs"/>
         </a:defRPr>
       </a:lvl8pPr>
-      <a:lvl9pPr marL="8882687" indent="-522511" algn="l" defTabSz="1045022" rtl="0" eaLnBrk="1" latinLnBrk="0" hangingPunct="1">
+      <a:lvl9pPr marL="3886200" indent="-228600" algn="l" defTabSz="457200" rtl="0" eaLnBrk="1" latinLnBrk="0" hangingPunct="1">
         <a:spcBef>
           <a:spcPct val="20000"/>
         </a:spcBef>
         <a:buFont typeface="Arial"/>
         <a:buChar char="•"/>
-        <a:defRPr sz="4600" kern="1200">
+        <a:defRPr sz="2000" kern="1200">
           <a:solidFill>
             <a:schemeClr val="tx1"/>
           </a:solidFill>
@@ -3425,8 +3692,8 @@
       <a:defPPr>
         <a:defRPr lang="en-US"/>
       </a:defPPr>
-      <a:lvl1pPr marL="0" algn="l" defTabSz="1045022" rtl="0" eaLnBrk="1" latinLnBrk="0" hangingPunct="1">
-        <a:defRPr sz="4100" kern="1200">
+      <a:lvl1pPr marL="0" algn="l" defTabSz="457200" rtl="0" eaLnBrk="1" latinLnBrk="0" hangingPunct="1">
+        <a:defRPr sz="1800" kern="1200">
           <a:solidFill>
             <a:schemeClr val="tx1"/>
           </a:solidFill>
@@ -3435,8 +3702,8 @@
           <a:cs typeface="+mn-cs"/>
         </a:defRPr>
       </a:lvl1pPr>
-      <a:lvl2pPr marL="1045022" algn="l" defTabSz="1045022" rtl="0" eaLnBrk="1" latinLnBrk="0" hangingPunct="1">
-        <a:defRPr sz="4100" kern="1200">
+      <a:lvl2pPr marL="457200" algn="l" defTabSz="457200" rtl="0" eaLnBrk="1" latinLnBrk="0" hangingPunct="1">
+        <a:defRPr sz="1800" kern="1200">
           <a:solidFill>
             <a:schemeClr val="tx1"/>
           </a:solidFill>
@@ -3445,8 +3712,8 @@
           <a:cs typeface="+mn-cs"/>
         </a:defRPr>
       </a:lvl2pPr>
-      <a:lvl3pPr marL="2090044" algn="l" defTabSz="1045022" rtl="0" eaLnBrk="1" latinLnBrk="0" hangingPunct="1">
-        <a:defRPr sz="4100" kern="1200">
+      <a:lvl3pPr marL="914400" algn="l" defTabSz="457200" rtl="0" eaLnBrk="1" latinLnBrk="0" hangingPunct="1">
+        <a:defRPr sz="1800" kern="1200">
           <a:solidFill>
             <a:schemeClr val="tx1"/>
           </a:solidFill>
@@ -3455,8 +3722,8 @@
           <a:cs typeface="+mn-cs"/>
         </a:defRPr>
       </a:lvl3pPr>
-      <a:lvl4pPr marL="3135066" algn="l" defTabSz="1045022" rtl="0" eaLnBrk="1" latinLnBrk="0" hangingPunct="1">
-        <a:defRPr sz="4100" kern="1200">
+      <a:lvl4pPr marL="1371600" algn="l" defTabSz="457200" rtl="0" eaLnBrk="1" latinLnBrk="0" hangingPunct="1">
+        <a:defRPr sz="1800" kern="1200">
           <a:solidFill>
             <a:schemeClr val="tx1"/>
           </a:solidFill>
@@ -3465,8 +3732,8 @@
           <a:cs typeface="+mn-cs"/>
         </a:defRPr>
       </a:lvl4pPr>
-      <a:lvl5pPr marL="4180088" algn="l" defTabSz="1045022" rtl="0" eaLnBrk="1" latinLnBrk="0" hangingPunct="1">
-        <a:defRPr sz="4100" kern="1200">
+      <a:lvl5pPr marL="1828800" algn="l" defTabSz="457200" rtl="0" eaLnBrk="1" latinLnBrk="0" hangingPunct="1">
+        <a:defRPr sz="1800" kern="1200">
           <a:solidFill>
             <a:schemeClr val="tx1"/>
           </a:solidFill>
@@ -3475,8 +3742,8 @@
           <a:cs typeface="+mn-cs"/>
         </a:defRPr>
       </a:lvl5pPr>
-      <a:lvl6pPr marL="5225110" algn="l" defTabSz="1045022" rtl="0" eaLnBrk="1" latinLnBrk="0" hangingPunct="1">
-        <a:defRPr sz="4100" kern="1200">
+      <a:lvl6pPr marL="2286000" algn="l" defTabSz="457200" rtl="0" eaLnBrk="1" latinLnBrk="0" hangingPunct="1">
+        <a:defRPr sz="1800" kern="1200">
           <a:solidFill>
             <a:schemeClr val="tx1"/>
           </a:solidFill>
@@ -3485,8 +3752,8 @@
           <a:cs typeface="+mn-cs"/>
         </a:defRPr>
       </a:lvl6pPr>
-      <a:lvl7pPr marL="6270132" algn="l" defTabSz="1045022" rtl="0" eaLnBrk="1" latinLnBrk="0" hangingPunct="1">
-        <a:defRPr sz="4100" kern="1200">
+      <a:lvl7pPr marL="2743200" algn="l" defTabSz="457200" rtl="0" eaLnBrk="1" latinLnBrk="0" hangingPunct="1">
+        <a:defRPr sz="1800" kern="1200">
           <a:solidFill>
             <a:schemeClr val="tx1"/>
           </a:solidFill>
@@ -3495,8 +3762,8 @@
           <a:cs typeface="+mn-cs"/>
         </a:defRPr>
       </a:lvl7pPr>
-      <a:lvl8pPr marL="7315154" algn="l" defTabSz="1045022" rtl="0" eaLnBrk="1" latinLnBrk="0" hangingPunct="1">
-        <a:defRPr sz="4100" kern="1200">
+      <a:lvl8pPr marL="3200400" algn="l" defTabSz="457200" rtl="0" eaLnBrk="1" latinLnBrk="0" hangingPunct="1">
+        <a:defRPr sz="1800" kern="1200">
           <a:solidFill>
             <a:schemeClr val="tx1"/>
           </a:solidFill>
@@ -3505,8 +3772,8 @@
           <a:cs typeface="+mn-cs"/>
         </a:defRPr>
       </a:lvl8pPr>
-      <a:lvl9pPr marL="8360176" algn="l" defTabSz="1045022" rtl="0" eaLnBrk="1" latinLnBrk="0" hangingPunct="1">
-        <a:defRPr sz="4100" kern="1200">
+      <a:lvl9pPr marL="3657600" algn="l" defTabSz="457200" rtl="0" eaLnBrk="1" latinLnBrk="0" hangingPunct="1">
+        <a:defRPr sz="1800" kern="1200">
           <a:solidFill>
             <a:schemeClr val="tx1"/>
           </a:solidFill>
@@ -3539,14 +3806,14 @@
       </p:grpSpPr>
       <p:pic>
         <p:nvPicPr>
-          <p:cNvPr id="39" name="Picture 38" descr="latex-image-1.pdf"/>
+          <p:cNvPr id="12" name="Picture 11" descr="latex-image-1.pdf"/>
           <p:cNvPicPr>
             <a:picLocks noChangeAspect="1"/>
           </p:cNvPicPr>
           <p:nvPr/>
         </p:nvPicPr>
         <p:blipFill>
-          <a:blip r:embed="rId3">
+          <a:blip r:embed="rId2">
             <a:extLst>
               <a:ext uri="{28A0092B-C50C-407E-A947-70E740481C1C}">
                 <a14:useLocalDpi xmlns:a14="http://schemas.microsoft.com/office/drawing/2010/main" val="0"/>
@@ -3559,7 +3826,7 @@
         </p:blipFill>
         <p:spPr>
           <a:xfrm>
-            <a:off x="6977600" y="2555009"/>
+            <a:off x="6977600" y="2555008"/>
             <a:ext cx="1079500" cy="177800"/>
           </a:xfrm>
           <a:prstGeom prst="rect">
@@ -3569,14 +3836,14 @@
       </p:pic>
       <p:pic>
         <p:nvPicPr>
-          <p:cNvPr id="6" name="Picture 5"/>
+          <p:cNvPr id="13" name="Picture 12"/>
           <p:cNvPicPr>
             <a:picLocks/>
           </p:cNvPicPr>
           <p:nvPr/>
         </p:nvPicPr>
         <p:blipFill rotWithShape="1">
-          <a:blip r:embed="rId4">
+          <a:blip r:embed="rId3">
             <a:extLst>
               <a:ext uri="{28A0092B-C50C-407E-A947-70E740481C1C}">
                 <a14:useLocalDpi xmlns:a14="http://schemas.microsoft.com/office/drawing/2010/main" val="0"/>
@@ -3588,8 +3855,8 @@
         </p:blipFill>
         <p:spPr>
           <a:xfrm>
-            <a:off x="240259" y="2643909"/>
-            <a:ext cx="2474106" cy="1239923"/>
+            <a:off x="240261" y="2643910"/>
+            <a:ext cx="2474106" cy="1239924"/>
           </a:xfrm>
           <a:prstGeom prst="rect">
             <a:avLst/>
@@ -3598,7 +3865,7 @@
       </p:pic>
       <p:sp>
         <p:nvSpPr>
-          <p:cNvPr id="13" name="Freeform 6"/>
+          <p:cNvPr id="14" name="Freeform 6"/>
           <p:cNvSpPr>
             <a:spLocks/>
           </p:cNvSpPr>
@@ -3606,8 +3873,8 @@
         </p:nvSpPr>
         <p:spPr bwMode="auto">
           <a:xfrm>
-            <a:off x="1742400" y="3574630"/>
-            <a:ext cx="13187" cy="13373"/>
+            <a:off x="1742400" y="3574631"/>
+            <a:ext cx="13188" cy="13374"/>
           </a:xfrm>
           <a:custGeom>
             <a:avLst/>
@@ -3682,7 +3949,7 @@
           </a:ln>
         </p:spPr>
         <p:txBody>
-          <a:bodyPr/>
+          <a:bodyPr lIns="91440" tIns="45720" rIns="91440" bIns="45720"/>
           <a:lstStyle/>
           <a:p>
             <a:endParaRPr lang="en-US" dirty="0"/>
@@ -3691,7 +3958,7 @@
       </p:sp>
       <p:sp>
         <p:nvSpPr>
-          <p:cNvPr id="24" name="Text Box 30"/>
+          <p:cNvPr id="15" name="Text Box 30"/>
           <p:cNvSpPr txBox="1">
             <a:spLocks noChangeArrowheads="1"/>
           </p:cNvSpPr>
@@ -3699,7 +3966,7 @@
         </p:nvSpPr>
         <p:spPr bwMode="auto">
           <a:xfrm>
-            <a:off x="67077" y="2053387"/>
+            <a:off x="67078" y="2053389"/>
             <a:ext cx="2647288" cy="400110"/>
           </a:xfrm>
           <a:prstGeom prst="rect">
@@ -3714,7 +3981,7 @@
           </a:ln>
         </p:spPr>
         <p:txBody>
-          <a:bodyPr wrap="square" lIns="0" rIns="0">
+          <a:bodyPr wrap="square" lIns="0" tIns="45720" rIns="0" bIns="45720">
             <a:spAutoFit/>
           </a:bodyPr>
           <a:lstStyle/>
@@ -3725,16 +3992,15 @@
               </a:spcBef>
             </a:pPr>
             <a:r>
-              <a:rPr lang="en-US" sz="2000" b="1" dirty="0" smtClean="0"/>
+              <a:rPr lang="en-US" sz="2000" b="1" dirty="0"/>
               <a:t>Initial Space-Time Guess</a:t>
             </a:r>
-            <a:endParaRPr lang="en-US" sz="2000" b="1" dirty="0"/>
-          </a:p>
-        </p:txBody>
-      </p:sp>
-      <p:sp>
-        <p:nvSpPr>
-          <p:cNvPr id="26" name="Rectangle 19"/>
+          </a:p>
+        </p:txBody>
+      </p:sp>
+      <p:sp>
+        <p:nvSpPr>
+          <p:cNvPr id="16" name="Rectangle 19"/>
           <p:cNvSpPr>
             <a:spLocks noChangeArrowheads="1"/>
           </p:cNvSpPr>
@@ -3742,8 +4008,8 @@
         </p:nvSpPr>
         <p:spPr bwMode="auto">
           <a:xfrm>
-            <a:off x="67077" y="2459184"/>
-            <a:ext cx="2680419" cy="1542862"/>
+            <a:off x="67078" y="2459185"/>
+            <a:ext cx="2680420" cy="1542862"/>
           </a:xfrm>
           <a:prstGeom prst="rect">
             <a:avLst/>
@@ -3759,7 +4025,7 @@
           </a:ln>
         </p:spPr>
         <p:txBody>
-          <a:bodyPr wrap="none" anchor="ctr"/>
+          <a:bodyPr wrap="none" lIns="91440" tIns="45720" rIns="91440" bIns="45720" anchor="ctr"/>
           <a:lstStyle/>
           <a:p>
             <a:endParaRPr lang="en-US" dirty="0"/>
@@ -3768,14 +4034,14 @@
       </p:sp>
       <p:sp>
         <p:nvSpPr>
-          <p:cNvPr id="27" name="TextBox 26"/>
+          <p:cNvPr id="17" name="TextBox 16"/>
           <p:cNvSpPr txBox="1"/>
           <p:nvPr/>
         </p:nvSpPr>
         <p:spPr>
           <a:xfrm rot="16993905">
-            <a:off x="-112476" y="3165669"/>
-            <a:ext cx="623557" cy="353943"/>
+            <a:off x="-125383" y="3157976"/>
+            <a:ext cx="649374" cy="369332"/>
           </a:xfrm>
           <a:prstGeom prst="rect">
             <a:avLst/>
@@ -3783,13 +4049,13 @@
           <a:noFill/>
         </p:spPr>
         <p:txBody>
-          <a:bodyPr wrap="none" rtlCol="0">
+          <a:bodyPr wrap="none" lIns="91440" tIns="45720" rIns="91440" bIns="45720" rtlCol="0">
             <a:spAutoFit/>
           </a:bodyPr>
           <a:lstStyle/>
           <a:p>
             <a:r>
-              <a:rPr lang="en-US" sz="1700" dirty="0">
+              <a:rPr lang="en-US" sz="1800" dirty="0">
                 <a:solidFill>
                   <a:srgbClr val="000000"/>
                 </a:solidFill>
@@ -3801,14 +4067,14 @@
       </p:sp>
       <p:sp>
         <p:nvSpPr>
-          <p:cNvPr id="28" name="TextBox 27"/>
+          <p:cNvPr id="18" name="TextBox 17"/>
           <p:cNvSpPr txBox="1"/>
           <p:nvPr/>
         </p:nvSpPr>
         <p:spPr>
           <a:xfrm rot="20878399">
-            <a:off x="1078762" y="3566740"/>
-            <a:ext cx="704458" cy="353943"/>
+            <a:off x="1063475" y="3559046"/>
+            <a:ext cx="735034" cy="369332"/>
           </a:xfrm>
           <a:prstGeom prst="rect">
             <a:avLst/>
@@ -3816,13 +4082,13 @@
           <a:noFill/>
         </p:spPr>
         <p:txBody>
-          <a:bodyPr wrap="none" rtlCol="0">
+          <a:bodyPr wrap="none" lIns="91440" tIns="45720" rIns="91440" bIns="45720" rtlCol="0">
             <a:spAutoFit/>
           </a:bodyPr>
           <a:lstStyle/>
           <a:p>
             <a:r>
-              <a:rPr lang="en-US" sz="1700" dirty="0">
+              <a:rPr lang="en-US" sz="1800" dirty="0">
                 <a:solidFill>
                   <a:srgbClr val="000000"/>
                 </a:solidFill>
@@ -3834,7 +4100,7 @@
       </p:sp>
       <p:sp>
         <p:nvSpPr>
-          <p:cNvPr id="29" name="Line 25"/>
+          <p:cNvPr id="19" name="Line 25"/>
           <p:cNvSpPr>
             <a:spLocks noChangeShapeType="1"/>
           </p:cNvSpPr>
@@ -3842,8 +4108,8 @@
         </p:nvSpPr>
         <p:spPr bwMode="auto">
           <a:xfrm flipV="1">
-            <a:off x="304238" y="2712557"/>
-            <a:ext cx="122165" cy="407474"/>
+            <a:off x="304239" y="2712559"/>
+            <a:ext cx="122166" cy="407474"/>
           </a:xfrm>
           <a:prstGeom prst="line">
             <a:avLst/>
@@ -3859,7 +4125,7 @@
           </a:ln>
         </p:spPr>
         <p:txBody>
-          <a:bodyPr wrap="none" anchor="ctr"/>
+          <a:bodyPr wrap="none" lIns="91440" tIns="45720" rIns="91440" bIns="45720" anchor="ctr"/>
           <a:lstStyle/>
           <a:p>
             <a:endParaRPr lang="en-US" dirty="0"/>
@@ -3868,7 +4134,7 @@
       </p:sp>
       <p:sp>
         <p:nvSpPr>
-          <p:cNvPr id="30" name="Line 25"/>
+          <p:cNvPr id="20" name="Line 25"/>
           <p:cNvSpPr>
             <a:spLocks noChangeShapeType="1"/>
           </p:cNvSpPr>
@@ -3876,8 +4142,8 @@
         </p:nvSpPr>
         <p:spPr bwMode="auto">
           <a:xfrm flipV="1">
-            <a:off x="1755462" y="3553211"/>
-            <a:ext cx="515661" cy="145445"/>
+            <a:off x="1755463" y="3553213"/>
+            <a:ext cx="515662" cy="145446"/>
           </a:xfrm>
           <a:prstGeom prst="line">
             <a:avLst/>
@@ -3893,7 +4159,7 @@
           </a:ln>
         </p:spPr>
         <p:txBody>
-          <a:bodyPr wrap="none" anchor="ctr"/>
+          <a:bodyPr wrap="none" lIns="91440" tIns="45720" rIns="91440" bIns="45720" anchor="ctr"/>
           <a:lstStyle/>
           <a:p>
             <a:endParaRPr lang="en-US" dirty="0"/>
@@ -3902,7 +4168,7 @@
       </p:sp>
       <p:sp>
         <p:nvSpPr>
-          <p:cNvPr id="52" name="Text Box 30"/>
+          <p:cNvPr id="21" name="Text Box 30"/>
           <p:cNvSpPr txBox="1">
             <a:spLocks noChangeArrowheads="1"/>
           </p:cNvSpPr>
@@ -3910,7 +4176,7 @@
         </p:nvSpPr>
         <p:spPr bwMode="auto">
           <a:xfrm>
-            <a:off x="3149036" y="2052989"/>
+            <a:off x="3149037" y="2052991"/>
             <a:ext cx="2680418" cy="400110"/>
           </a:xfrm>
           <a:prstGeom prst="rect">
@@ -3925,7 +4191,7 @@
           </a:ln>
         </p:spPr>
         <p:txBody>
-          <a:bodyPr wrap="square">
+          <a:bodyPr wrap="square" lIns="91440" tIns="45720" rIns="91440" bIns="45720">
             <a:spAutoFit/>
           </a:bodyPr>
           <a:lstStyle/>
@@ -3936,7 +4202,7 @@
               </a:spcBef>
             </a:pPr>
             <a:r>
-              <a:rPr lang="en-US" sz="2000" b="1" dirty="0" smtClean="0"/>
+              <a:rPr lang="en-US" sz="2000" b="1" dirty="0"/>
               <a:t>Iterate</a:t>
             </a:r>
             <a:endParaRPr lang="en-US" sz="2000" dirty="0"/>
@@ -3945,7 +4211,7 @@
       </p:sp>
       <p:sp>
         <p:nvSpPr>
-          <p:cNvPr id="41" name="Freeform 6"/>
+          <p:cNvPr id="22" name="Freeform 6"/>
           <p:cNvSpPr>
             <a:spLocks/>
           </p:cNvSpPr>
@@ -3953,8 +4219,8 @@
         </p:nvSpPr>
         <p:spPr bwMode="auto">
           <a:xfrm>
-            <a:off x="4824358" y="3576369"/>
-            <a:ext cx="13187" cy="13373"/>
+            <a:off x="4824358" y="3576371"/>
+            <a:ext cx="13188" cy="13374"/>
           </a:xfrm>
           <a:custGeom>
             <a:avLst/>
@@ -4029,7 +4295,7 @@
           </a:ln>
         </p:spPr>
         <p:txBody>
-          <a:bodyPr/>
+          <a:bodyPr lIns="91440" tIns="45720" rIns="91440" bIns="45720"/>
           <a:lstStyle/>
           <a:p>
             <a:endParaRPr lang="en-US" dirty="0"/>
@@ -4038,14 +4304,14 @@
       </p:sp>
       <p:pic>
         <p:nvPicPr>
-          <p:cNvPr id="53" name="Picture 52"/>
+          <p:cNvPr id="23" name="Picture 22"/>
           <p:cNvPicPr>
             <a:picLocks noChangeAspect="1"/>
           </p:cNvPicPr>
           <p:nvPr/>
         </p:nvPicPr>
         <p:blipFill rotWithShape="1">
-          <a:blip r:embed="rId5">
+          <a:blip r:embed="rId4">
             <a:extLst>
               <a:ext uri="{28A0092B-C50C-407E-A947-70E740481C1C}">
                 <a14:useLocalDpi xmlns:a14="http://schemas.microsoft.com/office/drawing/2010/main" val="0"/>
@@ -4057,8 +4323,8 @@
         </p:blipFill>
         <p:spPr>
           <a:xfrm>
-            <a:off x="3335686" y="2731767"/>
-            <a:ext cx="2515412" cy="1156199"/>
+            <a:off x="3335686" y="2731768"/>
+            <a:ext cx="2515412" cy="1156200"/>
           </a:xfrm>
           <a:prstGeom prst="rect">
             <a:avLst/>
@@ -4067,7 +4333,7 @@
       </p:pic>
       <p:sp>
         <p:nvSpPr>
-          <p:cNvPr id="55" name="Rectangle 19"/>
+          <p:cNvPr id="24" name="Rectangle 19"/>
           <p:cNvSpPr>
             <a:spLocks noChangeArrowheads="1"/>
           </p:cNvSpPr>
@@ -4075,8 +4341,8 @@
         </p:nvSpPr>
         <p:spPr bwMode="auto">
           <a:xfrm>
-            <a:off x="3149035" y="2460922"/>
-            <a:ext cx="2680419" cy="1545679"/>
+            <a:off x="3149036" y="2460922"/>
+            <a:ext cx="2680420" cy="1545680"/>
           </a:xfrm>
           <a:prstGeom prst="rect">
             <a:avLst/>
@@ -4092,7 +4358,7 @@
           </a:ln>
         </p:spPr>
         <p:txBody>
-          <a:bodyPr wrap="none" anchor="ctr"/>
+          <a:bodyPr wrap="none" lIns="91440" tIns="45720" rIns="91440" bIns="45720" anchor="ctr"/>
           <a:lstStyle/>
           <a:p>
             <a:endParaRPr lang="en-US" dirty="0"/>
@@ -4101,14 +4367,14 @@
       </p:sp>
       <p:sp>
         <p:nvSpPr>
-          <p:cNvPr id="56" name="TextBox 55"/>
+          <p:cNvPr id="25" name="TextBox 24"/>
           <p:cNvSpPr txBox="1"/>
           <p:nvPr/>
         </p:nvSpPr>
         <p:spPr>
           <a:xfrm rot="16993905">
-            <a:off x="2993727" y="3474505"/>
-            <a:ext cx="623557" cy="353943"/>
+            <a:off x="2980821" y="3466812"/>
+            <a:ext cx="649374" cy="369332"/>
           </a:xfrm>
           <a:prstGeom prst="rect">
             <a:avLst/>
@@ -4116,13 +4382,13 @@
           <a:noFill/>
         </p:spPr>
         <p:txBody>
-          <a:bodyPr wrap="none" rtlCol="0">
+          <a:bodyPr wrap="none" lIns="91440" tIns="45720" rIns="91440" bIns="45720" rtlCol="0">
             <a:spAutoFit/>
           </a:bodyPr>
           <a:lstStyle/>
           <a:p>
             <a:r>
-              <a:rPr lang="en-US" sz="1700" dirty="0">
+              <a:rPr lang="en-US" sz="1800" dirty="0">
                 <a:solidFill>
                   <a:srgbClr val="000000"/>
                 </a:solidFill>
@@ -4134,14 +4400,14 @@
       </p:sp>
       <p:sp>
         <p:nvSpPr>
-          <p:cNvPr id="57" name="TextBox 56"/>
+          <p:cNvPr id="26" name="TextBox 25"/>
           <p:cNvSpPr txBox="1"/>
           <p:nvPr/>
         </p:nvSpPr>
         <p:spPr>
           <a:xfrm rot="20878399">
-            <a:off x="4151649" y="3559408"/>
-            <a:ext cx="704458" cy="353943"/>
+            <a:off x="4136363" y="3551714"/>
+            <a:ext cx="735034" cy="369332"/>
           </a:xfrm>
           <a:prstGeom prst="rect">
             <a:avLst/>
@@ -4149,13 +4415,13 @@
           <a:noFill/>
         </p:spPr>
         <p:txBody>
-          <a:bodyPr wrap="none" rtlCol="0">
+          <a:bodyPr wrap="none" lIns="91440" tIns="45720" rIns="91440" bIns="45720" rtlCol="0">
             <a:spAutoFit/>
           </a:bodyPr>
           <a:lstStyle/>
           <a:p>
             <a:r>
-              <a:rPr lang="en-US" sz="1700" dirty="0">
+              <a:rPr lang="en-US" sz="1800" dirty="0">
                 <a:solidFill>
                   <a:srgbClr val="000000"/>
                 </a:solidFill>
@@ -4167,7 +4433,7 @@
       </p:sp>
       <p:sp>
         <p:nvSpPr>
-          <p:cNvPr id="58" name="Line 25"/>
+          <p:cNvPr id="27" name="Line 25"/>
           <p:cNvSpPr>
             <a:spLocks noChangeShapeType="1"/>
           </p:cNvSpPr>
@@ -4175,8 +4441,8 @@
         </p:nvSpPr>
         <p:spPr bwMode="auto">
           <a:xfrm flipV="1">
-            <a:off x="3420831" y="3014466"/>
-            <a:ext cx="122165" cy="407474"/>
+            <a:off x="3420833" y="3014467"/>
+            <a:ext cx="122166" cy="407474"/>
           </a:xfrm>
           <a:prstGeom prst="line">
             <a:avLst/>
@@ -4192,7 +4458,7 @@
           </a:ln>
         </p:spPr>
         <p:txBody>
-          <a:bodyPr wrap="none" anchor="ctr"/>
+          <a:bodyPr wrap="none" lIns="91440" tIns="45720" rIns="91440" bIns="45720" anchor="ctr"/>
           <a:lstStyle/>
           <a:p>
             <a:endParaRPr lang="en-US" dirty="0"/>
@@ -4201,7 +4467,7 @@
       </p:sp>
       <p:sp>
         <p:nvSpPr>
-          <p:cNvPr id="59" name="Line 25"/>
+          <p:cNvPr id="28" name="Line 25"/>
           <p:cNvSpPr>
             <a:spLocks noChangeShapeType="1"/>
           </p:cNvSpPr>
@@ -4209,8 +4475,8 @@
         </p:nvSpPr>
         <p:spPr bwMode="auto">
           <a:xfrm flipV="1">
-            <a:off x="4837420" y="3554950"/>
-            <a:ext cx="515661" cy="145445"/>
+            <a:off x="4837421" y="3554951"/>
+            <a:ext cx="515662" cy="145446"/>
           </a:xfrm>
           <a:prstGeom prst="line">
             <a:avLst/>
@@ -4226,7 +4492,7 @@
           </a:ln>
         </p:spPr>
         <p:txBody>
-          <a:bodyPr wrap="none" anchor="ctr"/>
+          <a:bodyPr wrap="none" lIns="91440" tIns="45720" rIns="91440" bIns="45720" anchor="ctr"/>
           <a:lstStyle/>
           <a:p>
             <a:endParaRPr lang="en-US" dirty="0"/>
@@ -4235,14 +4501,14 @@
       </p:sp>
       <p:sp>
         <p:nvSpPr>
-          <p:cNvPr id="65" name="Rounded Rectangle 64"/>
+          <p:cNvPr id="29" name="Rounded Rectangle 28"/>
           <p:cNvSpPr/>
           <p:nvPr/>
         </p:nvSpPr>
         <p:spPr bwMode="auto">
           <a:xfrm>
-            <a:off x="6490877" y="4641396"/>
-            <a:ext cx="1349455" cy="596901"/>
+            <a:off x="6490878" y="4641397"/>
+            <a:ext cx="1349456" cy="596902"/>
           </a:xfrm>
           <a:prstGeom prst="roundRect">
             <a:avLst/>
@@ -4261,7 +4527,7 @@
           <a:effectLst/>
         </p:spPr>
         <p:txBody>
-          <a:bodyPr rtlCol="0" anchor="b">
+          <a:bodyPr lIns="91440" tIns="45720" rIns="91440" bIns="45720" rtlCol="0" anchor="b">
             <a:prstTxWarp prst="textNoShape">
               <a:avLst/>
             </a:prstTxWarp>
@@ -4283,7 +4549,7 @@
       </p:sp>
       <p:sp>
         <p:nvSpPr>
-          <p:cNvPr id="66" name="Line 25"/>
+          <p:cNvPr id="30" name="Line 25"/>
           <p:cNvSpPr>
             <a:spLocks noChangeShapeType="1"/>
           </p:cNvSpPr>
@@ -4291,7 +4557,7 @@
         </p:nvSpPr>
         <p:spPr bwMode="auto">
           <a:xfrm flipV="1">
-            <a:off x="2760545" y="2299597"/>
+            <a:off x="2760546" y="2299599"/>
             <a:ext cx="657260" cy="6974"/>
           </a:xfrm>
           <a:prstGeom prst="line">
@@ -4308,7 +4574,7 @@
           </a:ln>
         </p:spPr>
         <p:txBody>
-          <a:bodyPr wrap="none" anchor="ctr"/>
+          <a:bodyPr wrap="none" lIns="91440" tIns="45720" rIns="91440" bIns="45720" anchor="ctr"/>
           <a:lstStyle/>
           <a:p>
             <a:r>
@@ -4321,14 +4587,14 @@
       </p:sp>
       <p:pic>
         <p:nvPicPr>
-          <p:cNvPr id="69" name="Picture 68"/>
+          <p:cNvPr id="31" name="Picture 30"/>
           <p:cNvPicPr>
             <a:picLocks/>
           </p:cNvPicPr>
           <p:nvPr/>
         </p:nvPicPr>
         <p:blipFill rotWithShape="1">
-          <a:blip r:embed="rId6">
+          <a:blip r:embed="rId5">
             <a:extLst>
               <a:ext uri="{28A0092B-C50C-407E-A947-70E740481C1C}">
                 <a14:useLocalDpi xmlns:a14="http://schemas.microsoft.com/office/drawing/2010/main" val="0"/>
@@ -4340,8 +4606,8 @@
         </p:blipFill>
         <p:spPr>
           <a:xfrm>
-            <a:off x="6450301" y="2781273"/>
-            <a:ext cx="2399353" cy="1152300"/>
+            <a:off x="6450303" y="2781274"/>
+            <a:ext cx="2399354" cy="1152300"/>
           </a:xfrm>
           <a:prstGeom prst="rect">
             <a:avLst/>
@@ -4350,7 +4616,7 @@
       </p:pic>
       <p:sp>
         <p:nvSpPr>
-          <p:cNvPr id="76" name="Freeform 6"/>
+          <p:cNvPr id="32" name="Freeform 6"/>
           <p:cNvSpPr>
             <a:spLocks/>
           </p:cNvSpPr>
@@ -4358,8 +4624,8 @@
         </p:nvSpPr>
         <p:spPr bwMode="auto">
           <a:xfrm>
-            <a:off x="7848532" y="3596538"/>
-            <a:ext cx="13187" cy="13373"/>
+            <a:off x="7848532" y="3596539"/>
+            <a:ext cx="13188" cy="13374"/>
           </a:xfrm>
           <a:custGeom>
             <a:avLst/>
@@ -4434,7 +4700,7 @@
           </a:ln>
         </p:spPr>
         <p:txBody>
-          <a:bodyPr/>
+          <a:bodyPr lIns="91440" tIns="45720" rIns="91440" bIns="45720"/>
           <a:lstStyle/>
           <a:p>
             <a:endParaRPr lang="en-US" dirty="0"/>
@@ -4443,7 +4709,7 @@
       </p:sp>
       <p:sp>
         <p:nvSpPr>
-          <p:cNvPr id="77" name="Freeform 17"/>
+          <p:cNvPr id="33" name="Freeform 17"/>
           <p:cNvSpPr>
             <a:spLocks/>
           </p:cNvSpPr>
@@ -4451,8 +4717,8 @@
         </p:nvSpPr>
         <p:spPr bwMode="auto">
           <a:xfrm>
-            <a:off x="7695003" y="4793371"/>
-            <a:ext cx="12245" cy="13373"/>
+            <a:off x="7695005" y="4793371"/>
+            <a:ext cx="12246" cy="13374"/>
           </a:xfrm>
           <a:custGeom>
             <a:avLst/>
@@ -4527,7 +4793,7 @@
           </a:ln>
         </p:spPr>
         <p:txBody>
-          <a:bodyPr/>
+          <a:bodyPr lIns="91440" tIns="45720" rIns="91440" bIns="45720"/>
           <a:lstStyle/>
           <a:p>
             <a:endParaRPr lang="en-US" dirty="0"/>
@@ -4536,7 +4802,7 @@
       </p:sp>
       <p:sp>
         <p:nvSpPr>
-          <p:cNvPr id="87" name="Text Box 30"/>
+          <p:cNvPr id="34" name="Text Box 30"/>
           <p:cNvSpPr txBox="1">
             <a:spLocks noChangeArrowheads="1"/>
           </p:cNvSpPr>
@@ -4544,8 +4810,8 @@
         </p:nvSpPr>
         <p:spPr bwMode="auto">
           <a:xfrm>
-            <a:off x="6173208" y="2062060"/>
-            <a:ext cx="2676445" cy="400110"/>
+            <a:off x="6173209" y="2062061"/>
+            <a:ext cx="2676446" cy="400110"/>
           </a:xfrm>
           <a:prstGeom prst="rect">
             <a:avLst/>
@@ -4559,7 +4825,7 @@
           </a:ln>
         </p:spPr>
         <p:txBody>
-          <a:bodyPr wrap="square">
+          <a:bodyPr wrap="square" lIns="91440" tIns="45720" rIns="91440" bIns="45720">
             <a:spAutoFit/>
           </a:bodyPr>
           <a:lstStyle/>
@@ -4570,7 +4836,7 @@
               </a:spcBef>
             </a:pPr>
             <a:r>
-              <a:rPr lang="en-US" sz="2000" b="1" dirty="0" smtClean="0">
+              <a:rPr lang="en-US" sz="2000" b="1" dirty="0">
                 <a:solidFill>
                   <a:srgbClr val="000000"/>
                 </a:solidFill>
@@ -4587,7 +4853,7 @@
       </p:sp>
       <p:sp>
         <p:nvSpPr>
-          <p:cNvPr id="89" name="Rectangle 19"/>
+          <p:cNvPr id="35" name="Rectangle 19"/>
           <p:cNvSpPr>
             <a:spLocks noChangeArrowheads="1"/>
           </p:cNvSpPr>
@@ -4595,8 +4861,8 @@
         </p:nvSpPr>
         <p:spPr bwMode="auto">
           <a:xfrm>
-            <a:off x="6173209" y="2481092"/>
-            <a:ext cx="2680419" cy="1525510"/>
+            <a:off x="6173210" y="2481093"/>
+            <a:ext cx="2680420" cy="1525510"/>
           </a:xfrm>
           <a:prstGeom prst="rect">
             <a:avLst/>
@@ -4612,7 +4878,7 @@
           </a:ln>
         </p:spPr>
         <p:txBody>
-          <a:bodyPr wrap="none" anchor="ctr"/>
+          <a:bodyPr wrap="none" lIns="91440" tIns="45720" rIns="91440" bIns="45720" anchor="ctr"/>
           <a:lstStyle/>
           <a:p>
             <a:endParaRPr lang="en-US" dirty="0"/>
@@ -4621,14 +4887,14 @@
       </p:sp>
       <p:sp>
         <p:nvSpPr>
-          <p:cNvPr id="90" name="TextBox 89"/>
+          <p:cNvPr id="36" name="TextBox 35"/>
           <p:cNvSpPr txBox="1"/>
           <p:nvPr/>
         </p:nvSpPr>
         <p:spPr>
           <a:xfrm rot="16993905">
-            <a:off x="6017900" y="3494671"/>
-            <a:ext cx="623557" cy="353943"/>
+            <a:off x="6004993" y="3486978"/>
+            <a:ext cx="649374" cy="369332"/>
           </a:xfrm>
           <a:prstGeom prst="rect">
             <a:avLst/>
@@ -4636,37 +4902,32 @@
           <a:noFill/>
         </p:spPr>
         <p:txBody>
-          <a:bodyPr wrap="none" rtlCol="0">
+          <a:bodyPr wrap="none" lIns="91440" tIns="45720" rIns="91440" bIns="45720" rtlCol="0">
             <a:spAutoFit/>
           </a:bodyPr>
           <a:lstStyle/>
           <a:p>
             <a:r>
-              <a:rPr lang="en-US" sz="1700" dirty="0" smtClean="0">
+              <a:rPr lang="en-US" sz="1800" dirty="0">
                 <a:solidFill>
                   <a:srgbClr val="000000"/>
                 </a:solidFill>
               </a:rPr>
               <a:t>Time</a:t>
             </a:r>
-            <a:endParaRPr lang="en-US" sz="1700" dirty="0">
-              <a:solidFill>
-                <a:srgbClr val="000000"/>
-              </a:solidFill>
-            </a:endParaRPr>
-          </a:p>
-        </p:txBody>
-      </p:sp>
-      <p:sp>
-        <p:nvSpPr>
-          <p:cNvPr id="91" name="TextBox 90"/>
+          </a:p>
+        </p:txBody>
+      </p:sp>
+      <p:sp>
+        <p:nvSpPr>
+          <p:cNvPr id="37" name="TextBox 36"/>
           <p:cNvSpPr txBox="1"/>
           <p:nvPr/>
         </p:nvSpPr>
         <p:spPr>
           <a:xfrm rot="20878399">
-            <a:off x="7175821" y="3579577"/>
-            <a:ext cx="704458" cy="353943"/>
+            <a:off x="7160535" y="3571884"/>
+            <a:ext cx="735034" cy="369332"/>
           </a:xfrm>
           <a:prstGeom prst="rect">
             <a:avLst/>
@@ -4674,30 +4935,25 @@
           <a:noFill/>
         </p:spPr>
         <p:txBody>
-          <a:bodyPr wrap="none" rtlCol="0">
+          <a:bodyPr wrap="none" lIns="91440" tIns="45720" rIns="91440" bIns="45720" rtlCol="0">
             <a:spAutoFit/>
           </a:bodyPr>
           <a:lstStyle/>
           <a:p>
             <a:r>
-              <a:rPr lang="en-US" sz="1700" dirty="0" smtClean="0">
+              <a:rPr lang="en-US" sz="1800" dirty="0">
                 <a:solidFill>
                   <a:srgbClr val="000000"/>
                 </a:solidFill>
               </a:rPr>
               <a:t>Space</a:t>
             </a:r>
-            <a:endParaRPr lang="en-US" sz="1700" dirty="0">
-              <a:solidFill>
-                <a:srgbClr val="000000"/>
-              </a:solidFill>
-            </a:endParaRPr>
-          </a:p>
-        </p:txBody>
-      </p:sp>
-      <p:sp>
-        <p:nvSpPr>
-          <p:cNvPr id="92" name="Line 25"/>
+          </a:p>
+        </p:txBody>
+      </p:sp>
+      <p:sp>
+        <p:nvSpPr>
+          <p:cNvPr id="38" name="Line 25"/>
           <p:cNvSpPr>
             <a:spLocks noChangeShapeType="1"/>
           </p:cNvSpPr>
@@ -4705,8 +4961,8 @@
         </p:nvSpPr>
         <p:spPr bwMode="auto">
           <a:xfrm flipV="1">
-            <a:off x="6435934" y="3025564"/>
-            <a:ext cx="122165" cy="407474"/>
+            <a:off x="6435935" y="3025565"/>
+            <a:ext cx="122166" cy="407474"/>
           </a:xfrm>
           <a:prstGeom prst="line">
             <a:avLst/>
@@ -4722,7 +4978,7 @@
           </a:ln>
         </p:spPr>
         <p:txBody>
-          <a:bodyPr wrap="none" anchor="ctr"/>
+          <a:bodyPr wrap="none" lIns="91440" tIns="45720" rIns="91440" bIns="45720" anchor="ctr"/>
           <a:lstStyle/>
           <a:p>
             <a:endParaRPr lang="en-US" dirty="0">
@@ -4735,7 +4991,7 @@
       </p:sp>
       <p:sp>
         <p:nvSpPr>
-          <p:cNvPr id="93" name="Line 25"/>
+          <p:cNvPr id="39" name="Line 25"/>
           <p:cNvSpPr>
             <a:spLocks noChangeShapeType="1"/>
           </p:cNvSpPr>
@@ -4743,8 +4999,8 @@
         </p:nvSpPr>
         <p:spPr bwMode="auto">
           <a:xfrm flipV="1">
-            <a:off x="7861594" y="3575119"/>
-            <a:ext cx="515661" cy="145445"/>
+            <a:off x="7861595" y="3575121"/>
+            <a:ext cx="515662" cy="145446"/>
           </a:xfrm>
           <a:prstGeom prst="line">
             <a:avLst/>
@@ -4760,7 +5016,7 @@
           </a:ln>
         </p:spPr>
         <p:txBody>
-          <a:bodyPr wrap="none" anchor="ctr"/>
+          <a:bodyPr wrap="none" lIns="91440" tIns="45720" rIns="91440" bIns="45720" anchor="ctr"/>
           <a:lstStyle/>
           <a:p>
             <a:endParaRPr lang="en-US" dirty="0">
@@ -4773,14 +5029,14 @@
       </p:sp>
       <p:pic>
         <p:nvPicPr>
-          <p:cNvPr id="97" name="Picture 96" descr="latex-image-1.pdf"/>
+          <p:cNvPr id="40" name="Picture 39" descr="latex-image-1.pdf"/>
           <p:cNvPicPr>
             <a:picLocks noChangeAspect="1"/>
           </p:cNvPicPr>
           <p:nvPr/>
         </p:nvPicPr>
         <p:blipFill>
-          <a:blip r:embed="rId3">
+          <a:blip r:embed="rId2">
             <a:extLst>
               <a:ext uri="{28A0092B-C50C-407E-A947-70E740481C1C}">
                 <a14:useLocalDpi xmlns:a14="http://schemas.microsoft.com/office/drawing/2010/main" val="0"/>
@@ -4793,7 +5049,7 @@
         </p:blipFill>
         <p:spPr>
           <a:xfrm>
-            <a:off x="3965053" y="2525986"/>
+            <a:off x="3965054" y="2525986"/>
             <a:ext cx="1079500" cy="177800"/>
           </a:xfrm>
           <a:prstGeom prst="rect">
@@ -4803,14 +5059,14 @@
       </p:pic>
       <p:pic>
         <p:nvPicPr>
-          <p:cNvPr id="98" name="Picture 97" descr="latex-image-1.pdf"/>
+          <p:cNvPr id="41" name="Picture 40" descr="latex-image-1.pdf"/>
           <p:cNvPicPr>
             <a:picLocks noChangeAspect="1"/>
           </p:cNvPicPr>
           <p:nvPr/>
         </p:nvPicPr>
         <p:blipFill>
-          <a:blip r:embed="rId3">
+          <a:blip r:embed="rId2">
             <a:extLst>
               <a:ext uri="{28A0092B-C50C-407E-A947-70E740481C1C}">
                 <a14:useLocalDpi xmlns:a14="http://schemas.microsoft.com/office/drawing/2010/main" val="0"/>
@@ -4833,121 +5089,7 @@
       </p:pic>
       <p:sp>
         <p:nvSpPr>
-          <p:cNvPr id="99" name="Text Box 30"/>
-          <p:cNvSpPr txBox="1">
-            <a:spLocks noChangeArrowheads="1"/>
-          </p:cNvSpPr>
-          <p:nvPr/>
-        </p:nvSpPr>
-        <p:spPr bwMode="auto">
-          <a:xfrm>
-            <a:off x="1890851" y="7532174"/>
-            <a:ext cx="3674058" cy="1323439"/>
-          </a:xfrm>
-          <a:prstGeom prst="rect">
-            <a:avLst/>
-          </a:prstGeom>
-          <a:solidFill>
-            <a:schemeClr val="bg1"/>
-          </a:solidFill>
-          <a:ln w="12700">
-            <a:noFill/>
-            <a:miter lim="800000"/>
-            <a:headEnd type="none" w="sm" len="sm"/>
-            <a:tailEnd type="none" w="sm" len="sm"/>
-          </a:ln>
-        </p:spPr>
-        <p:txBody>
-          <a:bodyPr wrap="square">
-            <a:spAutoFit/>
-          </a:bodyPr>
-          <a:lstStyle/>
-          <a:p>
-            <a:pPr algn="ctr">
-              <a:spcBef>
-                <a:spcPct val="0"/>
-              </a:spcBef>
-            </a:pPr>
-            <a:r>
-              <a:rPr lang="en-US" sz="8000" dirty="0" smtClean="0">
-                <a:effectLst>
-                  <a:outerShdw blurRad="50800" dist="38100" dir="2700000" algn="tl" rotWithShape="0">
-                    <a:schemeClr val="tx2">
-                      <a:lumMod val="60000"/>
-                      <a:lumOff val="40000"/>
-                      <a:alpha val="43000"/>
-                    </a:schemeClr>
-                  </a:outerShdw>
-                </a:effectLst>
-                <a:latin typeface="Bauhaus 93"/>
-                <a:cs typeface="Bauhaus 93"/>
-              </a:rPr>
-              <a:t>Warp</a:t>
-            </a:r>
-            <a:endParaRPr lang="en-US" sz="8000" dirty="0">
-              <a:effectLst>
-                <a:outerShdw blurRad="50800" dist="38100" dir="2700000" algn="tl" rotWithShape="0">
-                  <a:schemeClr val="tx2">
-                    <a:lumMod val="60000"/>
-                    <a:lumOff val="40000"/>
-                    <a:alpha val="43000"/>
-                  </a:schemeClr>
-                </a:outerShdw>
-              </a:effectLst>
-              <a:latin typeface="Bauhaus 93"/>
-              <a:cs typeface="Bauhaus 93"/>
-            </a:endParaRPr>
-          </a:p>
-        </p:txBody>
-      </p:sp>
-      <p:sp>
-        <p:nvSpPr>
-          <p:cNvPr id="101" name="Text Box 30"/>
-          <p:cNvSpPr txBox="1">
-            <a:spLocks noChangeArrowheads="1"/>
-          </p:cNvSpPr>
-          <p:nvPr/>
-        </p:nvSpPr>
-        <p:spPr bwMode="auto">
-          <a:xfrm>
-            <a:off x="1765490" y="8786343"/>
-            <a:ext cx="3938797" cy="523220"/>
-          </a:xfrm>
-          <a:prstGeom prst="rect">
-            <a:avLst/>
-          </a:prstGeom>
-          <a:solidFill>
-            <a:schemeClr val="bg1"/>
-          </a:solidFill>
-          <a:ln w="12700">
-            <a:noFill/>
-            <a:miter lim="800000"/>
-            <a:headEnd type="none" w="sm" len="sm"/>
-            <a:tailEnd type="none" w="sm" len="sm"/>
-          </a:ln>
-        </p:spPr>
-        <p:txBody>
-          <a:bodyPr wrap="square">
-            <a:spAutoFit/>
-          </a:bodyPr>
-          <a:lstStyle/>
-          <a:p>
-            <a:pPr>
-              <a:spcBef>
-                <a:spcPct val="0"/>
-              </a:spcBef>
-            </a:pPr>
-            <a:r>
-              <a:rPr lang="en-US" sz="2800" b="1" dirty="0" smtClean="0"/>
-              <a:t>Parallel-in-Time Software</a:t>
-            </a:r>
-            <a:endParaRPr lang="en-US" sz="2800" dirty="0"/>
-          </a:p>
-        </p:txBody>
-      </p:sp>
-      <p:sp>
-        <p:nvSpPr>
-          <p:cNvPr id="35" name="Line 25"/>
+          <p:cNvPr id="42" name="Line 25"/>
           <p:cNvSpPr>
             <a:spLocks noChangeShapeType="1"/>
           </p:cNvSpPr>
@@ -4955,7 +5097,7 @@
         </p:nvSpPr>
         <p:spPr bwMode="auto">
           <a:xfrm flipV="1">
-            <a:off x="5819737" y="2292623"/>
+            <a:off x="5819738" y="2292625"/>
             <a:ext cx="657260" cy="6974"/>
           </a:xfrm>
           <a:prstGeom prst="line">
@@ -4972,7 +5114,7 @@
           </a:ln>
         </p:spPr>
         <p:txBody>
-          <a:bodyPr wrap="none" anchor="ctr"/>
+          <a:bodyPr wrap="none" lIns="91440" tIns="45720" rIns="91440" bIns="45720" anchor="ctr"/>
           <a:lstStyle/>
           <a:p>
             <a:r>
@@ -4986,7 +5128,2663 @@
     </p:spTree>
     <p:extLst>
       <p:ext uri="{BB962C8B-B14F-4D97-AF65-F5344CB8AC3E}">
-        <p14:creationId xmlns:p14="http://schemas.microsoft.com/office/powerpoint/2010/main" val="2982781011"/>
+        <p14:creationId xmlns:p14="http://schemas.microsoft.com/office/powerpoint/2010/main" val="2207036265"/>
+      </p:ext>
+    </p:extLst>
+  </p:cSld>
+  <p:clrMapOvr>
+    <a:masterClrMapping/>
+  </p:clrMapOvr>
+</p:sld>
+</file>
+
+<file path=ppt/slides/slide2.xml><?xml version="1.0" encoding="utf-8"?>
+<p:sld xmlns:a="http://schemas.openxmlformats.org/drawingml/2006/main" xmlns:r="http://schemas.openxmlformats.org/officeDocument/2006/relationships" xmlns:p="http://schemas.openxmlformats.org/presentationml/2006/main">
+  <p:cSld>
+    <p:spTree>
+      <p:nvGrpSpPr>
+        <p:cNvPr id="1" name=""/>
+        <p:cNvGrpSpPr/>
+        <p:nvPr/>
+      </p:nvGrpSpPr>
+      <p:grpSpPr>
+        <a:xfrm>
+          <a:off x="0" y="0"/>
+          <a:ext cx="0" cy="0"/>
+          <a:chOff x="0" y="0"/>
+          <a:chExt cx="0" cy="0"/>
+        </a:xfrm>
+      </p:grpSpPr>
+      <p:grpSp>
+        <p:nvGrpSpPr>
+          <p:cNvPr id="50" name="Group 49"/>
+          <p:cNvGrpSpPr/>
+          <p:nvPr/>
+        </p:nvGrpSpPr>
+        <p:grpSpPr>
+          <a:xfrm>
+            <a:off x="3575435" y="2189419"/>
+            <a:ext cx="3596442" cy="1176141"/>
+            <a:chOff x="2982946" y="4848044"/>
+            <a:chExt cx="3596442" cy="1176141"/>
+          </a:xfrm>
+        </p:grpSpPr>
+        <p:grpSp>
+          <p:nvGrpSpPr>
+            <p:cNvPr id="15" name="Group 14"/>
+            <p:cNvGrpSpPr/>
+            <p:nvPr/>
+          </p:nvGrpSpPr>
+          <p:grpSpPr>
+            <a:xfrm>
+              <a:off x="2982946" y="4989345"/>
+              <a:ext cx="3596442" cy="1034840"/>
+              <a:chOff x="4408713" y="14648401"/>
+              <a:chExt cx="3596441" cy="1034839"/>
+            </a:xfrm>
+          </p:grpSpPr>
+          <p:sp>
+            <p:nvSpPr>
+              <p:cNvPr id="16" name="Oval 15"/>
+              <p:cNvSpPr>
+                <a:spLocks noChangeAspect="1"/>
+              </p:cNvSpPr>
+              <p:nvPr/>
+            </p:nvSpPr>
+            <p:spPr>
+              <a:xfrm>
+                <a:off x="6790097" y="14658852"/>
+                <a:ext cx="140383" cy="128082"/>
+              </a:xfrm>
+              <a:prstGeom prst="ellipse">
+                <a:avLst/>
+              </a:prstGeom>
+              <a:solidFill>
+                <a:schemeClr val="accent2"/>
+              </a:solidFill>
+              <a:ln>
+                <a:noFill/>
+              </a:ln>
+              <a:effectLst/>
+            </p:spPr>
+            <p:style>
+              <a:lnRef idx="1">
+                <a:schemeClr val="accent1"/>
+              </a:lnRef>
+              <a:fillRef idx="3">
+                <a:schemeClr val="accent1"/>
+              </a:fillRef>
+              <a:effectRef idx="2">
+                <a:schemeClr val="accent1"/>
+              </a:effectRef>
+              <a:fontRef idx="minor">
+                <a:schemeClr val="lt1"/>
+              </a:fontRef>
+            </p:style>
+            <p:txBody>
+              <a:bodyPr rtlCol="0" anchor="ctr"/>
+              <a:lstStyle/>
+              <a:p>
+                <a:pPr algn="ctr"/>
+                <a:endParaRPr lang="en-US"/>
+              </a:p>
+            </p:txBody>
+          </p:sp>
+          <p:sp>
+            <p:nvSpPr>
+              <p:cNvPr id="17" name="Oval 16"/>
+              <p:cNvSpPr>
+                <a:spLocks noChangeAspect="1"/>
+              </p:cNvSpPr>
+              <p:nvPr/>
+            </p:nvSpPr>
+            <p:spPr>
+              <a:xfrm>
+                <a:off x="5260675" y="15555158"/>
+                <a:ext cx="140383" cy="128082"/>
+              </a:xfrm>
+              <a:prstGeom prst="ellipse">
+                <a:avLst/>
+              </a:prstGeom>
+              <a:solidFill>
+                <a:schemeClr val="accent2"/>
+              </a:solidFill>
+              <a:ln>
+                <a:noFill/>
+              </a:ln>
+              <a:effectLst/>
+            </p:spPr>
+            <p:style>
+              <a:lnRef idx="1">
+                <a:schemeClr val="accent1"/>
+              </a:lnRef>
+              <a:fillRef idx="3">
+                <a:schemeClr val="accent1"/>
+              </a:fillRef>
+              <a:effectRef idx="2">
+                <a:schemeClr val="accent1"/>
+              </a:effectRef>
+              <a:fontRef idx="minor">
+                <a:schemeClr val="lt1"/>
+              </a:fontRef>
+            </p:style>
+            <p:txBody>
+              <a:bodyPr rtlCol="0" anchor="ctr"/>
+              <a:lstStyle/>
+              <a:p>
+                <a:pPr algn="ctr"/>
+                <a:endParaRPr lang="en-US"/>
+              </a:p>
+            </p:txBody>
+          </p:sp>
+          <p:grpSp>
+            <p:nvGrpSpPr>
+              <p:cNvPr id="18" name="Group 17"/>
+              <p:cNvGrpSpPr/>
+              <p:nvPr/>
+            </p:nvGrpSpPr>
+            <p:grpSpPr>
+              <a:xfrm>
+                <a:off x="4491290" y="14723744"/>
+                <a:ext cx="3241109" cy="887234"/>
+                <a:chOff x="10471727" y="15320802"/>
+                <a:chExt cx="1590036" cy="660416"/>
+              </a:xfrm>
+            </p:grpSpPr>
+            <p:sp>
+              <p:nvSpPr>
+                <p:cNvPr id="46" name="Freeform 45"/>
+                <p:cNvSpPr/>
+                <p:nvPr/>
+              </p:nvSpPr>
+              <p:spPr>
+                <a:xfrm>
+                  <a:off x="10471727" y="15320802"/>
+                  <a:ext cx="796637" cy="334834"/>
+                </a:xfrm>
+                <a:custGeom>
+                  <a:avLst/>
+                  <a:gdLst>
+                    <a:gd name="connsiteX0" fmla="*/ 0 w 796637"/>
+                    <a:gd name="connsiteY0" fmla="*/ 323289 h 334834"/>
+                    <a:gd name="connsiteX1" fmla="*/ 438728 w 796637"/>
+                    <a:gd name="connsiteY1" fmla="*/ 16 h 334834"/>
+                    <a:gd name="connsiteX2" fmla="*/ 796637 w 796637"/>
+                    <a:gd name="connsiteY2" fmla="*/ 334834 h 334834"/>
+                  </a:gdLst>
+                  <a:ahLst/>
+                  <a:cxnLst>
+                    <a:cxn ang="0">
+                      <a:pos x="connsiteX0" y="connsiteY0"/>
+                    </a:cxn>
+                    <a:cxn ang="0">
+                      <a:pos x="connsiteX1" y="connsiteY1"/>
+                    </a:cxn>
+                    <a:cxn ang="0">
+                      <a:pos x="connsiteX2" y="connsiteY2"/>
+                    </a:cxn>
+                  </a:cxnLst>
+                  <a:rect l="l" t="t" r="r" b="b"/>
+                  <a:pathLst>
+                    <a:path w="796637" h="334834">
+                      <a:moveTo>
+                        <a:pt x="0" y="323289"/>
+                      </a:moveTo>
+                      <a:cubicBezTo>
+                        <a:pt x="152977" y="160690"/>
+                        <a:pt x="305955" y="-1908"/>
+                        <a:pt x="438728" y="16"/>
+                      </a:cubicBezTo>
+                      <a:cubicBezTo>
+                        <a:pt x="571501" y="1940"/>
+                        <a:pt x="796637" y="334834"/>
+                        <a:pt x="796637" y="334834"/>
+                      </a:cubicBezTo>
+                    </a:path>
+                  </a:pathLst>
+                </a:custGeom>
+                <a:ln w="38100">
+                  <a:solidFill>
+                    <a:schemeClr val="tx2">
+                      <a:lumMod val="60000"/>
+                      <a:lumOff val="40000"/>
+                    </a:schemeClr>
+                  </a:solidFill>
+                </a:ln>
+                <a:effectLst/>
+              </p:spPr>
+              <p:style>
+                <a:lnRef idx="2">
+                  <a:schemeClr val="accent1"/>
+                </a:lnRef>
+                <a:fillRef idx="0">
+                  <a:schemeClr val="accent1"/>
+                </a:fillRef>
+                <a:effectRef idx="1">
+                  <a:schemeClr val="accent1"/>
+                </a:effectRef>
+                <a:fontRef idx="minor">
+                  <a:schemeClr val="tx1"/>
+                </a:fontRef>
+              </p:style>
+              <p:txBody>
+                <a:bodyPr rtlCol="0" anchor="ctr"/>
+                <a:lstStyle/>
+                <a:p>
+                  <a:pPr algn="ctr"/>
+                  <a:endParaRPr lang="en-US"/>
+                </a:p>
+              </p:txBody>
+            </p:sp>
+            <p:sp>
+              <p:nvSpPr>
+                <p:cNvPr id="47" name="Freeform 46"/>
+                <p:cNvSpPr/>
+                <p:nvPr/>
+              </p:nvSpPr>
+              <p:spPr>
+                <a:xfrm rot="10800000">
+                  <a:off x="11265126" y="15646384"/>
+                  <a:ext cx="796637" cy="334834"/>
+                </a:xfrm>
+                <a:custGeom>
+                  <a:avLst/>
+                  <a:gdLst>
+                    <a:gd name="connsiteX0" fmla="*/ 0 w 796637"/>
+                    <a:gd name="connsiteY0" fmla="*/ 323289 h 334834"/>
+                    <a:gd name="connsiteX1" fmla="*/ 438728 w 796637"/>
+                    <a:gd name="connsiteY1" fmla="*/ 16 h 334834"/>
+                    <a:gd name="connsiteX2" fmla="*/ 796637 w 796637"/>
+                    <a:gd name="connsiteY2" fmla="*/ 334834 h 334834"/>
+                  </a:gdLst>
+                  <a:ahLst/>
+                  <a:cxnLst>
+                    <a:cxn ang="0">
+                      <a:pos x="connsiteX0" y="connsiteY0"/>
+                    </a:cxn>
+                    <a:cxn ang="0">
+                      <a:pos x="connsiteX1" y="connsiteY1"/>
+                    </a:cxn>
+                    <a:cxn ang="0">
+                      <a:pos x="connsiteX2" y="connsiteY2"/>
+                    </a:cxn>
+                  </a:cxnLst>
+                  <a:rect l="l" t="t" r="r" b="b"/>
+                  <a:pathLst>
+                    <a:path w="796637" h="334834">
+                      <a:moveTo>
+                        <a:pt x="0" y="323289"/>
+                      </a:moveTo>
+                      <a:cubicBezTo>
+                        <a:pt x="152977" y="160690"/>
+                        <a:pt x="305955" y="-1908"/>
+                        <a:pt x="438728" y="16"/>
+                      </a:cubicBezTo>
+                      <a:cubicBezTo>
+                        <a:pt x="571501" y="1940"/>
+                        <a:pt x="796637" y="334834"/>
+                        <a:pt x="796637" y="334834"/>
+                      </a:cubicBezTo>
+                    </a:path>
+                  </a:pathLst>
+                </a:custGeom>
+                <a:ln w="38100">
+                  <a:solidFill>
+                    <a:schemeClr val="tx2">
+                      <a:lumMod val="60000"/>
+                      <a:lumOff val="40000"/>
+                    </a:schemeClr>
+                  </a:solidFill>
+                </a:ln>
+                <a:effectLst/>
+              </p:spPr>
+              <p:style>
+                <a:lnRef idx="2">
+                  <a:schemeClr val="accent1"/>
+                </a:lnRef>
+                <a:fillRef idx="0">
+                  <a:schemeClr val="accent1"/>
+                </a:fillRef>
+                <a:effectRef idx="1">
+                  <a:schemeClr val="accent1"/>
+                </a:effectRef>
+                <a:fontRef idx="minor">
+                  <a:schemeClr val="tx1"/>
+                </a:fontRef>
+              </p:style>
+              <p:txBody>
+                <a:bodyPr rtlCol="0" anchor="ctr"/>
+                <a:lstStyle/>
+                <a:p>
+                  <a:pPr algn="ctr"/>
+                  <a:endParaRPr lang="en-US"/>
+                </a:p>
+              </p:txBody>
+            </p:sp>
+          </p:grpSp>
+          <p:sp>
+            <p:nvSpPr>
+              <p:cNvPr id="19" name="Oval 18"/>
+              <p:cNvSpPr>
+                <a:spLocks noChangeAspect="1"/>
+              </p:cNvSpPr>
+              <p:nvPr/>
+            </p:nvSpPr>
+            <p:spPr>
+              <a:xfrm>
+                <a:off x="5277897" y="14648401"/>
+                <a:ext cx="140383" cy="128082"/>
+              </a:xfrm>
+              <a:prstGeom prst="ellipse">
+                <a:avLst/>
+              </a:prstGeom>
+              <a:solidFill>
+                <a:schemeClr val="tx2">
+                  <a:lumMod val="60000"/>
+                  <a:lumOff val="40000"/>
+                </a:schemeClr>
+              </a:solidFill>
+              <a:ln>
+                <a:noFill/>
+              </a:ln>
+              <a:effectLst/>
+            </p:spPr>
+            <p:style>
+              <a:lnRef idx="1">
+                <a:schemeClr val="accent1"/>
+              </a:lnRef>
+              <a:fillRef idx="3">
+                <a:schemeClr val="accent1"/>
+              </a:fillRef>
+              <a:effectRef idx="2">
+                <a:schemeClr val="accent1"/>
+              </a:effectRef>
+              <a:fontRef idx="minor">
+                <a:schemeClr val="lt1"/>
+              </a:fontRef>
+            </p:style>
+            <p:txBody>
+              <a:bodyPr rtlCol="0" anchor="ctr"/>
+              <a:lstStyle/>
+              <a:p>
+                <a:pPr algn="ctr"/>
+                <a:endParaRPr lang="en-US"/>
+              </a:p>
+            </p:txBody>
+          </p:sp>
+          <p:grpSp>
+            <p:nvGrpSpPr>
+              <p:cNvPr id="20" name="Group 19"/>
+              <p:cNvGrpSpPr/>
+              <p:nvPr/>
+            </p:nvGrpSpPr>
+            <p:grpSpPr>
+              <a:xfrm>
+                <a:off x="4479328" y="14734195"/>
+                <a:ext cx="3241109" cy="887234"/>
+                <a:chOff x="10471727" y="15320802"/>
+                <a:chExt cx="1590036" cy="660416"/>
+              </a:xfrm>
+              <a:scene3d>
+                <a:camera prst="orthographicFront">
+                  <a:rot lat="10800000" lon="0" rev="0"/>
+                </a:camera>
+                <a:lightRig rig="threePt" dir="t"/>
+              </a:scene3d>
+            </p:grpSpPr>
+            <p:sp>
+              <p:nvSpPr>
+                <p:cNvPr id="44" name="Freeform 43"/>
+                <p:cNvSpPr/>
+                <p:nvPr/>
+              </p:nvSpPr>
+              <p:spPr>
+                <a:xfrm>
+                  <a:off x="10471727" y="15320802"/>
+                  <a:ext cx="796637" cy="334834"/>
+                </a:xfrm>
+                <a:custGeom>
+                  <a:avLst/>
+                  <a:gdLst>
+                    <a:gd name="connsiteX0" fmla="*/ 0 w 796637"/>
+                    <a:gd name="connsiteY0" fmla="*/ 323289 h 334834"/>
+                    <a:gd name="connsiteX1" fmla="*/ 438728 w 796637"/>
+                    <a:gd name="connsiteY1" fmla="*/ 16 h 334834"/>
+                    <a:gd name="connsiteX2" fmla="*/ 796637 w 796637"/>
+                    <a:gd name="connsiteY2" fmla="*/ 334834 h 334834"/>
+                  </a:gdLst>
+                  <a:ahLst/>
+                  <a:cxnLst>
+                    <a:cxn ang="0">
+                      <a:pos x="connsiteX0" y="connsiteY0"/>
+                    </a:cxn>
+                    <a:cxn ang="0">
+                      <a:pos x="connsiteX1" y="connsiteY1"/>
+                    </a:cxn>
+                    <a:cxn ang="0">
+                      <a:pos x="connsiteX2" y="connsiteY2"/>
+                    </a:cxn>
+                  </a:cxnLst>
+                  <a:rect l="l" t="t" r="r" b="b"/>
+                  <a:pathLst>
+                    <a:path w="796637" h="334834">
+                      <a:moveTo>
+                        <a:pt x="0" y="323289"/>
+                      </a:moveTo>
+                      <a:cubicBezTo>
+                        <a:pt x="152977" y="160690"/>
+                        <a:pt x="305955" y="-1908"/>
+                        <a:pt x="438728" y="16"/>
+                      </a:cubicBezTo>
+                      <a:cubicBezTo>
+                        <a:pt x="571501" y="1940"/>
+                        <a:pt x="796637" y="334834"/>
+                        <a:pt x="796637" y="334834"/>
+                      </a:cubicBezTo>
+                    </a:path>
+                  </a:pathLst>
+                </a:custGeom>
+                <a:ln w="38100">
+                  <a:solidFill>
+                    <a:schemeClr val="accent2"/>
+                  </a:solidFill>
+                </a:ln>
+                <a:effectLst/>
+              </p:spPr>
+              <p:style>
+                <a:lnRef idx="2">
+                  <a:schemeClr val="accent1"/>
+                </a:lnRef>
+                <a:fillRef idx="0">
+                  <a:schemeClr val="accent1"/>
+                </a:fillRef>
+                <a:effectRef idx="1">
+                  <a:schemeClr val="accent1"/>
+                </a:effectRef>
+                <a:fontRef idx="minor">
+                  <a:schemeClr val="tx1"/>
+                </a:fontRef>
+              </p:style>
+              <p:txBody>
+                <a:bodyPr rtlCol="0" anchor="ctr"/>
+                <a:lstStyle/>
+                <a:p>
+                  <a:pPr algn="ctr"/>
+                  <a:endParaRPr lang="en-US"/>
+                </a:p>
+              </p:txBody>
+            </p:sp>
+            <p:sp>
+              <p:nvSpPr>
+                <p:cNvPr id="45" name="Freeform 44"/>
+                <p:cNvSpPr/>
+                <p:nvPr/>
+              </p:nvSpPr>
+              <p:spPr>
+                <a:xfrm rot="10800000">
+                  <a:off x="11265126" y="15646384"/>
+                  <a:ext cx="796637" cy="334834"/>
+                </a:xfrm>
+                <a:custGeom>
+                  <a:avLst/>
+                  <a:gdLst>
+                    <a:gd name="connsiteX0" fmla="*/ 0 w 796637"/>
+                    <a:gd name="connsiteY0" fmla="*/ 323289 h 334834"/>
+                    <a:gd name="connsiteX1" fmla="*/ 438728 w 796637"/>
+                    <a:gd name="connsiteY1" fmla="*/ 16 h 334834"/>
+                    <a:gd name="connsiteX2" fmla="*/ 796637 w 796637"/>
+                    <a:gd name="connsiteY2" fmla="*/ 334834 h 334834"/>
+                  </a:gdLst>
+                  <a:ahLst/>
+                  <a:cxnLst>
+                    <a:cxn ang="0">
+                      <a:pos x="connsiteX0" y="connsiteY0"/>
+                    </a:cxn>
+                    <a:cxn ang="0">
+                      <a:pos x="connsiteX1" y="connsiteY1"/>
+                    </a:cxn>
+                    <a:cxn ang="0">
+                      <a:pos x="connsiteX2" y="connsiteY2"/>
+                    </a:cxn>
+                  </a:cxnLst>
+                  <a:rect l="l" t="t" r="r" b="b"/>
+                  <a:pathLst>
+                    <a:path w="796637" h="334834">
+                      <a:moveTo>
+                        <a:pt x="0" y="323289"/>
+                      </a:moveTo>
+                      <a:cubicBezTo>
+                        <a:pt x="152977" y="160690"/>
+                        <a:pt x="305955" y="-1908"/>
+                        <a:pt x="438728" y="16"/>
+                      </a:cubicBezTo>
+                      <a:cubicBezTo>
+                        <a:pt x="571501" y="1940"/>
+                        <a:pt x="796637" y="334834"/>
+                        <a:pt x="796637" y="334834"/>
+                      </a:cubicBezTo>
+                    </a:path>
+                  </a:pathLst>
+                </a:custGeom>
+                <a:ln w="38100">
+                  <a:solidFill>
+                    <a:schemeClr val="accent2"/>
+                  </a:solidFill>
+                </a:ln>
+                <a:effectLst/>
+              </p:spPr>
+              <p:style>
+                <a:lnRef idx="2">
+                  <a:schemeClr val="accent1"/>
+                </a:lnRef>
+                <a:fillRef idx="0">
+                  <a:schemeClr val="accent1"/>
+                </a:fillRef>
+                <a:effectRef idx="1">
+                  <a:schemeClr val="accent1"/>
+                </a:effectRef>
+                <a:fontRef idx="minor">
+                  <a:schemeClr val="tx1"/>
+                </a:fontRef>
+              </p:style>
+              <p:txBody>
+                <a:bodyPr rtlCol="0" anchor="ctr"/>
+                <a:lstStyle/>
+                <a:p>
+                  <a:pPr algn="ctr"/>
+                  <a:endParaRPr lang="en-US"/>
+                </a:p>
+              </p:txBody>
+            </p:sp>
+          </p:grpSp>
+          <p:cxnSp>
+            <p:nvCxnSpPr>
+              <p:cNvPr id="21" name="Straight Connector 20"/>
+              <p:cNvCxnSpPr/>
+              <p:nvPr/>
+            </p:nvCxnSpPr>
+            <p:spPr>
+              <a:xfrm>
+                <a:off x="4438994" y="15165316"/>
+                <a:ext cx="3566160" cy="16146"/>
+              </a:xfrm>
+              <a:prstGeom prst="line">
+                <a:avLst/>
+              </a:prstGeom>
+              <a:ln w="44450">
+                <a:solidFill>
+                  <a:schemeClr val="tx1"/>
+                </a:solidFill>
+                <a:tailEnd type="stealth"/>
+              </a:ln>
+              <a:effectLst/>
+            </p:spPr>
+            <p:style>
+              <a:lnRef idx="2">
+                <a:schemeClr val="accent1"/>
+              </a:lnRef>
+              <a:fillRef idx="0">
+                <a:schemeClr val="accent1"/>
+              </a:fillRef>
+              <a:effectRef idx="1">
+                <a:schemeClr val="accent1"/>
+              </a:effectRef>
+              <a:fontRef idx="minor">
+                <a:schemeClr val="tx1"/>
+              </a:fontRef>
+            </p:style>
+          </p:cxnSp>
+          <p:sp>
+            <p:nvSpPr>
+              <p:cNvPr id="22" name="Oval 21"/>
+              <p:cNvSpPr>
+                <a:spLocks noChangeAspect="1"/>
+              </p:cNvSpPr>
+              <p:nvPr/>
+            </p:nvSpPr>
+            <p:spPr>
+              <a:xfrm>
+                <a:off x="6797568" y="15535636"/>
+                <a:ext cx="140383" cy="128082"/>
+              </a:xfrm>
+              <a:prstGeom prst="ellipse">
+                <a:avLst/>
+              </a:prstGeom>
+              <a:solidFill>
+                <a:schemeClr val="tx2">
+                  <a:lumMod val="60000"/>
+                  <a:lumOff val="40000"/>
+                </a:schemeClr>
+              </a:solidFill>
+              <a:ln>
+                <a:noFill/>
+              </a:ln>
+              <a:effectLst/>
+            </p:spPr>
+            <p:style>
+              <a:lnRef idx="1">
+                <a:schemeClr val="accent1"/>
+              </a:lnRef>
+              <a:fillRef idx="3">
+                <a:schemeClr val="accent1"/>
+              </a:fillRef>
+              <a:effectRef idx="2">
+                <a:schemeClr val="accent1"/>
+              </a:effectRef>
+              <a:fontRef idx="minor">
+                <a:schemeClr val="lt1"/>
+              </a:fontRef>
+            </p:style>
+            <p:txBody>
+              <a:bodyPr rtlCol="0" anchor="ctr"/>
+              <a:lstStyle/>
+              <a:p>
+                <a:pPr algn="ctr"/>
+                <a:endParaRPr lang="en-US"/>
+              </a:p>
+            </p:txBody>
+          </p:sp>
+          <p:sp>
+            <p:nvSpPr>
+              <p:cNvPr id="23" name="Oval 22"/>
+              <p:cNvSpPr>
+                <a:spLocks noChangeAspect="1"/>
+              </p:cNvSpPr>
+              <p:nvPr/>
+            </p:nvSpPr>
+            <p:spPr>
+              <a:xfrm>
+                <a:off x="4867113" y="14791560"/>
+                <a:ext cx="140383" cy="128082"/>
+              </a:xfrm>
+              <a:prstGeom prst="ellipse">
+                <a:avLst/>
+              </a:prstGeom>
+              <a:solidFill>
+                <a:schemeClr val="tx2">
+                  <a:lumMod val="60000"/>
+                  <a:lumOff val="40000"/>
+                </a:schemeClr>
+              </a:solidFill>
+              <a:ln>
+                <a:noFill/>
+              </a:ln>
+              <a:effectLst/>
+            </p:spPr>
+            <p:style>
+              <a:lnRef idx="1">
+                <a:schemeClr val="accent1"/>
+              </a:lnRef>
+              <a:fillRef idx="3">
+                <a:schemeClr val="accent1"/>
+              </a:fillRef>
+              <a:effectRef idx="2">
+                <a:schemeClr val="accent1"/>
+              </a:effectRef>
+              <a:fontRef idx="minor">
+                <a:schemeClr val="lt1"/>
+              </a:fontRef>
+            </p:style>
+            <p:txBody>
+              <a:bodyPr rtlCol="0" anchor="ctr"/>
+              <a:lstStyle/>
+              <a:p>
+                <a:pPr algn="ctr"/>
+                <a:endParaRPr lang="en-US"/>
+              </a:p>
+            </p:txBody>
+          </p:sp>
+          <p:sp>
+            <p:nvSpPr>
+              <p:cNvPr id="24" name="Oval 23"/>
+              <p:cNvSpPr>
+                <a:spLocks noChangeAspect="1"/>
+              </p:cNvSpPr>
+              <p:nvPr/>
+            </p:nvSpPr>
+            <p:spPr>
+              <a:xfrm>
+                <a:off x="5662912" y="14777945"/>
+                <a:ext cx="140383" cy="128082"/>
+              </a:xfrm>
+              <a:prstGeom prst="ellipse">
+                <a:avLst/>
+              </a:prstGeom>
+              <a:solidFill>
+                <a:schemeClr val="tx2">
+                  <a:lumMod val="60000"/>
+                  <a:lumOff val="40000"/>
+                </a:schemeClr>
+              </a:solidFill>
+              <a:ln>
+                <a:noFill/>
+              </a:ln>
+              <a:effectLst/>
+            </p:spPr>
+            <p:style>
+              <a:lnRef idx="1">
+                <a:schemeClr val="accent1"/>
+              </a:lnRef>
+              <a:fillRef idx="3">
+                <a:schemeClr val="accent1"/>
+              </a:fillRef>
+              <a:effectRef idx="2">
+                <a:schemeClr val="accent1"/>
+              </a:effectRef>
+              <a:fontRef idx="minor">
+                <a:schemeClr val="lt1"/>
+              </a:fontRef>
+            </p:style>
+            <p:txBody>
+              <a:bodyPr rtlCol="0" anchor="ctr"/>
+              <a:lstStyle/>
+              <a:p>
+                <a:pPr algn="ctr"/>
+                <a:endParaRPr lang="en-US"/>
+              </a:p>
+            </p:txBody>
+          </p:sp>
+          <p:sp>
+            <p:nvSpPr>
+              <p:cNvPr id="25" name="Oval 24"/>
+              <p:cNvSpPr>
+                <a:spLocks noChangeAspect="1"/>
+              </p:cNvSpPr>
+              <p:nvPr/>
+            </p:nvSpPr>
+            <p:spPr>
+              <a:xfrm>
+                <a:off x="6413823" y="15388538"/>
+                <a:ext cx="140383" cy="128082"/>
+              </a:xfrm>
+              <a:prstGeom prst="ellipse">
+                <a:avLst/>
+              </a:prstGeom>
+              <a:solidFill>
+                <a:schemeClr val="tx2">
+                  <a:lumMod val="60000"/>
+                  <a:lumOff val="40000"/>
+                </a:schemeClr>
+              </a:solidFill>
+              <a:ln>
+                <a:noFill/>
+              </a:ln>
+              <a:effectLst/>
+            </p:spPr>
+            <p:style>
+              <a:lnRef idx="1">
+                <a:schemeClr val="accent1"/>
+              </a:lnRef>
+              <a:fillRef idx="3">
+                <a:schemeClr val="accent1"/>
+              </a:fillRef>
+              <a:effectRef idx="2">
+                <a:schemeClr val="accent1"/>
+              </a:effectRef>
+              <a:fontRef idx="minor">
+                <a:schemeClr val="lt1"/>
+              </a:fontRef>
+            </p:style>
+            <p:txBody>
+              <a:bodyPr rtlCol="0" anchor="ctr"/>
+              <a:lstStyle/>
+              <a:p>
+                <a:pPr algn="ctr"/>
+                <a:endParaRPr lang="en-US"/>
+              </a:p>
+            </p:txBody>
+          </p:sp>
+          <p:sp>
+            <p:nvSpPr>
+              <p:cNvPr id="26" name="Oval 25"/>
+              <p:cNvSpPr>
+                <a:spLocks noChangeAspect="1"/>
+              </p:cNvSpPr>
+              <p:nvPr/>
+            </p:nvSpPr>
+            <p:spPr>
+              <a:xfrm>
+                <a:off x="7191561" y="15410344"/>
+                <a:ext cx="140383" cy="128082"/>
+              </a:xfrm>
+              <a:prstGeom prst="ellipse">
+                <a:avLst/>
+              </a:prstGeom>
+              <a:solidFill>
+                <a:schemeClr val="tx2">
+                  <a:lumMod val="60000"/>
+                  <a:lumOff val="40000"/>
+                </a:schemeClr>
+              </a:solidFill>
+              <a:ln>
+                <a:noFill/>
+              </a:ln>
+              <a:effectLst/>
+            </p:spPr>
+            <p:style>
+              <a:lnRef idx="1">
+                <a:schemeClr val="accent1"/>
+              </a:lnRef>
+              <a:fillRef idx="3">
+                <a:schemeClr val="accent1"/>
+              </a:fillRef>
+              <a:effectRef idx="2">
+                <a:schemeClr val="accent1"/>
+              </a:effectRef>
+              <a:fontRef idx="minor">
+                <a:schemeClr val="lt1"/>
+              </a:fontRef>
+            </p:style>
+            <p:txBody>
+              <a:bodyPr rtlCol="0" anchor="ctr"/>
+              <a:lstStyle/>
+              <a:p>
+                <a:pPr algn="ctr"/>
+                <a:endParaRPr lang="en-US"/>
+              </a:p>
+            </p:txBody>
+          </p:sp>
+          <p:sp>
+            <p:nvSpPr>
+              <p:cNvPr id="27" name="Oval 26"/>
+              <p:cNvSpPr>
+                <a:spLocks noChangeAspect="1"/>
+              </p:cNvSpPr>
+              <p:nvPr/>
+            </p:nvSpPr>
+            <p:spPr>
+              <a:xfrm>
+                <a:off x="4408713" y="15096254"/>
+                <a:ext cx="140383" cy="128082"/>
+              </a:xfrm>
+              <a:prstGeom prst="ellipse">
+                <a:avLst/>
+              </a:prstGeom>
+              <a:solidFill>
+                <a:schemeClr val="tx1"/>
+              </a:solidFill>
+              <a:ln>
+                <a:noFill/>
+              </a:ln>
+              <a:effectLst/>
+            </p:spPr>
+            <p:style>
+              <a:lnRef idx="1">
+                <a:schemeClr val="accent1"/>
+              </a:lnRef>
+              <a:fillRef idx="3">
+                <a:schemeClr val="accent1"/>
+              </a:fillRef>
+              <a:effectRef idx="2">
+                <a:schemeClr val="accent1"/>
+              </a:effectRef>
+              <a:fontRef idx="minor">
+                <a:schemeClr val="lt1"/>
+              </a:fontRef>
+            </p:style>
+            <p:txBody>
+              <a:bodyPr rtlCol="0" anchor="ctr"/>
+              <a:lstStyle/>
+              <a:p>
+                <a:pPr algn="ctr"/>
+                <a:endParaRPr lang="en-US"/>
+              </a:p>
+            </p:txBody>
+          </p:sp>
+          <p:sp>
+            <p:nvSpPr>
+              <p:cNvPr id="28" name="Oval 27"/>
+              <p:cNvSpPr>
+                <a:spLocks noChangeAspect="1"/>
+              </p:cNvSpPr>
+              <p:nvPr/>
+            </p:nvSpPr>
+            <p:spPr>
+              <a:xfrm>
+                <a:off x="4857964" y="15100141"/>
+                <a:ext cx="140383" cy="128082"/>
+              </a:xfrm>
+              <a:prstGeom prst="ellipse">
+                <a:avLst/>
+              </a:prstGeom>
+              <a:solidFill>
+                <a:schemeClr val="tx1"/>
+              </a:solidFill>
+              <a:ln>
+                <a:noFill/>
+              </a:ln>
+              <a:effectLst/>
+            </p:spPr>
+            <p:style>
+              <a:lnRef idx="1">
+                <a:schemeClr val="accent1"/>
+              </a:lnRef>
+              <a:fillRef idx="3">
+                <a:schemeClr val="accent1"/>
+              </a:fillRef>
+              <a:effectRef idx="2">
+                <a:schemeClr val="accent1"/>
+              </a:effectRef>
+              <a:fontRef idx="minor">
+                <a:schemeClr val="lt1"/>
+              </a:fontRef>
+            </p:style>
+            <p:txBody>
+              <a:bodyPr rtlCol="0" anchor="ctr"/>
+              <a:lstStyle/>
+              <a:p>
+                <a:pPr algn="ctr"/>
+                <a:endParaRPr lang="en-US"/>
+              </a:p>
+            </p:txBody>
+          </p:sp>
+          <p:sp>
+            <p:nvSpPr>
+              <p:cNvPr id="29" name="Oval 28"/>
+              <p:cNvSpPr>
+                <a:spLocks noChangeAspect="1"/>
+              </p:cNvSpPr>
+              <p:nvPr/>
+            </p:nvSpPr>
+            <p:spPr>
+              <a:xfrm>
+                <a:off x="5267308" y="15105332"/>
+                <a:ext cx="140383" cy="128082"/>
+              </a:xfrm>
+              <a:prstGeom prst="ellipse">
+                <a:avLst/>
+              </a:prstGeom>
+              <a:solidFill>
+                <a:schemeClr val="tx1"/>
+              </a:solidFill>
+              <a:ln>
+                <a:noFill/>
+              </a:ln>
+              <a:effectLst/>
+            </p:spPr>
+            <p:style>
+              <a:lnRef idx="1">
+                <a:schemeClr val="accent1"/>
+              </a:lnRef>
+              <a:fillRef idx="3">
+                <a:schemeClr val="accent1"/>
+              </a:fillRef>
+              <a:effectRef idx="2">
+                <a:schemeClr val="accent1"/>
+              </a:effectRef>
+              <a:fontRef idx="minor">
+                <a:schemeClr val="lt1"/>
+              </a:fontRef>
+            </p:style>
+            <p:txBody>
+              <a:bodyPr rtlCol="0" anchor="ctr"/>
+              <a:lstStyle/>
+              <a:p>
+                <a:pPr algn="ctr"/>
+                <a:endParaRPr lang="en-US"/>
+              </a:p>
+            </p:txBody>
+          </p:sp>
+          <p:sp>
+            <p:nvSpPr>
+              <p:cNvPr id="30" name="Oval 29"/>
+              <p:cNvSpPr>
+                <a:spLocks noChangeAspect="1"/>
+              </p:cNvSpPr>
+              <p:nvPr/>
+            </p:nvSpPr>
+            <p:spPr>
+              <a:xfrm>
+                <a:off x="5662834" y="15106515"/>
+                <a:ext cx="140383" cy="128082"/>
+              </a:xfrm>
+              <a:prstGeom prst="ellipse">
+                <a:avLst/>
+              </a:prstGeom>
+              <a:solidFill>
+                <a:schemeClr val="tx1"/>
+              </a:solidFill>
+              <a:ln>
+                <a:noFill/>
+              </a:ln>
+              <a:effectLst/>
+            </p:spPr>
+            <p:style>
+              <a:lnRef idx="1">
+                <a:schemeClr val="accent1"/>
+              </a:lnRef>
+              <a:fillRef idx="3">
+                <a:schemeClr val="accent1"/>
+              </a:fillRef>
+              <a:effectRef idx="2">
+                <a:schemeClr val="accent1"/>
+              </a:effectRef>
+              <a:fontRef idx="minor">
+                <a:schemeClr val="lt1"/>
+              </a:fontRef>
+            </p:style>
+            <p:txBody>
+              <a:bodyPr rtlCol="0" anchor="ctr"/>
+              <a:lstStyle/>
+              <a:p>
+                <a:pPr algn="ctr"/>
+                <a:endParaRPr lang="en-US"/>
+              </a:p>
+            </p:txBody>
+          </p:sp>
+          <p:sp>
+            <p:nvSpPr>
+              <p:cNvPr id="31" name="Oval 30"/>
+              <p:cNvSpPr>
+                <a:spLocks noChangeAspect="1"/>
+              </p:cNvSpPr>
+              <p:nvPr/>
+            </p:nvSpPr>
+            <p:spPr>
+              <a:xfrm>
+                <a:off x="6032632" y="15100141"/>
+                <a:ext cx="140383" cy="128082"/>
+              </a:xfrm>
+              <a:prstGeom prst="ellipse">
+                <a:avLst/>
+              </a:prstGeom>
+              <a:solidFill>
+                <a:schemeClr val="tx1"/>
+              </a:solidFill>
+              <a:ln>
+                <a:noFill/>
+              </a:ln>
+              <a:effectLst/>
+            </p:spPr>
+            <p:style>
+              <a:lnRef idx="1">
+                <a:schemeClr val="accent1"/>
+              </a:lnRef>
+              <a:fillRef idx="3">
+                <a:schemeClr val="accent1"/>
+              </a:fillRef>
+              <a:effectRef idx="2">
+                <a:schemeClr val="accent1"/>
+              </a:effectRef>
+              <a:fontRef idx="minor">
+                <a:schemeClr val="lt1"/>
+              </a:fontRef>
+            </p:style>
+            <p:txBody>
+              <a:bodyPr rtlCol="0" anchor="ctr"/>
+              <a:lstStyle/>
+              <a:p>
+                <a:pPr algn="ctr"/>
+                <a:endParaRPr lang="en-US"/>
+              </a:p>
+            </p:txBody>
+          </p:sp>
+          <p:sp>
+            <p:nvSpPr>
+              <p:cNvPr id="32" name="Oval 31"/>
+              <p:cNvSpPr>
+                <a:spLocks noChangeAspect="1"/>
+              </p:cNvSpPr>
+              <p:nvPr/>
+            </p:nvSpPr>
+            <p:spPr>
+              <a:xfrm>
+                <a:off x="6413823" y="15101213"/>
+                <a:ext cx="140383" cy="128082"/>
+              </a:xfrm>
+              <a:prstGeom prst="ellipse">
+                <a:avLst/>
+              </a:prstGeom>
+              <a:solidFill>
+                <a:schemeClr val="tx1"/>
+              </a:solidFill>
+              <a:ln>
+                <a:noFill/>
+              </a:ln>
+              <a:effectLst/>
+            </p:spPr>
+            <p:style>
+              <a:lnRef idx="1">
+                <a:schemeClr val="accent1"/>
+              </a:lnRef>
+              <a:fillRef idx="3">
+                <a:schemeClr val="accent1"/>
+              </a:fillRef>
+              <a:effectRef idx="2">
+                <a:schemeClr val="accent1"/>
+              </a:effectRef>
+              <a:fontRef idx="minor">
+                <a:schemeClr val="lt1"/>
+              </a:fontRef>
+            </p:style>
+            <p:txBody>
+              <a:bodyPr rtlCol="0" anchor="ctr"/>
+              <a:lstStyle/>
+              <a:p>
+                <a:pPr algn="ctr"/>
+                <a:endParaRPr lang="en-US"/>
+              </a:p>
+            </p:txBody>
+          </p:sp>
+          <p:sp>
+            <p:nvSpPr>
+              <p:cNvPr id="33" name="Oval 32"/>
+              <p:cNvSpPr>
+                <a:spLocks noChangeAspect="1"/>
+              </p:cNvSpPr>
+              <p:nvPr/>
+            </p:nvSpPr>
+            <p:spPr>
+              <a:xfrm>
+                <a:off x="6790097" y="15106012"/>
+                <a:ext cx="140383" cy="128082"/>
+              </a:xfrm>
+              <a:prstGeom prst="ellipse">
+                <a:avLst/>
+              </a:prstGeom>
+              <a:solidFill>
+                <a:schemeClr val="tx1"/>
+              </a:solidFill>
+              <a:ln>
+                <a:noFill/>
+              </a:ln>
+              <a:effectLst/>
+            </p:spPr>
+            <p:style>
+              <a:lnRef idx="1">
+                <a:schemeClr val="accent1"/>
+              </a:lnRef>
+              <a:fillRef idx="3">
+                <a:schemeClr val="accent1"/>
+              </a:fillRef>
+              <a:effectRef idx="2">
+                <a:schemeClr val="accent1"/>
+              </a:effectRef>
+              <a:fontRef idx="minor">
+                <a:schemeClr val="lt1"/>
+              </a:fontRef>
+            </p:style>
+            <p:txBody>
+              <a:bodyPr rtlCol="0" anchor="ctr"/>
+              <a:lstStyle/>
+              <a:p>
+                <a:pPr algn="ctr"/>
+                <a:endParaRPr lang="en-US"/>
+              </a:p>
+            </p:txBody>
+          </p:sp>
+          <p:sp>
+            <p:nvSpPr>
+              <p:cNvPr id="34" name="Oval 33"/>
+              <p:cNvSpPr>
+                <a:spLocks noChangeAspect="1"/>
+              </p:cNvSpPr>
+              <p:nvPr/>
+            </p:nvSpPr>
+            <p:spPr>
+              <a:xfrm>
+                <a:off x="7188872" y="15107727"/>
+                <a:ext cx="140383" cy="128082"/>
+              </a:xfrm>
+              <a:prstGeom prst="ellipse">
+                <a:avLst/>
+              </a:prstGeom>
+              <a:solidFill>
+                <a:schemeClr val="tx1"/>
+              </a:solidFill>
+              <a:ln>
+                <a:noFill/>
+              </a:ln>
+              <a:effectLst/>
+            </p:spPr>
+            <p:style>
+              <a:lnRef idx="1">
+                <a:schemeClr val="accent1"/>
+              </a:lnRef>
+              <a:fillRef idx="3">
+                <a:schemeClr val="accent1"/>
+              </a:fillRef>
+              <a:effectRef idx="2">
+                <a:schemeClr val="accent1"/>
+              </a:effectRef>
+              <a:fontRef idx="minor">
+                <a:schemeClr val="lt1"/>
+              </a:fontRef>
+            </p:style>
+            <p:txBody>
+              <a:bodyPr rtlCol="0" anchor="ctr"/>
+              <a:lstStyle/>
+              <a:p>
+                <a:pPr algn="ctr"/>
+                <a:endParaRPr lang="en-US"/>
+              </a:p>
+            </p:txBody>
+          </p:sp>
+          <p:sp>
+            <p:nvSpPr>
+              <p:cNvPr id="35" name="Oval 34"/>
+              <p:cNvSpPr>
+                <a:spLocks noChangeAspect="1"/>
+              </p:cNvSpPr>
+              <p:nvPr/>
+            </p:nvSpPr>
+            <p:spPr>
+              <a:xfrm>
+                <a:off x="7615447" y="15105332"/>
+                <a:ext cx="140383" cy="128082"/>
+              </a:xfrm>
+              <a:prstGeom prst="ellipse">
+                <a:avLst/>
+              </a:prstGeom>
+              <a:solidFill>
+                <a:schemeClr val="tx1"/>
+              </a:solidFill>
+              <a:ln>
+                <a:noFill/>
+              </a:ln>
+              <a:effectLst/>
+            </p:spPr>
+            <p:style>
+              <a:lnRef idx="1">
+                <a:schemeClr val="accent1"/>
+              </a:lnRef>
+              <a:fillRef idx="3">
+                <a:schemeClr val="accent1"/>
+              </a:fillRef>
+              <a:effectRef idx="2">
+                <a:schemeClr val="accent1"/>
+              </a:effectRef>
+              <a:fontRef idx="minor">
+                <a:schemeClr val="lt1"/>
+              </a:fontRef>
+            </p:style>
+            <p:txBody>
+              <a:bodyPr rtlCol="0" anchor="ctr"/>
+              <a:lstStyle/>
+              <a:p>
+                <a:pPr algn="ctr"/>
+                <a:endParaRPr lang="en-US"/>
+              </a:p>
+            </p:txBody>
+          </p:sp>
+          <p:sp>
+            <p:nvSpPr>
+              <p:cNvPr id="36" name="Oval 35"/>
+              <p:cNvSpPr>
+                <a:spLocks noChangeAspect="1"/>
+              </p:cNvSpPr>
+              <p:nvPr/>
+            </p:nvSpPr>
+            <p:spPr>
+              <a:xfrm>
+                <a:off x="4636060" y="15096422"/>
+                <a:ext cx="140383" cy="128082"/>
+              </a:xfrm>
+              <a:prstGeom prst="ellipse">
+                <a:avLst/>
+              </a:prstGeom>
+              <a:solidFill>
+                <a:schemeClr val="tx1"/>
+              </a:solidFill>
+              <a:ln>
+                <a:noFill/>
+              </a:ln>
+              <a:effectLst/>
+            </p:spPr>
+            <p:style>
+              <a:lnRef idx="1">
+                <a:schemeClr val="accent1"/>
+              </a:lnRef>
+              <a:fillRef idx="3">
+                <a:schemeClr val="accent1"/>
+              </a:fillRef>
+              <a:effectRef idx="2">
+                <a:schemeClr val="accent1"/>
+              </a:effectRef>
+              <a:fontRef idx="minor">
+                <a:schemeClr val="lt1"/>
+              </a:fontRef>
+            </p:style>
+            <p:txBody>
+              <a:bodyPr rtlCol="0" anchor="ctr"/>
+              <a:lstStyle/>
+              <a:p>
+                <a:pPr algn="ctr"/>
+                <a:endParaRPr lang="en-US"/>
+              </a:p>
+            </p:txBody>
+          </p:sp>
+          <p:sp>
+            <p:nvSpPr>
+              <p:cNvPr id="37" name="Oval 36"/>
+              <p:cNvSpPr>
+                <a:spLocks noChangeAspect="1"/>
+              </p:cNvSpPr>
+              <p:nvPr/>
+            </p:nvSpPr>
+            <p:spPr>
+              <a:xfrm>
+                <a:off x="5055820" y="15101774"/>
+                <a:ext cx="140383" cy="128082"/>
+              </a:xfrm>
+              <a:prstGeom prst="ellipse">
+                <a:avLst/>
+              </a:prstGeom>
+              <a:solidFill>
+                <a:schemeClr val="tx1"/>
+              </a:solidFill>
+              <a:ln>
+                <a:noFill/>
+              </a:ln>
+              <a:effectLst/>
+            </p:spPr>
+            <p:style>
+              <a:lnRef idx="1">
+                <a:schemeClr val="accent1"/>
+              </a:lnRef>
+              <a:fillRef idx="3">
+                <a:schemeClr val="accent1"/>
+              </a:fillRef>
+              <a:effectRef idx="2">
+                <a:schemeClr val="accent1"/>
+              </a:effectRef>
+              <a:fontRef idx="minor">
+                <a:schemeClr val="lt1"/>
+              </a:fontRef>
+            </p:style>
+            <p:txBody>
+              <a:bodyPr rtlCol="0" anchor="ctr"/>
+              <a:lstStyle/>
+              <a:p>
+                <a:pPr algn="ctr"/>
+                <a:endParaRPr lang="en-US"/>
+              </a:p>
+            </p:txBody>
+          </p:sp>
+          <p:sp>
+            <p:nvSpPr>
+              <p:cNvPr id="38" name="Oval 37"/>
+              <p:cNvSpPr>
+                <a:spLocks noChangeAspect="1"/>
+              </p:cNvSpPr>
+              <p:nvPr/>
+            </p:nvSpPr>
+            <p:spPr>
+              <a:xfrm>
+                <a:off x="5462212" y="15107126"/>
+                <a:ext cx="140383" cy="128082"/>
+              </a:xfrm>
+              <a:prstGeom prst="ellipse">
+                <a:avLst/>
+              </a:prstGeom>
+              <a:solidFill>
+                <a:schemeClr val="tx1"/>
+              </a:solidFill>
+              <a:ln>
+                <a:noFill/>
+              </a:ln>
+              <a:effectLst/>
+            </p:spPr>
+            <p:style>
+              <a:lnRef idx="1">
+                <a:schemeClr val="accent1"/>
+              </a:lnRef>
+              <a:fillRef idx="3">
+                <a:schemeClr val="accent1"/>
+              </a:fillRef>
+              <a:effectRef idx="2">
+                <a:schemeClr val="accent1"/>
+              </a:effectRef>
+              <a:fontRef idx="minor">
+                <a:schemeClr val="lt1"/>
+              </a:fontRef>
+            </p:style>
+            <p:txBody>
+              <a:bodyPr rtlCol="0" anchor="ctr"/>
+              <a:lstStyle/>
+              <a:p>
+                <a:pPr algn="ctr"/>
+                <a:endParaRPr lang="en-US"/>
+              </a:p>
+            </p:txBody>
+          </p:sp>
+          <p:sp>
+            <p:nvSpPr>
+              <p:cNvPr id="39" name="Oval 38"/>
+              <p:cNvSpPr>
+                <a:spLocks noChangeAspect="1"/>
+              </p:cNvSpPr>
+              <p:nvPr/>
+            </p:nvSpPr>
+            <p:spPr>
+              <a:xfrm>
+                <a:off x="5855236" y="15103407"/>
+                <a:ext cx="140383" cy="128082"/>
+              </a:xfrm>
+              <a:prstGeom prst="ellipse">
+                <a:avLst/>
+              </a:prstGeom>
+              <a:solidFill>
+                <a:schemeClr val="tx1"/>
+              </a:solidFill>
+              <a:ln>
+                <a:noFill/>
+              </a:ln>
+              <a:effectLst/>
+            </p:spPr>
+            <p:style>
+              <a:lnRef idx="1">
+                <a:schemeClr val="accent1"/>
+              </a:lnRef>
+              <a:fillRef idx="3">
+                <a:schemeClr val="accent1"/>
+              </a:fillRef>
+              <a:effectRef idx="2">
+                <a:schemeClr val="accent1"/>
+              </a:effectRef>
+              <a:fontRef idx="minor">
+                <a:schemeClr val="lt1"/>
+              </a:fontRef>
+            </p:style>
+            <p:txBody>
+              <a:bodyPr rtlCol="0" anchor="ctr"/>
+              <a:lstStyle/>
+              <a:p>
+                <a:pPr algn="ctr"/>
+                <a:endParaRPr lang="en-US"/>
+              </a:p>
+            </p:txBody>
+          </p:sp>
+          <p:sp>
+            <p:nvSpPr>
+              <p:cNvPr id="40" name="Oval 39"/>
+              <p:cNvSpPr>
+                <a:spLocks noChangeAspect="1"/>
+              </p:cNvSpPr>
+              <p:nvPr/>
+            </p:nvSpPr>
+            <p:spPr>
+              <a:xfrm>
+                <a:off x="6221316" y="15098334"/>
+                <a:ext cx="140383" cy="128082"/>
+              </a:xfrm>
+              <a:prstGeom prst="ellipse">
+                <a:avLst/>
+              </a:prstGeom>
+              <a:solidFill>
+                <a:schemeClr val="tx1"/>
+              </a:solidFill>
+              <a:ln>
+                <a:noFill/>
+              </a:ln>
+              <a:effectLst/>
+            </p:spPr>
+            <p:style>
+              <a:lnRef idx="1">
+                <a:schemeClr val="accent1"/>
+              </a:lnRef>
+              <a:fillRef idx="3">
+                <a:schemeClr val="accent1"/>
+              </a:fillRef>
+              <a:effectRef idx="2">
+                <a:schemeClr val="accent1"/>
+              </a:effectRef>
+              <a:fontRef idx="minor">
+                <a:schemeClr val="lt1"/>
+              </a:fontRef>
+            </p:style>
+            <p:txBody>
+              <a:bodyPr rtlCol="0" anchor="ctr"/>
+              <a:lstStyle/>
+              <a:p>
+                <a:pPr algn="ctr"/>
+                <a:endParaRPr lang="en-US"/>
+              </a:p>
+            </p:txBody>
+          </p:sp>
+          <p:sp>
+            <p:nvSpPr>
+              <p:cNvPr id="41" name="Oval 40"/>
+              <p:cNvSpPr>
+                <a:spLocks noChangeAspect="1"/>
+              </p:cNvSpPr>
+              <p:nvPr/>
+            </p:nvSpPr>
+            <p:spPr>
+              <a:xfrm>
+                <a:off x="6600491" y="15105598"/>
+                <a:ext cx="140383" cy="128082"/>
+              </a:xfrm>
+              <a:prstGeom prst="ellipse">
+                <a:avLst/>
+              </a:prstGeom>
+              <a:solidFill>
+                <a:schemeClr val="tx1"/>
+              </a:solidFill>
+              <a:ln>
+                <a:noFill/>
+              </a:ln>
+              <a:effectLst/>
+            </p:spPr>
+            <p:style>
+              <a:lnRef idx="1">
+                <a:schemeClr val="accent1"/>
+              </a:lnRef>
+              <a:fillRef idx="3">
+                <a:schemeClr val="accent1"/>
+              </a:fillRef>
+              <a:effectRef idx="2">
+                <a:schemeClr val="accent1"/>
+              </a:effectRef>
+              <a:fontRef idx="minor">
+                <a:schemeClr val="lt1"/>
+              </a:fontRef>
+            </p:style>
+            <p:txBody>
+              <a:bodyPr rtlCol="0" anchor="ctr"/>
+              <a:lstStyle/>
+              <a:p>
+                <a:pPr algn="ctr"/>
+                <a:endParaRPr lang="en-US"/>
+              </a:p>
+            </p:txBody>
+          </p:sp>
+          <p:sp>
+            <p:nvSpPr>
+              <p:cNvPr id="42" name="Oval 41"/>
+              <p:cNvSpPr>
+                <a:spLocks noChangeAspect="1"/>
+              </p:cNvSpPr>
+              <p:nvPr/>
+            </p:nvSpPr>
+            <p:spPr>
+              <a:xfrm>
+                <a:off x="6988737" y="15103791"/>
+                <a:ext cx="140383" cy="128082"/>
+              </a:xfrm>
+              <a:prstGeom prst="ellipse">
+                <a:avLst/>
+              </a:prstGeom>
+              <a:solidFill>
+                <a:schemeClr val="tx1"/>
+              </a:solidFill>
+              <a:ln>
+                <a:noFill/>
+              </a:ln>
+              <a:effectLst/>
+            </p:spPr>
+            <p:style>
+              <a:lnRef idx="1">
+                <a:schemeClr val="accent1"/>
+              </a:lnRef>
+              <a:fillRef idx="3">
+                <a:schemeClr val="accent1"/>
+              </a:fillRef>
+              <a:effectRef idx="2">
+                <a:schemeClr val="accent1"/>
+              </a:effectRef>
+              <a:fontRef idx="minor">
+                <a:schemeClr val="lt1"/>
+              </a:fontRef>
+            </p:style>
+            <p:txBody>
+              <a:bodyPr rtlCol="0" anchor="ctr"/>
+              <a:lstStyle/>
+              <a:p>
+                <a:pPr algn="ctr"/>
+                <a:endParaRPr lang="en-US"/>
+              </a:p>
+            </p:txBody>
+          </p:sp>
+          <p:sp>
+            <p:nvSpPr>
+              <p:cNvPr id="43" name="Oval 42"/>
+              <p:cNvSpPr>
+                <a:spLocks noChangeAspect="1"/>
+              </p:cNvSpPr>
+              <p:nvPr/>
+            </p:nvSpPr>
+            <p:spPr>
+              <a:xfrm>
+                <a:off x="7404196" y="15111055"/>
+                <a:ext cx="140383" cy="128082"/>
+              </a:xfrm>
+              <a:prstGeom prst="ellipse">
+                <a:avLst/>
+              </a:prstGeom>
+              <a:solidFill>
+                <a:schemeClr val="tx1"/>
+              </a:solidFill>
+              <a:ln>
+                <a:noFill/>
+              </a:ln>
+              <a:effectLst/>
+            </p:spPr>
+            <p:style>
+              <a:lnRef idx="1">
+                <a:schemeClr val="accent1"/>
+              </a:lnRef>
+              <a:fillRef idx="3">
+                <a:schemeClr val="accent1"/>
+              </a:fillRef>
+              <a:effectRef idx="2">
+                <a:schemeClr val="accent1"/>
+              </a:effectRef>
+              <a:fontRef idx="minor">
+                <a:schemeClr val="lt1"/>
+              </a:fontRef>
+            </p:style>
+            <p:txBody>
+              <a:bodyPr rtlCol="0" anchor="ctr"/>
+              <a:lstStyle/>
+              <a:p>
+                <a:pPr algn="ctr"/>
+                <a:endParaRPr lang="en-US"/>
+              </a:p>
+            </p:txBody>
+          </p:sp>
+        </p:grpSp>
+        <p:grpSp>
+          <p:nvGrpSpPr>
+            <p:cNvPr id="49" name="Group 48"/>
+            <p:cNvGrpSpPr/>
+            <p:nvPr/>
+          </p:nvGrpSpPr>
+          <p:grpSpPr>
+            <a:xfrm>
+              <a:off x="3508608" y="4848044"/>
+              <a:ext cx="2327211" cy="1103880"/>
+              <a:chOff x="3508608" y="4848044"/>
+              <a:chExt cx="2327211" cy="1103880"/>
+            </a:xfrm>
+          </p:grpSpPr>
+          <p:cxnSp>
+            <p:nvCxnSpPr>
+              <p:cNvPr id="4" name="Straight Connector 3"/>
+              <p:cNvCxnSpPr/>
+              <p:nvPr/>
+            </p:nvCxnSpPr>
+            <p:spPr>
+              <a:xfrm flipH="1">
+                <a:off x="3911733" y="5102501"/>
+                <a:ext cx="10420" cy="360164"/>
+              </a:xfrm>
+              <a:prstGeom prst="line">
+                <a:avLst/>
+              </a:prstGeom>
+              <a:ln w="25400">
+                <a:solidFill>
+                  <a:schemeClr val="tx2">
+                    <a:lumMod val="60000"/>
+                    <a:lumOff val="40000"/>
+                  </a:schemeClr>
+                </a:solidFill>
+                <a:tailEnd type="triangle"/>
+              </a:ln>
+              <a:effectLst/>
+            </p:spPr>
+            <p:style>
+              <a:lnRef idx="2">
+                <a:schemeClr val="accent1"/>
+              </a:lnRef>
+              <a:fillRef idx="0">
+                <a:schemeClr val="accent1"/>
+              </a:fillRef>
+              <a:effectRef idx="1">
+                <a:schemeClr val="accent1"/>
+              </a:effectRef>
+              <a:fontRef idx="minor">
+                <a:schemeClr val="tx1"/>
+              </a:fontRef>
+            </p:style>
+          </p:cxnSp>
+          <p:cxnSp>
+            <p:nvCxnSpPr>
+              <p:cNvPr id="5" name="Straight Connector 4"/>
+              <p:cNvCxnSpPr/>
+              <p:nvPr/>
+            </p:nvCxnSpPr>
+            <p:spPr>
+              <a:xfrm flipV="1">
+                <a:off x="5058247" y="5557539"/>
+                <a:ext cx="0" cy="218848"/>
+              </a:xfrm>
+              <a:prstGeom prst="line">
+                <a:avLst/>
+              </a:prstGeom>
+              <a:ln w="25400">
+                <a:solidFill>
+                  <a:schemeClr val="tx2">
+                    <a:lumMod val="60000"/>
+                    <a:lumOff val="40000"/>
+                  </a:schemeClr>
+                </a:solidFill>
+                <a:tailEnd type="triangle"/>
+              </a:ln>
+              <a:effectLst/>
+            </p:spPr>
+            <p:style>
+              <a:lnRef idx="2">
+                <a:schemeClr val="accent1"/>
+              </a:lnRef>
+              <a:fillRef idx="0">
+                <a:schemeClr val="accent1"/>
+              </a:fillRef>
+              <a:effectRef idx="1">
+                <a:schemeClr val="accent1"/>
+              </a:effectRef>
+              <a:fontRef idx="minor">
+                <a:schemeClr val="tx1"/>
+              </a:fontRef>
+            </p:style>
+          </p:cxnSp>
+          <p:cxnSp>
+            <p:nvCxnSpPr>
+              <p:cNvPr id="6" name="Straight Connector 5"/>
+              <p:cNvCxnSpPr/>
+              <p:nvPr/>
+            </p:nvCxnSpPr>
+            <p:spPr>
+              <a:xfrm flipV="1">
+                <a:off x="5835819" y="5556379"/>
+                <a:ext cx="0" cy="218848"/>
+              </a:xfrm>
+              <a:prstGeom prst="line">
+                <a:avLst/>
+              </a:prstGeom>
+              <a:ln w="25400">
+                <a:solidFill>
+                  <a:schemeClr val="tx2">
+                    <a:lumMod val="60000"/>
+                    <a:lumOff val="40000"/>
+                  </a:schemeClr>
+                </a:solidFill>
+                <a:tailEnd type="triangle"/>
+              </a:ln>
+              <a:effectLst/>
+            </p:spPr>
+            <p:style>
+              <a:lnRef idx="2">
+                <a:schemeClr val="accent1"/>
+              </a:lnRef>
+              <a:fillRef idx="0">
+                <a:schemeClr val="accent1"/>
+              </a:fillRef>
+              <a:effectRef idx="1">
+                <a:schemeClr val="accent1"/>
+              </a:effectRef>
+              <a:fontRef idx="minor">
+                <a:schemeClr val="tx1"/>
+              </a:fontRef>
+            </p:style>
+          </p:cxnSp>
+          <p:cxnSp>
+            <p:nvCxnSpPr>
+              <p:cNvPr id="7" name="Straight Connector 6"/>
+              <p:cNvCxnSpPr>
+                <a:stCxn id="22" idx="0"/>
+              </p:cNvCxnSpPr>
+              <p:nvPr/>
+            </p:nvCxnSpPr>
+            <p:spPr>
+              <a:xfrm flipH="1" flipV="1">
+                <a:off x="5437824" y="5558932"/>
+                <a:ext cx="4170" cy="317650"/>
+              </a:xfrm>
+              <a:prstGeom prst="line">
+                <a:avLst/>
+              </a:prstGeom>
+              <a:ln w="25400">
+                <a:solidFill>
+                  <a:schemeClr val="tx2">
+                    <a:lumMod val="60000"/>
+                    <a:lumOff val="40000"/>
+                  </a:schemeClr>
+                </a:solidFill>
+                <a:tailEnd type="triangle"/>
+              </a:ln>
+              <a:effectLst/>
+            </p:spPr>
+            <p:style>
+              <a:lnRef idx="2">
+                <a:schemeClr val="accent1"/>
+              </a:lnRef>
+              <a:fillRef idx="0">
+                <a:schemeClr val="accent1"/>
+              </a:fillRef>
+              <a:effectRef idx="1">
+                <a:schemeClr val="accent1"/>
+              </a:effectRef>
+              <a:fontRef idx="minor">
+                <a:schemeClr val="tx1"/>
+              </a:fontRef>
+            </p:style>
+          </p:cxnSp>
+          <p:cxnSp>
+            <p:nvCxnSpPr>
+              <p:cNvPr id="8" name="Straight Connector 7"/>
+              <p:cNvCxnSpPr/>
+              <p:nvPr/>
+            </p:nvCxnSpPr>
+            <p:spPr>
+              <a:xfrm flipH="1">
+                <a:off x="5430433" y="5088509"/>
+                <a:ext cx="10420" cy="360164"/>
+              </a:xfrm>
+              <a:prstGeom prst="line">
+                <a:avLst/>
+              </a:prstGeom>
+              <a:ln w="25400">
+                <a:solidFill>
+                  <a:schemeClr val="accent2"/>
+                </a:solidFill>
+                <a:tailEnd type="triangle"/>
+              </a:ln>
+              <a:effectLst/>
+            </p:spPr>
+            <p:style>
+              <a:lnRef idx="2">
+                <a:schemeClr val="accent1"/>
+              </a:lnRef>
+              <a:fillRef idx="0">
+                <a:schemeClr val="accent1"/>
+              </a:fillRef>
+              <a:effectRef idx="1">
+                <a:schemeClr val="accent1"/>
+              </a:effectRef>
+              <a:fontRef idx="minor">
+                <a:schemeClr val="tx1"/>
+              </a:fontRef>
+            </p:style>
+          </p:cxnSp>
+          <p:cxnSp>
+            <p:nvCxnSpPr>
+              <p:cNvPr id="9" name="Straight Connector 8"/>
+              <p:cNvCxnSpPr/>
+              <p:nvPr/>
+            </p:nvCxnSpPr>
+            <p:spPr>
+              <a:xfrm rot="60000" flipV="1">
+                <a:off x="3911505" y="5555730"/>
+                <a:ext cx="0" cy="396194"/>
+              </a:xfrm>
+              <a:prstGeom prst="line">
+                <a:avLst/>
+              </a:prstGeom>
+              <a:ln w="25400">
+                <a:solidFill>
+                  <a:schemeClr val="accent2"/>
+                </a:solidFill>
+                <a:tailEnd type="triangle"/>
+              </a:ln>
+              <a:effectLst/>
+            </p:spPr>
+            <p:style>
+              <a:lnRef idx="2">
+                <a:schemeClr val="accent1"/>
+              </a:lnRef>
+              <a:fillRef idx="0">
+                <a:schemeClr val="accent1"/>
+              </a:fillRef>
+              <a:effectRef idx="1">
+                <a:schemeClr val="accent1"/>
+              </a:effectRef>
+              <a:fontRef idx="minor">
+                <a:schemeClr val="tx1"/>
+              </a:fontRef>
+            </p:style>
+          </p:cxnSp>
+          <p:cxnSp>
+            <p:nvCxnSpPr>
+              <p:cNvPr id="10" name="Straight Connector 9"/>
+              <p:cNvCxnSpPr/>
+              <p:nvPr/>
+            </p:nvCxnSpPr>
+            <p:spPr>
+              <a:xfrm flipH="1">
+                <a:off x="4304546" y="5183809"/>
+                <a:ext cx="3026" cy="292608"/>
+              </a:xfrm>
+              <a:prstGeom prst="line">
+                <a:avLst/>
+              </a:prstGeom>
+              <a:ln w="25400">
+                <a:solidFill>
+                  <a:schemeClr val="tx2">
+                    <a:lumMod val="60000"/>
+                    <a:lumOff val="40000"/>
+                  </a:schemeClr>
+                </a:solidFill>
+                <a:tailEnd type="triangle"/>
+              </a:ln>
+              <a:effectLst/>
+            </p:spPr>
+            <p:style>
+              <a:lnRef idx="2">
+                <a:schemeClr val="accent1"/>
+              </a:lnRef>
+              <a:fillRef idx="0">
+                <a:schemeClr val="accent1"/>
+              </a:fillRef>
+              <a:effectRef idx="1">
+                <a:schemeClr val="accent1"/>
+              </a:effectRef>
+              <a:fontRef idx="minor">
+                <a:schemeClr val="tx1"/>
+              </a:fontRef>
+            </p:style>
+          </p:cxnSp>
+          <p:cxnSp>
+            <p:nvCxnSpPr>
+              <p:cNvPr id="11" name="Straight Connector 10"/>
+              <p:cNvCxnSpPr/>
+              <p:nvPr/>
+            </p:nvCxnSpPr>
+            <p:spPr>
+              <a:xfrm flipH="1">
+                <a:off x="3508608" y="5164257"/>
+                <a:ext cx="3026" cy="292608"/>
+              </a:xfrm>
+              <a:prstGeom prst="line">
+                <a:avLst/>
+              </a:prstGeom>
+              <a:ln w="25400">
+                <a:solidFill>
+                  <a:schemeClr val="tx2">
+                    <a:lumMod val="60000"/>
+                    <a:lumOff val="40000"/>
+                  </a:schemeClr>
+                </a:solidFill>
+                <a:tailEnd type="triangle"/>
+              </a:ln>
+              <a:effectLst/>
+            </p:spPr>
+            <p:style>
+              <a:lnRef idx="2">
+                <a:schemeClr val="accent1"/>
+              </a:lnRef>
+              <a:fillRef idx="0">
+                <a:schemeClr val="accent1"/>
+              </a:fillRef>
+              <a:effectRef idx="1">
+                <a:schemeClr val="accent1"/>
+              </a:effectRef>
+              <a:fontRef idx="minor">
+                <a:schemeClr val="tx1"/>
+              </a:fontRef>
+            </p:style>
+          </p:cxnSp>
+          <p:sp>
+            <p:nvSpPr>
+              <p:cNvPr id="48" name="Text Box 30"/>
+              <p:cNvSpPr txBox="1">
+                <a:spLocks noChangeArrowheads="1"/>
+              </p:cNvSpPr>
+              <p:nvPr/>
+            </p:nvSpPr>
+            <p:spPr bwMode="auto">
+              <a:xfrm>
+                <a:off x="4552448" y="4848044"/>
+                <a:ext cx="453102" cy="615554"/>
+              </a:xfrm>
+              <a:prstGeom prst="rect">
+                <a:avLst/>
+              </a:prstGeom>
+              <a:noFill/>
+              <a:ln w="12700">
+                <a:noFill/>
+                <a:miter lim="800000"/>
+                <a:headEnd type="none" w="sm" len="sm"/>
+                <a:tailEnd type="none" w="sm" len="sm"/>
+              </a:ln>
+            </p:spPr>
+            <p:txBody>
+              <a:bodyPr wrap="square" lIns="91440" tIns="45720" rIns="91440" bIns="45720">
+                <a:spAutoFit/>
+              </a:bodyPr>
+              <a:lstStyle/>
+              <a:p>
+                <a:pPr>
+                  <a:spcBef>
+                    <a:spcPct val="0"/>
+                  </a:spcBef>
+                </a:pPr>
+                <a:r>
+                  <a:rPr lang="en-US" sz="3400" b="1" i="1" dirty="0">
+                    <a:latin typeface="Times"/>
+                    <a:cs typeface="Times"/>
+                  </a:rPr>
+                  <a:t>t</a:t>
+                </a:r>
+                <a:endParaRPr lang="en-US" sz="3400" i="1" dirty="0">
+                  <a:solidFill>
+                    <a:srgbClr val="C0504D"/>
+                  </a:solidFill>
+                  <a:latin typeface="Times"/>
+                  <a:cs typeface="Times"/>
+                </a:endParaRPr>
+              </a:p>
+            </p:txBody>
+          </p:sp>
+        </p:grpSp>
+      </p:grpSp>
+      <p:grpSp>
+        <p:nvGrpSpPr>
+          <p:cNvPr id="61" name="Group 60"/>
+          <p:cNvGrpSpPr/>
+          <p:nvPr/>
+        </p:nvGrpSpPr>
+        <p:grpSpPr>
+          <a:xfrm>
+            <a:off x="1069015" y="2274770"/>
+            <a:ext cx="3081561" cy="1015663"/>
+            <a:chOff x="634257" y="2183234"/>
+            <a:chExt cx="3081561" cy="1015663"/>
+          </a:xfrm>
+        </p:grpSpPr>
+        <p:sp>
+          <p:nvSpPr>
+            <p:cNvPr id="12" name="Text Box 30"/>
+            <p:cNvSpPr txBox="1">
+              <a:spLocks noChangeArrowheads="1"/>
+            </p:cNvSpPr>
+            <p:nvPr/>
+          </p:nvSpPr>
+          <p:spPr bwMode="auto">
+            <a:xfrm>
+              <a:off x="634257" y="2183234"/>
+              <a:ext cx="3081561" cy="1015663"/>
+            </a:xfrm>
+            <a:prstGeom prst="rect">
+              <a:avLst/>
+            </a:prstGeom>
+            <a:noFill/>
+            <a:ln w="12700">
+              <a:noFill/>
+              <a:miter lim="800000"/>
+              <a:headEnd type="none" w="sm" len="sm"/>
+              <a:tailEnd type="none" w="sm" len="sm"/>
+            </a:ln>
+          </p:spPr>
+          <p:txBody>
+            <a:bodyPr wrap="square" lIns="91440" tIns="45720" rIns="91440" bIns="45720">
+              <a:spAutoFit/>
+            </a:bodyPr>
+            <a:lstStyle/>
+            <a:p>
+              <a:pPr algn="ctr">
+                <a:spcBef>
+                  <a:spcPct val="0"/>
+                </a:spcBef>
+              </a:pPr>
+              <a:r>
+                <a:rPr lang="en-US" sz="6000" dirty="0" smtClean="0">
+                  <a:latin typeface="Palatino"/>
+                  <a:cs typeface="Palatino"/>
+                </a:rPr>
+                <a:t>Braid</a:t>
+              </a:r>
+              <a:endParaRPr lang="en-US" sz="6000" dirty="0">
+                <a:latin typeface="Palatino"/>
+                <a:cs typeface="Palatino"/>
+              </a:endParaRPr>
+            </a:p>
+          </p:txBody>
+        </p:sp>
+        <p:pic>
+          <p:nvPicPr>
+            <p:cNvPr id="60" name="Picture 59" descr="latex-image-1.pdf"/>
+            <p:cNvPicPr>
+              <a:picLocks noChangeAspect="1"/>
+            </p:cNvPicPr>
+            <p:nvPr/>
+          </p:nvPicPr>
+          <p:blipFill>
+            <a:blip r:embed="rId3">
+              <a:extLst>
+                <a:ext uri="{28A0092B-C50C-407E-A947-70E740481C1C}">
+                  <a14:useLocalDpi xmlns:a14="http://schemas.microsoft.com/office/drawing/2010/main" val="0"/>
+                </a:ext>
+              </a:extLst>
+            </a:blip>
+            <a:stretch>
+              <a:fillRect/>
+            </a:stretch>
+          </p:blipFill>
+          <p:spPr>
+            <a:xfrm>
+              <a:off x="809827" y="2616669"/>
+              <a:ext cx="471534" cy="544078"/>
+            </a:xfrm>
+            <a:prstGeom prst="rect">
+              <a:avLst/>
+            </a:prstGeom>
+          </p:spPr>
+        </p:pic>
+      </p:grpSp>
+      <p:sp>
+        <p:nvSpPr>
+          <p:cNvPr id="62" name="Content Placeholder 2"/>
+          <p:cNvSpPr txBox="1">
+            <a:spLocks/>
+          </p:cNvSpPr>
+          <p:nvPr/>
+        </p:nvSpPr>
+        <p:spPr>
+          <a:xfrm>
+            <a:off x="782235" y="1189960"/>
+            <a:ext cx="8229600" cy="720840"/>
+          </a:xfrm>
+          <a:prstGeom prst="rect">
+            <a:avLst/>
+          </a:prstGeom>
+        </p:spPr>
+        <p:txBody>
+          <a:bodyPr>
+            <a:normAutofit/>
+          </a:bodyPr>
+          <a:lstStyle>
+            <a:lvl1pPr marL="342900" indent="-342900" algn="l" defTabSz="457200" rtl="0" eaLnBrk="1" latinLnBrk="0" hangingPunct="1">
+              <a:spcBef>
+                <a:spcPct val="20000"/>
+              </a:spcBef>
+              <a:buFont typeface="Arial"/>
+              <a:buChar char="•"/>
+              <a:defRPr sz="3200" kern="1200">
+                <a:solidFill>
+                  <a:schemeClr val="tx1"/>
+                </a:solidFill>
+                <a:latin typeface="+mn-lt"/>
+                <a:ea typeface="+mn-ea"/>
+                <a:cs typeface="+mn-cs"/>
+              </a:defRPr>
+            </a:lvl1pPr>
+            <a:lvl2pPr marL="742950" indent="-285750" algn="l" defTabSz="457200" rtl="0" eaLnBrk="1" latinLnBrk="0" hangingPunct="1">
+              <a:spcBef>
+                <a:spcPct val="20000"/>
+              </a:spcBef>
+              <a:buFont typeface="Arial"/>
+              <a:buChar char="–"/>
+              <a:defRPr sz="2800" kern="1200">
+                <a:solidFill>
+                  <a:schemeClr val="tx1"/>
+                </a:solidFill>
+                <a:latin typeface="+mn-lt"/>
+                <a:ea typeface="+mn-ea"/>
+                <a:cs typeface="+mn-cs"/>
+              </a:defRPr>
+            </a:lvl2pPr>
+            <a:lvl3pPr marL="1143000" indent="-228600" algn="l" defTabSz="457200" rtl="0" eaLnBrk="1" latinLnBrk="0" hangingPunct="1">
+              <a:spcBef>
+                <a:spcPct val="20000"/>
+              </a:spcBef>
+              <a:buFont typeface="Arial"/>
+              <a:buChar char="•"/>
+              <a:defRPr sz="2400" kern="1200">
+                <a:solidFill>
+                  <a:schemeClr val="tx1"/>
+                </a:solidFill>
+                <a:latin typeface="+mn-lt"/>
+                <a:ea typeface="+mn-ea"/>
+                <a:cs typeface="+mn-cs"/>
+              </a:defRPr>
+            </a:lvl3pPr>
+            <a:lvl4pPr marL="1600200" indent="-228600" algn="l" defTabSz="457200" rtl="0" eaLnBrk="1" latinLnBrk="0" hangingPunct="1">
+              <a:spcBef>
+                <a:spcPct val="20000"/>
+              </a:spcBef>
+              <a:buFont typeface="Arial"/>
+              <a:buChar char="–"/>
+              <a:defRPr sz="2000" kern="1200">
+                <a:solidFill>
+                  <a:schemeClr val="tx1"/>
+                </a:solidFill>
+                <a:latin typeface="+mn-lt"/>
+                <a:ea typeface="+mn-ea"/>
+                <a:cs typeface="+mn-cs"/>
+              </a:defRPr>
+            </a:lvl4pPr>
+            <a:lvl5pPr marL="2057400" indent="-228600" algn="l" defTabSz="457200" rtl="0" eaLnBrk="1" latinLnBrk="0" hangingPunct="1">
+              <a:spcBef>
+                <a:spcPct val="20000"/>
+              </a:spcBef>
+              <a:buFont typeface="Arial"/>
+              <a:buChar char="»"/>
+              <a:defRPr sz="2000" kern="1200">
+                <a:solidFill>
+                  <a:schemeClr val="tx1"/>
+                </a:solidFill>
+                <a:latin typeface="+mn-lt"/>
+                <a:ea typeface="+mn-ea"/>
+                <a:cs typeface="+mn-cs"/>
+              </a:defRPr>
+            </a:lvl5pPr>
+            <a:lvl6pPr marL="2514600" indent="-228600" algn="l" defTabSz="457200" rtl="0" eaLnBrk="1" latinLnBrk="0" hangingPunct="1">
+              <a:spcBef>
+                <a:spcPct val="20000"/>
+              </a:spcBef>
+              <a:buFont typeface="Arial"/>
+              <a:buChar char="•"/>
+              <a:defRPr sz="2000" kern="1200">
+                <a:solidFill>
+                  <a:schemeClr val="tx1"/>
+                </a:solidFill>
+                <a:latin typeface="+mn-lt"/>
+                <a:ea typeface="+mn-ea"/>
+                <a:cs typeface="+mn-cs"/>
+              </a:defRPr>
+            </a:lvl6pPr>
+            <a:lvl7pPr marL="2971800" indent="-228600" algn="l" defTabSz="457200" rtl="0" eaLnBrk="1" latinLnBrk="0" hangingPunct="1">
+              <a:spcBef>
+                <a:spcPct val="20000"/>
+              </a:spcBef>
+              <a:buFont typeface="Arial"/>
+              <a:buChar char="•"/>
+              <a:defRPr sz="2000" kern="1200">
+                <a:solidFill>
+                  <a:schemeClr val="tx1"/>
+                </a:solidFill>
+                <a:latin typeface="+mn-lt"/>
+                <a:ea typeface="+mn-ea"/>
+                <a:cs typeface="+mn-cs"/>
+              </a:defRPr>
+            </a:lvl7pPr>
+            <a:lvl8pPr marL="3429000" indent="-228600" algn="l" defTabSz="457200" rtl="0" eaLnBrk="1" latinLnBrk="0" hangingPunct="1">
+              <a:spcBef>
+                <a:spcPct val="20000"/>
+              </a:spcBef>
+              <a:buFont typeface="Arial"/>
+              <a:buChar char="•"/>
+              <a:defRPr sz="2000" kern="1200">
+                <a:solidFill>
+                  <a:schemeClr val="tx1"/>
+                </a:solidFill>
+                <a:latin typeface="+mn-lt"/>
+                <a:ea typeface="+mn-ea"/>
+                <a:cs typeface="+mn-cs"/>
+              </a:defRPr>
+            </a:lvl8pPr>
+            <a:lvl9pPr marL="3886200" indent="-228600" algn="l" defTabSz="457200" rtl="0" eaLnBrk="1" latinLnBrk="0" hangingPunct="1">
+              <a:spcBef>
+                <a:spcPct val="20000"/>
+              </a:spcBef>
+              <a:buFont typeface="Arial"/>
+              <a:buChar char="•"/>
+              <a:defRPr sz="2000" kern="1200">
+                <a:solidFill>
+                  <a:schemeClr val="tx1"/>
+                </a:solidFill>
+                <a:latin typeface="+mn-lt"/>
+                <a:ea typeface="+mn-ea"/>
+                <a:cs typeface="+mn-cs"/>
+              </a:defRPr>
+            </a:lvl9pPr>
+          </a:lstStyle>
+          <a:p>
+            <a:pPr marL="0" indent="0">
+              <a:buFont typeface="Arial"/>
+              <a:buNone/>
+            </a:pPr>
+            <a:r>
+              <a:rPr lang="en-US" sz="2400" dirty="0" smtClean="0"/>
+              <a:t>Logo brainstorming to hand off to TID.</a:t>
+            </a:r>
+            <a:endParaRPr lang="en-US" sz="2400" dirty="0"/>
+          </a:p>
+        </p:txBody>
+      </p:sp>
+      <p:sp>
+        <p:nvSpPr>
+          <p:cNvPr id="51" name="Content Placeholder 2"/>
+          <p:cNvSpPr txBox="1">
+            <a:spLocks/>
+          </p:cNvSpPr>
+          <p:nvPr/>
+        </p:nvSpPr>
+        <p:spPr>
+          <a:xfrm>
+            <a:off x="313225" y="5052429"/>
+            <a:ext cx="4972962" cy="720840"/>
+          </a:xfrm>
+          <a:prstGeom prst="rect">
+            <a:avLst/>
+          </a:prstGeom>
+        </p:spPr>
+        <p:txBody>
+          <a:bodyPr>
+            <a:normAutofit fontScale="92500"/>
+          </a:bodyPr>
+          <a:lstStyle>
+            <a:lvl1pPr marL="342900" indent="-342900" algn="l" defTabSz="457200" rtl="0" eaLnBrk="1" latinLnBrk="0" hangingPunct="1">
+              <a:spcBef>
+                <a:spcPct val="20000"/>
+              </a:spcBef>
+              <a:buFont typeface="Arial"/>
+              <a:buChar char="•"/>
+              <a:defRPr sz="3200" kern="1200">
+                <a:solidFill>
+                  <a:schemeClr val="tx1"/>
+                </a:solidFill>
+                <a:latin typeface="+mn-lt"/>
+                <a:ea typeface="+mn-ea"/>
+                <a:cs typeface="+mn-cs"/>
+              </a:defRPr>
+            </a:lvl1pPr>
+            <a:lvl2pPr marL="742950" indent="-285750" algn="l" defTabSz="457200" rtl="0" eaLnBrk="1" latinLnBrk="0" hangingPunct="1">
+              <a:spcBef>
+                <a:spcPct val="20000"/>
+              </a:spcBef>
+              <a:buFont typeface="Arial"/>
+              <a:buChar char="–"/>
+              <a:defRPr sz="2800" kern="1200">
+                <a:solidFill>
+                  <a:schemeClr val="tx1"/>
+                </a:solidFill>
+                <a:latin typeface="+mn-lt"/>
+                <a:ea typeface="+mn-ea"/>
+                <a:cs typeface="+mn-cs"/>
+              </a:defRPr>
+            </a:lvl2pPr>
+            <a:lvl3pPr marL="1143000" indent="-228600" algn="l" defTabSz="457200" rtl="0" eaLnBrk="1" latinLnBrk="0" hangingPunct="1">
+              <a:spcBef>
+                <a:spcPct val="20000"/>
+              </a:spcBef>
+              <a:buFont typeface="Arial"/>
+              <a:buChar char="•"/>
+              <a:defRPr sz="2400" kern="1200">
+                <a:solidFill>
+                  <a:schemeClr val="tx1"/>
+                </a:solidFill>
+                <a:latin typeface="+mn-lt"/>
+                <a:ea typeface="+mn-ea"/>
+                <a:cs typeface="+mn-cs"/>
+              </a:defRPr>
+            </a:lvl3pPr>
+            <a:lvl4pPr marL="1600200" indent="-228600" algn="l" defTabSz="457200" rtl="0" eaLnBrk="1" latinLnBrk="0" hangingPunct="1">
+              <a:spcBef>
+                <a:spcPct val="20000"/>
+              </a:spcBef>
+              <a:buFont typeface="Arial"/>
+              <a:buChar char="–"/>
+              <a:defRPr sz="2000" kern="1200">
+                <a:solidFill>
+                  <a:schemeClr val="tx1"/>
+                </a:solidFill>
+                <a:latin typeface="+mn-lt"/>
+                <a:ea typeface="+mn-ea"/>
+                <a:cs typeface="+mn-cs"/>
+              </a:defRPr>
+            </a:lvl4pPr>
+            <a:lvl5pPr marL="2057400" indent="-228600" algn="l" defTabSz="457200" rtl="0" eaLnBrk="1" latinLnBrk="0" hangingPunct="1">
+              <a:spcBef>
+                <a:spcPct val="20000"/>
+              </a:spcBef>
+              <a:buFont typeface="Arial"/>
+              <a:buChar char="»"/>
+              <a:defRPr sz="2000" kern="1200">
+                <a:solidFill>
+                  <a:schemeClr val="tx1"/>
+                </a:solidFill>
+                <a:latin typeface="+mn-lt"/>
+                <a:ea typeface="+mn-ea"/>
+                <a:cs typeface="+mn-cs"/>
+              </a:defRPr>
+            </a:lvl5pPr>
+            <a:lvl6pPr marL="2514600" indent="-228600" algn="l" defTabSz="457200" rtl="0" eaLnBrk="1" latinLnBrk="0" hangingPunct="1">
+              <a:spcBef>
+                <a:spcPct val="20000"/>
+              </a:spcBef>
+              <a:buFont typeface="Arial"/>
+              <a:buChar char="•"/>
+              <a:defRPr sz="2000" kern="1200">
+                <a:solidFill>
+                  <a:schemeClr val="tx1"/>
+                </a:solidFill>
+                <a:latin typeface="+mn-lt"/>
+                <a:ea typeface="+mn-ea"/>
+                <a:cs typeface="+mn-cs"/>
+              </a:defRPr>
+            </a:lvl6pPr>
+            <a:lvl7pPr marL="2971800" indent="-228600" algn="l" defTabSz="457200" rtl="0" eaLnBrk="1" latinLnBrk="0" hangingPunct="1">
+              <a:spcBef>
+                <a:spcPct val="20000"/>
+              </a:spcBef>
+              <a:buFont typeface="Arial"/>
+              <a:buChar char="•"/>
+              <a:defRPr sz="2000" kern="1200">
+                <a:solidFill>
+                  <a:schemeClr val="tx1"/>
+                </a:solidFill>
+                <a:latin typeface="+mn-lt"/>
+                <a:ea typeface="+mn-ea"/>
+                <a:cs typeface="+mn-cs"/>
+              </a:defRPr>
+            </a:lvl7pPr>
+            <a:lvl8pPr marL="3429000" indent="-228600" algn="l" defTabSz="457200" rtl="0" eaLnBrk="1" latinLnBrk="0" hangingPunct="1">
+              <a:spcBef>
+                <a:spcPct val="20000"/>
+              </a:spcBef>
+              <a:buFont typeface="Arial"/>
+              <a:buChar char="•"/>
+              <a:defRPr sz="2000" kern="1200">
+                <a:solidFill>
+                  <a:schemeClr val="tx1"/>
+                </a:solidFill>
+                <a:latin typeface="+mn-lt"/>
+                <a:ea typeface="+mn-ea"/>
+                <a:cs typeface="+mn-cs"/>
+              </a:defRPr>
+            </a:lvl8pPr>
+            <a:lvl9pPr marL="3886200" indent="-228600" algn="l" defTabSz="457200" rtl="0" eaLnBrk="1" latinLnBrk="0" hangingPunct="1">
+              <a:spcBef>
+                <a:spcPct val="20000"/>
+              </a:spcBef>
+              <a:buFont typeface="Arial"/>
+              <a:buChar char="•"/>
+              <a:defRPr sz="2000" kern="1200">
+                <a:solidFill>
+                  <a:schemeClr val="tx1"/>
+                </a:solidFill>
+                <a:latin typeface="+mn-lt"/>
+                <a:ea typeface="+mn-ea"/>
+                <a:cs typeface="+mn-cs"/>
+              </a:defRPr>
+            </a:lvl9pPr>
+          </a:lstStyle>
+          <a:p>
+            <a:pPr marL="0" indent="0">
+              <a:buFont typeface="Arial"/>
+              <a:buNone/>
+            </a:pPr>
+            <a:r>
+              <a:rPr lang="en-US" sz="2400" dirty="0" smtClean="0">
+                <a:latin typeface="Palatino"/>
+                <a:cs typeface="Palatino"/>
+              </a:rPr>
+              <a:t>Time-Braid: Multigrid in Time Solvers</a:t>
+            </a:r>
+            <a:endParaRPr lang="en-US" sz="2400" dirty="0">
+              <a:latin typeface="Palatino"/>
+              <a:cs typeface="Palatino"/>
+            </a:endParaRPr>
+          </a:p>
+        </p:txBody>
+      </p:sp>
+      <p:sp>
+        <p:nvSpPr>
+          <p:cNvPr id="52" name="Text Box 30"/>
+          <p:cNvSpPr txBox="1">
+            <a:spLocks noChangeArrowheads="1"/>
+          </p:cNvSpPr>
+          <p:nvPr/>
+        </p:nvSpPr>
+        <p:spPr bwMode="auto">
+          <a:xfrm>
+            <a:off x="1221415" y="3917440"/>
+            <a:ext cx="3081561" cy="1015663"/>
+          </a:xfrm>
+          <a:prstGeom prst="rect">
+            <a:avLst/>
+          </a:prstGeom>
+          <a:noFill/>
+          <a:ln w="12700">
+            <a:noFill/>
+            <a:miter lim="800000"/>
+            <a:headEnd type="none" w="sm" len="sm"/>
+            <a:tailEnd type="none" w="sm" len="sm"/>
+          </a:ln>
+        </p:spPr>
+        <p:txBody>
+          <a:bodyPr wrap="square" lIns="91440" tIns="45720" rIns="91440" bIns="45720">
+            <a:spAutoFit/>
+          </a:bodyPr>
+          <a:lstStyle/>
+          <a:p>
+            <a:pPr algn="ctr">
+              <a:spcBef>
+                <a:spcPct val="0"/>
+              </a:spcBef>
+            </a:pPr>
+            <a:r>
+              <a:rPr lang="en-US" sz="6000" dirty="0" smtClean="0">
+                <a:latin typeface="Palatino"/>
+                <a:cs typeface="Palatino"/>
+              </a:rPr>
+              <a:t>Braid</a:t>
+            </a:r>
+            <a:endParaRPr lang="en-US" sz="6000" dirty="0">
+              <a:latin typeface="Palatino"/>
+              <a:cs typeface="Palatino"/>
+            </a:endParaRPr>
+          </a:p>
+        </p:txBody>
+      </p:sp>
+      <p:pic>
+        <p:nvPicPr>
+          <p:cNvPr id="53" name="Picture 52" descr="latex-image-1.pdf"/>
+          <p:cNvPicPr>
+            <a:picLocks noChangeAspect="1"/>
+          </p:cNvPicPr>
+          <p:nvPr/>
+        </p:nvPicPr>
+        <p:blipFill>
+          <a:blip r:embed="rId3">
+            <a:extLst>
+              <a:ext uri="{28A0092B-C50C-407E-A947-70E740481C1C}">
+                <a14:useLocalDpi xmlns:a14="http://schemas.microsoft.com/office/drawing/2010/main" val="0"/>
+              </a:ext>
+            </a:extLst>
+          </a:blip>
+          <a:stretch>
+            <a:fillRect/>
+          </a:stretch>
+        </p:blipFill>
+        <p:spPr>
+          <a:xfrm>
+            <a:off x="1396985" y="4350875"/>
+            <a:ext cx="471534" cy="544078"/>
+          </a:xfrm>
+          <a:prstGeom prst="rect">
+            <a:avLst/>
+          </a:prstGeom>
+        </p:spPr>
+      </p:pic>
+    </p:spTree>
+    <p:extLst>
+      <p:ext uri="{BB962C8B-B14F-4D97-AF65-F5344CB8AC3E}">
+        <p14:creationId xmlns:p14="http://schemas.microsoft.com/office/powerpoint/2010/main" val="1416242583"/>
+      </p:ext>
+    </p:extLst>
+  </p:cSld>
+  <p:clrMapOvr>
+    <a:masterClrMapping/>
+  </p:clrMapOvr>
+</p:sld>
+</file>
+
+<file path=ppt/slides/slide3.xml><?xml version="1.0" encoding="utf-8"?>
+<p:sld xmlns:a="http://schemas.openxmlformats.org/drawingml/2006/main" xmlns:r="http://schemas.openxmlformats.org/officeDocument/2006/relationships" xmlns:p="http://schemas.openxmlformats.org/presentationml/2006/main">
+  <p:cSld>
+    <p:spTree>
+      <p:nvGrpSpPr>
+        <p:cNvPr id="1" name=""/>
+        <p:cNvGrpSpPr/>
+        <p:nvPr/>
+      </p:nvGrpSpPr>
+      <p:grpSpPr>
+        <a:xfrm>
+          <a:off x="0" y="0"/>
+          <a:ext cx="0" cy="0"/>
+          <a:chOff x="0" y="0"/>
+          <a:chExt cx="0" cy="0"/>
+        </a:xfrm>
+      </p:grpSpPr>
+      <p:sp>
+        <p:nvSpPr>
+          <p:cNvPr id="3" name="Content Placeholder 2"/>
+          <p:cNvSpPr>
+            <a:spLocks noGrp="1"/>
+          </p:cNvSpPr>
+          <p:nvPr>
+            <p:ph idx="1"/>
+          </p:nvPr>
+        </p:nvSpPr>
+        <p:spPr>
+          <a:xfrm>
+            <a:off x="457200" y="469120"/>
+            <a:ext cx="8229600" cy="720840"/>
+          </a:xfrm>
+        </p:spPr>
+        <p:txBody>
+          <a:bodyPr>
+            <a:normAutofit/>
+          </a:bodyPr>
+          <a:lstStyle/>
+          <a:p>
+            <a:pPr marL="0" indent="0">
+              <a:buNone/>
+            </a:pPr>
+            <a:r>
+              <a:rPr lang="en-US" sz="2400" dirty="0" smtClean="0"/>
+              <a:t>Typesetting the name in documents, and in the logo</a:t>
+            </a:r>
+          </a:p>
+        </p:txBody>
+      </p:sp>
+      <p:pic>
+        <p:nvPicPr>
+          <p:cNvPr id="4" name="Picture 3" descr="latex-image-1.pdf"/>
+          <p:cNvPicPr>
+            <a:picLocks noChangeAspect="1"/>
+          </p:cNvPicPr>
+          <p:nvPr/>
+        </p:nvPicPr>
+        <p:blipFill>
+          <a:blip r:embed="rId2">
+            <a:extLst>
+              <a:ext uri="{28A0092B-C50C-407E-A947-70E740481C1C}">
+                <a14:useLocalDpi xmlns:a14="http://schemas.microsoft.com/office/drawing/2010/main" val="0"/>
+              </a:ext>
+            </a:extLst>
+          </a:blip>
+          <a:stretch>
+            <a:fillRect/>
+          </a:stretch>
+        </p:blipFill>
+        <p:spPr>
+          <a:xfrm>
+            <a:off x="559175" y="1189960"/>
+            <a:ext cx="6731000" cy="1447800"/>
+          </a:xfrm>
+          <a:prstGeom prst="rect">
+            <a:avLst/>
+          </a:prstGeom>
+        </p:spPr>
+      </p:pic>
+    </p:spTree>
+    <p:extLst>
+      <p:ext uri="{BB962C8B-B14F-4D97-AF65-F5344CB8AC3E}">
+        <p14:creationId xmlns:p14="http://schemas.microsoft.com/office/powerpoint/2010/main" val="4187172655"/>
       </p:ext>
     </p:extLst>
   </p:cSld>

--- a/docs/img/title.pptx
+++ b/docs/img/title.pptx
@@ -194,7 +194,7 @@
           <a:p>
             <a:fld id="{E188F9CD-06D5-634D-8F9B-4D359D0B651A}" type="datetimeFigureOut">
               <a:rPr lang="en-US" smtClean="0"/>
-              <a:t>8/15/14</a:t>
+              <a:t>8/18/14</a:t>
             </a:fld>
             <a:endParaRPr lang="en-US"/>
           </a:p>
@@ -997,7 +997,7 @@
           <a:p>
             <a:fld id="{0C51A9C6-C325-304C-B61F-765046FB0B72}" type="datetimeFigureOut">
               <a:rPr lang="en-US" smtClean="0"/>
-              <a:t>8/15/14</a:t>
+              <a:t>8/18/14</a:t>
             </a:fld>
             <a:endParaRPr lang="en-US"/>
           </a:p>
@@ -1167,7 +1167,7 @@
           <a:p>
             <a:fld id="{0C51A9C6-C325-304C-B61F-765046FB0B72}" type="datetimeFigureOut">
               <a:rPr lang="en-US" smtClean="0"/>
-              <a:t>8/15/14</a:t>
+              <a:t>8/18/14</a:t>
             </a:fld>
             <a:endParaRPr lang="en-US"/>
           </a:p>
@@ -1347,7 +1347,7 @@
           <a:p>
             <a:fld id="{0C51A9C6-C325-304C-B61F-765046FB0B72}" type="datetimeFigureOut">
               <a:rPr lang="en-US" smtClean="0"/>
-              <a:t>8/15/14</a:t>
+              <a:t>8/18/14</a:t>
             </a:fld>
             <a:endParaRPr lang="en-US"/>
           </a:p>
@@ -1517,7 +1517,7 @@
           <a:p>
             <a:fld id="{0C51A9C6-C325-304C-B61F-765046FB0B72}" type="datetimeFigureOut">
               <a:rPr lang="en-US" smtClean="0"/>
-              <a:t>8/15/14</a:t>
+              <a:t>8/18/14</a:t>
             </a:fld>
             <a:endParaRPr lang="en-US"/>
           </a:p>
@@ -1763,7 +1763,7 @@
           <a:p>
             <a:fld id="{0C51A9C6-C325-304C-B61F-765046FB0B72}" type="datetimeFigureOut">
               <a:rPr lang="en-US" smtClean="0"/>
-              <a:t>8/15/14</a:t>
+              <a:t>8/18/14</a:t>
             </a:fld>
             <a:endParaRPr lang="en-US"/>
           </a:p>
@@ -2051,7 +2051,7 @@
           <a:p>
             <a:fld id="{0C51A9C6-C325-304C-B61F-765046FB0B72}" type="datetimeFigureOut">
               <a:rPr lang="en-US" smtClean="0"/>
-              <a:t>8/15/14</a:t>
+              <a:t>8/18/14</a:t>
             </a:fld>
             <a:endParaRPr lang="en-US"/>
           </a:p>
@@ -2473,7 +2473,7 @@
           <a:p>
             <a:fld id="{0C51A9C6-C325-304C-B61F-765046FB0B72}" type="datetimeFigureOut">
               <a:rPr lang="en-US" smtClean="0"/>
-              <a:t>8/15/14</a:t>
+              <a:t>8/18/14</a:t>
             </a:fld>
             <a:endParaRPr lang="en-US"/>
           </a:p>
@@ -2591,7 +2591,7 @@
           <a:p>
             <a:fld id="{0C51A9C6-C325-304C-B61F-765046FB0B72}" type="datetimeFigureOut">
               <a:rPr lang="en-US" smtClean="0"/>
-              <a:t>8/15/14</a:t>
+              <a:t>8/18/14</a:t>
             </a:fld>
             <a:endParaRPr lang="en-US"/>
           </a:p>
@@ -2686,7 +2686,7 @@
           <a:p>
             <a:fld id="{0C51A9C6-C325-304C-B61F-765046FB0B72}" type="datetimeFigureOut">
               <a:rPr lang="en-US" smtClean="0"/>
-              <a:t>8/15/14</a:t>
+              <a:t>8/18/14</a:t>
             </a:fld>
             <a:endParaRPr lang="en-US"/>
           </a:p>
@@ -2963,7 +2963,7 @@
           <a:p>
             <a:fld id="{0C51A9C6-C325-304C-B61F-765046FB0B72}" type="datetimeFigureOut">
               <a:rPr lang="en-US" smtClean="0"/>
-              <a:t>8/15/14</a:t>
+              <a:t>8/18/14</a:t>
             </a:fld>
             <a:endParaRPr lang="en-US"/>
           </a:p>
@@ -3216,7 +3216,7 @@
           <a:p>
             <a:fld id="{0C51A9C6-C325-304C-B61F-765046FB0B72}" type="datetimeFigureOut">
               <a:rPr lang="en-US" smtClean="0"/>
-              <a:t>8/15/14</a:t>
+              <a:t>8/18/14</a:t>
             </a:fld>
             <a:endParaRPr lang="en-US"/>
           </a:p>
@@ -3429,7 +3429,7 @@
           <a:p>
             <a:fld id="{0C51A9C6-C325-304C-B61F-765046FB0B72}" type="datetimeFigureOut">
               <a:rPr lang="en-US" smtClean="0"/>
-              <a:t>8/15/14</a:t>
+              <a:t>8/18/14</a:t>
             </a:fld>
             <a:endParaRPr lang="en-US"/>
           </a:p>
@@ -7443,8 +7443,8 @@
         </p:nvSpPr>
         <p:spPr>
           <a:xfrm>
-            <a:off x="313225" y="5052429"/>
-            <a:ext cx="4972962" cy="720840"/>
+            <a:off x="313224" y="5052429"/>
+            <a:ext cx="5453989" cy="720840"/>
           </a:xfrm>
           <a:prstGeom prst="rect">
             <a:avLst/>
@@ -7597,13 +7597,13 @@
               <a:buNone/>
             </a:pPr>
             <a:r>
-              <a:rPr lang="en-US" sz="2400" dirty="0" smtClean="0">
+              <a:rPr lang="en-US" sz="2400" b="1" dirty="0" smtClean="0">
                 <a:latin typeface="Palatino"/>
                 <a:cs typeface="Palatino"/>
               </a:rPr>
               <a:t>Time-Braid: Multigrid in Time Solvers</a:t>
             </a:r>
-            <a:endParaRPr lang="en-US" sz="2400" dirty="0">
+            <a:endParaRPr lang="en-US" sz="2400" b="1" dirty="0">
               <a:latin typeface="Palatino"/>
               <a:cs typeface="Palatino"/>
             </a:endParaRPr>
@@ -7620,8 +7620,8 @@
         </p:nvSpPr>
         <p:spPr bwMode="auto">
           <a:xfrm>
-            <a:off x="1221415" y="3917440"/>
-            <a:ext cx="3081561" cy="1015663"/>
+            <a:off x="256019" y="3871672"/>
+            <a:ext cx="5026513" cy="1092607"/>
           </a:xfrm>
           <a:prstGeom prst="rect">
             <a:avLst/>
@@ -7646,13 +7646,13 @@
               </a:spcBef>
             </a:pPr>
             <a:r>
-              <a:rPr lang="en-US" sz="6000" dirty="0" smtClean="0">
+              <a:rPr lang="en-US" sz="6500" dirty="0" smtClean="0">
                 <a:latin typeface="Palatino"/>
                 <a:cs typeface="Palatino"/>
               </a:rPr>
-              <a:t>Braid</a:t>
-            </a:r>
-            <a:endParaRPr lang="en-US" sz="6000" dirty="0">
+              <a:t>   Braid</a:t>
+            </a:r>
+            <a:endParaRPr lang="en-US" sz="6500" dirty="0">
               <a:latin typeface="Palatino"/>
               <a:cs typeface="Palatino"/>
             </a:endParaRPr>
@@ -7661,7 +7661,7 @@
       </p:sp>
       <p:pic>
         <p:nvPicPr>
-          <p:cNvPr id="53" name="Picture 52" descr="latex-image-1.pdf"/>
+          <p:cNvPr id="54" name="Picture 53" descr="latex-image-1.pdf"/>
           <p:cNvPicPr>
             <a:picLocks noChangeAspect="1"/>
           </p:cNvPicPr>
@@ -7681,8 +7681,8 @@
         </p:blipFill>
         <p:spPr>
           <a:xfrm>
-            <a:off x="1396985" y="4350875"/>
-            <a:ext cx="471534" cy="544078"/>
+            <a:off x="1614363" y="4312465"/>
+            <a:ext cx="495300" cy="571500"/>
           </a:xfrm>
           <a:prstGeom prst="rect">
             <a:avLst/>

--- a/docs/img/title.pptx
+++ b/docs/img/title.pptx
@@ -9,8 +9,8 @@
   </p:notesMasterIdLst>
   <p:sldIdLst>
     <p:sldId id="256" r:id="rId2"/>
-    <p:sldId id="257" r:id="rId3"/>
-    <p:sldId id="258" r:id="rId4"/>
+    <p:sldId id="258" r:id="rId3"/>
+    <p:sldId id="257" r:id="rId4"/>
   </p:sldIdLst>
   <p:sldSz cx="9144000" cy="6858000" type="screen4x3"/>
   <p:notesSz cx="6858000" cy="9144000"/>
@@ -194,7 +194,7 @@
           <a:p>
             <a:fld id="{E188F9CD-06D5-634D-8F9B-4D359D0B651A}" type="datetimeFigureOut">
               <a:rPr lang="en-US" smtClean="0"/>
-              <a:t>8/18/14</a:t>
+              <a:t>10/14/14</a:t>
             </a:fld>
             <a:endParaRPr lang="en-US"/>
           </a:p>
@@ -797,7 +797,7 @@
           <a:p>
             <a:fld id="{8866A22F-1533-9944-BABF-527CE5E65BC8}" type="slidenum">
               <a:rPr lang="en-US" smtClean="0"/>
-              <a:t>2</a:t>
+              <a:t>3</a:t>
             </a:fld>
             <a:endParaRPr lang="en-US"/>
           </a:p>
@@ -997,7 +997,7 @@
           <a:p>
             <a:fld id="{0C51A9C6-C325-304C-B61F-765046FB0B72}" type="datetimeFigureOut">
               <a:rPr lang="en-US" smtClean="0"/>
-              <a:t>8/18/14</a:t>
+              <a:t>10/14/14</a:t>
             </a:fld>
             <a:endParaRPr lang="en-US"/>
           </a:p>
@@ -1167,7 +1167,7 @@
           <a:p>
             <a:fld id="{0C51A9C6-C325-304C-B61F-765046FB0B72}" type="datetimeFigureOut">
               <a:rPr lang="en-US" smtClean="0"/>
-              <a:t>8/18/14</a:t>
+              <a:t>10/14/14</a:t>
             </a:fld>
             <a:endParaRPr lang="en-US"/>
           </a:p>
@@ -1347,7 +1347,7 @@
           <a:p>
             <a:fld id="{0C51A9C6-C325-304C-B61F-765046FB0B72}" type="datetimeFigureOut">
               <a:rPr lang="en-US" smtClean="0"/>
-              <a:t>8/18/14</a:t>
+              <a:t>10/14/14</a:t>
             </a:fld>
             <a:endParaRPr lang="en-US"/>
           </a:p>
@@ -1517,7 +1517,7 @@
           <a:p>
             <a:fld id="{0C51A9C6-C325-304C-B61F-765046FB0B72}" type="datetimeFigureOut">
               <a:rPr lang="en-US" smtClean="0"/>
-              <a:t>8/18/14</a:t>
+              <a:t>10/14/14</a:t>
             </a:fld>
             <a:endParaRPr lang="en-US"/>
           </a:p>
@@ -1763,7 +1763,7 @@
           <a:p>
             <a:fld id="{0C51A9C6-C325-304C-B61F-765046FB0B72}" type="datetimeFigureOut">
               <a:rPr lang="en-US" smtClean="0"/>
-              <a:t>8/18/14</a:t>
+              <a:t>10/14/14</a:t>
             </a:fld>
             <a:endParaRPr lang="en-US"/>
           </a:p>
@@ -2051,7 +2051,7 @@
           <a:p>
             <a:fld id="{0C51A9C6-C325-304C-B61F-765046FB0B72}" type="datetimeFigureOut">
               <a:rPr lang="en-US" smtClean="0"/>
-              <a:t>8/18/14</a:t>
+              <a:t>10/14/14</a:t>
             </a:fld>
             <a:endParaRPr lang="en-US"/>
           </a:p>
@@ -2473,7 +2473,7 @@
           <a:p>
             <a:fld id="{0C51A9C6-C325-304C-B61F-765046FB0B72}" type="datetimeFigureOut">
               <a:rPr lang="en-US" smtClean="0"/>
-              <a:t>8/18/14</a:t>
+              <a:t>10/14/14</a:t>
             </a:fld>
             <a:endParaRPr lang="en-US"/>
           </a:p>
@@ -2591,7 +2591,7 @@
           <a:p>
             <a:fld id="{0C51A9C6-C325-304C-B61F-765046FB0B72}" type="datetimeFigureOut">
               <a:rPr lang="en-US" smtClean="0"/>
-              <a:t>8/18/14</a:t>
+              <a:t>10/14/14</a:t>
             </a:fld>
             <a:endParaRPr lang="en-US"/>
           </a:p>
@@ -2686,7 +2686,7 @@
           <a:p>
             <a:fld id="{0C51A9C6-C325-304C-B61F-765046FB0B72}" type="datetimeFigureOut">
               <a:rPr lang="en-US" smtClean="0"/>
-              <a:t>8/18/14</a:t>
+              <a:t>10/14/14</a:t>
             </a:fld>
             <a:endParaRPr lang="en-US"/>
           </a:p>
@@ -2963,7 +2963,7 @@
           <a:p>
             <a:fld id="{0C51A9C6-C325-304C-B61F-765046FB0B72}" type="datetimeFigureOut">
               <a:rPr lang="en-US" smtClean="0"/>
-              <a:t>8/18/14</a:t>
+              <a:t>10/14/14</a:t>
             </a:fld>
             <a:endParaRPr lang="en-US"/>
           </a:p>
@@ -3216,7 +3216,7 @@
           <a:p>
             <a:fld id="{0C51A9C6-C325-304C-B61F-765046FB0B72}" type="datetimeFigureOut">
               <a:rPr lang="en-US" smtClean="0"/>
-              <a:t>8/18/14</a:t>
+              <a:t>10/14/14</a:t>
             </a:fld>
             <a:endParaRPr lang="en-US"/>
           </a:p>
@@ -3429,7 +3429,7 @@
           <a:p>
             <a:fld id="{0C51A9C6-C325-304C-B61F-765046FB0B72}" type="datetimeFigureOut">
               <a:rPr lang="en-US" smtClean="0"/>
-              <a:t>8/18/14</a:t>
+              <a:t>10/14/14</a:t>
             </a:fld>
             <a:endParaRPr lang="en-US"/>
           </a:p>
@@ -5155,6 +5155,1640 @@
           <a:chExt cx="0" cy="0"/>
         </a:xfrm>
       </p:grpSpPr>
+      <p:pic>
+        <p:nvPicPr>
+          <p:cNvPr id="13" name="Picture 12"/>
+          <p:cNvPicPr>
+            <a:picLocks/>
+          </p:cNvPicPr>
+          <p:nvPr/>
+        </p:nvPicPr>
+        <p:blipFill rotWithShape="1">
+          <a:blip r:embed="rId2">
+            <a:extLst>
+              <a:ext uri="{28A0092B-C50C-407E-A947-70E740481C1C}">
+                <a14:useLocalDpi xmlns:a14="http://schemas.microsoft.com/office/drawing/2010/main" val="0"/>
+              </a:ext>
+            </a:extLst>
+          </a:blip>
+          <a:srcRect l="1953" t="21056" r="1801" b="10228"/>
+          <a:stretch/>
+        </p:blipFill>
+        <p:spPr>
+          <a:xfrm>
+            <a:off x="240261" y="2643910"/>
+            <a:ext cx="2474106" cy="1239924"/>
+          </a:xfrm>
+          <a:prstGeom prst="rect">
+            <a:avLst/>
+          </a:prstGeom>
+        </p:spPr>
+      </p:pic>
+      <p:sp>
+        <p:nvSpPr>
+          <p:cNvPr id="14" name="Freeform 6"/>
+          <p:cNvSpPr>
+            <a:spLocks/>
+          </p:cNvSpPr>
+          <p:nvPr/>
+        </p:nvSpPr>
+        <p:spPr bwMode="auto">
+          <a:xfrm>
+            <a:off x="1742400" y="3574631"/>
+            <a:ext cx="13188" cy="13374"/>
+          </a:xfrm>
+          <a:custGeom>
+            <a:avLst/>
+            <a:gdLst>
+              <a:gd name="T0" fmla="*/ 0 w 17"/>
+              <a:gd name="T1" fmla="*/ 0 h 17"/>
+              <a:gd name="T2" fmla="*/ 2147483647 w 17"/>
+              <a:gd name="T3" fmla="*/ 0 h 17"/>
+              <a:gd name="T4" fmla="*/ 2147483647 w 17"/>
+              <a:gd name="T5" fmla="*/ 2147483647 h 17"/>
+              <a:gd name="T6" fmla="*/ 0 w 17"/>
+              <a:gd name="T7" fmla="*/ 2147483647 h 17"/>
+              <a:gd name="T8" fmla="*/ 0 w 17"/>
+              <a:gd name="T9" fmla="*/ 0 h 17"/>
+              <a:gd name="T10" fmla="*/ 0 60000 65536"/>
+              <a:gd name="T11" fmla="*/ 0 60000 65536"/>
+              <a:gd name="T12" fmla="*/ 0 60000 65536"/>
+              <a:gd name="T13" fmla="*/ 0 60000 65536"/>
+              <a:gd name="T14" fmla="*/ 0 60000 65536"/>
+              <a:gd name="T15" fmla="*/ 0 w 17"/>
+              <a:gd name="T16" fmla="*/ 0 h 17"/>
+              <a:gd name="T17" fmla="*/ 17 w 17"/>
+              <a:gd name="T18" fmla="*/ 17 h 17"/>
+            </a:gdLst>
+            <a:ahLst/>
+            <a:cxnLst>
+              <a:cxn ang="T10">
+                <a:pos x="T0" y="T1"/>
+              </a:cxn>
+              <a:cxn ang="T11">
+                <a:pos x="T2" y="T3"/>
+              </a:cxn>
+              <a:cxn ang="T12">
+                <a:pos x="T4" y="T5"/>
+              </a:cxn>
+              <a:cxn ang="T13">
+                <a:pos x="T6" y="T7"/>
+              </a:cxn>
+              <a:cxn ang="T14">
+                <a:pos x="T8" y="T9"/>
+              </a:cxn>
+            </a:cxnLst>
+            <a:rect l="T15" t="T16" r="T17" b="T18"/>
+            <a:pathLst>
+              <a:path w="17" h="17">
+                <a:moveTo>
+                  <a:pt x="0" y="0"/>
+                </a:moveTo>
+                <a:lnTo>
+                  <a:pt x="16" y="0"/>
+                </a:lnTo>
+                <a:lnTo>
+                  <a:pt x="16" y="16"/>
+                </a:lnTo>
+                <a:lnTo>
+                  <a:pt x="0" y="16"/>
+                </a:lnTo>
+                <a:lnTo>
+                  <a:pt x="0" y="0"/>
+                </a:lnTo>
+              </a:path>
+            </a:pathLst>
+          </a:custGeom>
+          <a:solidFill>
+            <a:srgbClr val="FFFFFF"/>
+          </a:solidFill>
+          <a:ln w="9525" cap="rnd">
+            <a:noFill/>
+            <a:round/>
+            <a:headEnd type="none" w="sm" len="sm"/>
+            <a:tailEnd type="none" w="sm" len="sm"/>
+          </a:ln>
+        </p:spPr>
+        <p:txBody>
+          <a:bodyPr lIns="91440" tIns="45720" rIns="91440" bIns="45720"/>
+          <a:lstStyle/>
+          <a:p>
+            <a:endParaRPr lang="en-US" dirty="0"/>
+          </a:p>
+        </p:txBody>
+      </p:sp>
+      <p:sp>
+        <p:nvSpPr>
+          <p:cNvPr id="15" name="Text Box 30"/>
+          <p:cNvSpPr txBox="1">
+            <a:spLocks noChangeArrowheads="1"/>
+          </p:cNvSpPr>
+          <p:nvPr/>
+        </p:nvSpPr>
+        <p:spPr bwMode="auto">
+          <a:xfrm>
+            <a:off x="45910" y="1940499"/>
+            <a:ext cx="2647288" cy="400110"/>
+          </a:xfrm>
+          <a:prstGeom prst="rect">
+            <a:avLst/>
+          </a:prstGeom>
+          <a:noFill/>
+          <a:ln w="12700">
+            <a:noFill/>
+            <a:miter lim="800000"/>
+            <a:headEnd type="none" w="sm" len="sm"/>
+            <a:tailEnd type="none" w="sm" len="sm"/>
+          </a:ln>
+        </p:spPr>
+        <p:txBody>
+          <a:bodyPr wrap="square" lIns="0" tIns="45720" rIns="0" bIns="45720">
+            <a:spAutoFit/>
+          </a:bodyPr>
+          <a:lstStyle/>
+          <a:p>
+            <a:pPr algn="ctr">
+              <a:spcBef>
+                <a:spcPct val="0"/>
+              </a:spcBef>
+            </a:pPr>
+            <a:r>
+              <a:rPr lang="en-US" sz="2000" b="1" dirty="0"/>
+              <a:t>Initial Space-Time Guess</a:t>
+            </a:r>
+          </a:p>
+        </p:txBody>
+      </p:sp>
+      <p:sp>
+        <p:nvSpPr>
+          <p:cNvPr id="17" name="TextBox 16"/>
+          <p:cNvSpPr txBox="1"/>
+          <p:nvPr/>
+        </p:nvSpPr>
+        <p:spPr>
+          <a:xfrm rot="16993905">
+            <a:off x="-125383" y="3157976"/>
+            <a:ext cx="649374" cy="369332"/>
+          </a:xfrm>
+          <a:prstGeom prst="rect">
+            <a:avLst/>
+          </a:prstGeom>
+          <a:noFill/>
+        </p:spPr>
+        <p:txBody>
+          <a:bodyPr wrap="none" lIns="91440" tIns="45720" rIns="91440" bIns="45720" rtlCol="0">
+            <a:spAutoFit/>
+          </a:bodyPr>
+          <a:lstStyle/>
+          <a:p>
+            <a:r>
+              <a:rPr lang="en-US" sz="1800" dirty="0">
+                <a:solidFill>
+                  <a:srgbClr val="000000"/>
+                </a:solidFill>
+              </a:rPr>
+              <a:t>Time</a:t>
+            </a:r>
+          </a:p>
+        </p:txBody>
+      </p:sp>
+      <p:sp>
+        <p:nvSpPr>
+          <p:cNvPr id="18" name="TextBox 17"/>
+          <p:cNvSpPr txBox="1"/>
+          <p:nvPr/>
+        </p:nvSpPr>
+        <p:spPr>
+          <a:xfrm rot="20878399">
+            <a:off x="1063475" y="3559046"/>
+            <a:ext cx="735034" cy="369332"/>
+          </a:xfrm>
+          <a:prstGeom prst="rect">
+            <a:avLst/>
+          </a:prstGeom>
+          <a:noFill/>
+        </p:spPr>
+        <p:txBody>
+          <a:bodyPr wrap="none" lIns="91440" tIns="45720" rIns="91440" bIns="45720" rtlCol="0">
+            <a:spAutoFit/>
+          </a:bodyPr>
+          <a:lstStyle/>
+          <a:p>
+            <a:r>
+              <a:rPr lang="en-US" sz="1800" dirty="0">
+                <a:solidFill>
+                  <a:srgbClr val="000000"/>
+                </a:solidFill>
+              </a:rPr>
+              <a:t>Space</a:t>
+            </a:r>
+          </a:p>
+        </p:txBody>
+      </p:sp>
+      <p:sp>
+        <p:nvSpPr>
+          <p:cNvPr id="19" name="Line 25"/>
+          <p:cNvSpPr>
+            <a:spLocks noChangeShapeType="1"/>
+          </p:cNvSpPr>
+          <p:nvPr/>
+        </p:nvSpPr>
+        <p:spPr bwMode="auto">
+          <a:xfrm flipV="1">
+            <a:off x="304239" y="2656111"/>
+            <a:ext cx="122166" cy="407474"/>
+          </a:xfrm>
+          <a:prstGeom prst="line">
+            <a:avLst/>
+          </a:prstGeom>
+          <a:noFill/>
+          <a:ln w="28575">
+            <a:solidFill>
+              <a:schemeClr val="tx1"/>
+            </a:solidFill>
+            <a:round/>
+            <a:headEnd type="none" w="sm" len="sm"/>
+            <a:tailEnd type="triangle" w="med" len="lg"/>
+          </a:ln>
+        </p:spPr>
+        <p:txBody>
+          <a:bodyPr wrap="none" lIns="91440" tIns="45720" rIns="91440" bIns="45720" anchor="ctr"/>
+          <a:lstStyle/>
+          <a:p>
+            <a:endParaRPr lang="en-US" dirty="0"/>
+          </a:p>
+        </p:txBody>
+      </p:sp>
+      <p:sp>
+        <p:nvSpPr>
+          <p:cNvPr id="20" name="Line 25"/>
+          <p:cNvSpPr>
+            <a:spLocks noChangeShapeType="1"/>
+          </p:cNvSpPr>
+          <p:nvPr/>
+        </p:nvSpPr>
+        <p:spPr bwMode="auto">
+          <a:xfrm flipV="1">
+            <a:off x="1854247" y="3539101"/>
+            <a:ext cx="515662" cy="145446"/>
+          </a:xfrm>
+          <a:prstGeom prst="line">
+            <a:avLst/>
+          </a:prstGeom>
+          <a:noFill/>
+          <a:ln w="28575">
+            <a:solidFill>
+              <a:schemeClr val="tx1"/>
+            </a:solidFill>
+            <a:round/>
+            <a:headEnd type="none" w="sm" len="sm"/>
+            <a:tailEnd type="triangle" w="med" len="lg"/>
+          </a:ln>
+        </p:spPr>
+        <p:txBody>
+          <a:bodyPr wrap="none" lIns="91440" tIns="45720" rIns="91440" bIns="45720" anchor="ctr"/>
+          <a:lstStyle/>
+          <a:p>
+            <a:endParaRPr lang="en-US" dirty="0"/>
+          </a:p>
+        </p:txBody>
+      </p:sp>
+      <p:sp>
+        <p:nvSpPr>
+          <p:cNvPr id="22" name="Freeform 6"/>
+          <p:cNvSpPr>
+            <a:spLocks/>
+          </p:cNvSpPr>
+          <p:nvPr/>
+        </p:nvSpPr>
+        <p:spPr bwMode="auto">
+          <a:xfrm>
+            <a:off x="4535062" y="3597539"/>
+            <a:ext cx="13188" cy="13374"/>
+          </a:xfrm>
+          <a:custGeom>
+            <a:avLst/>
+            <a:gdLst>
+              <a:gd name="T0" fmla="*/ 0 w 17"/>
+              <a:gd name="T1" fmla="*/ 0 h 17"/>
+              <a:gd name="T2" fmla="*/ 2147483647 w 17"/>
+              <a:gd name="T3" fmla="*/ 0 h 17"/>
+              <a:gd name="T4" fmla="*/ 2147483647 w 17"/>
+              <a:gd name="T5" fmla="*/ 2147483647 h 17"/>
+              <a:gd name="T6" fmla="*/ 0 w 17"/>
+              <a:gd name="T7" fmla="*/ 2147483647 h 17"/>
+              <a:gd name="T8" fmla="*/ 0 w 17"/>
+              <a:gd name="T9" fmla="*/ 0 h 17"/>
+              <a:gd name="T10" fmla="*/ 0 60000 65536"/>
+              <a:gd name="T11" fmla="*/ 0 60000 65536"/>
+              <a:gd name="T12" fmla="*/ 0 60000 65536"/>
+              <a:gd name="T13" fmla="*/ 0 60000 65536"/>
+              <a:gd name="T14" fmla="*/ 0 60000 65536"/>
+              <a:gd name="T15" fmla="*/ 0 w 17"/>
+              <a:gd name="T16" fmla="*/ 0 h 17"/>
+              <a:gd name="T17" fmla="*/ 17 w 17"/>
+              <a:gd name="T18" fmla="*/ 17 h 17"/>
+            </a:gdLst>
+            <a:ahLst/>
+            <a:cxnLst>
+              <a:cxn ang="T10">
+                <a:pos x="T0" y="T1"/>
+              </a:cxn>
+              <a:cxn ang="T11">
+                <a:pos x="T2" y="T3"/>
+              </a:cxn>
+              <a:cxn ang="T12">
+                <a:pos x="T4" y="T5"/>
+              </a:cxn>
+              <a:cxn ang="T13">
+                <a:pos x="T6" y="T7"/>
+              </a:cxn>
+              <a:cxn ang="T14">
+                <a:pos x="T8" y="T9"/>
+              </a:cxn>
+            </a:cxnLst>
+            <a:rect l="T15" t="T16" r="T17" b="T18"/>
+            <a:pathLst>
+              <a:path w="17" h="17">
+                <a:moveTo>
+                  <a:pt x="0" y="0"/>
+                </a:moveTo>
+                <a:lnTo>
+                  <a:pt x="16" y="0"/>
+                </a:lnTo>
+                <a:lnTo>
+                  <a:pt x="16" y="16"/>
+                </a:lnTo>
+                <a:lnTo>
+                  <a:pt x="0" y="16"/>
+                </a:lnTo>
+                <a:lnTo>
+                  <a:pt x="0" y="0"/>
+                </a:lnTo>
+              </a:path>
+            </a:pathLst>
+          </a:custGeom>
+          <a:solidFill>
+            <a:srgbClr val="FFFFFF"/>
+          </a:solidFill>
+          <a:ln w="9525" cap="rnd">
+            <a:noFill/>
+            <a:round/>
+            <a:headEnd type="none" w="sm" len="sm"/>
+            <a:tailEnd type="none" w="sm" len="sm"/>
+          </a:ln>
+        </p:spPr>
+        <p:txBody>
+          <a:bodyPr lIns="91440" tIns="45720" rIns="91440" bIns="45720"/>
+          <a:lstStyle/>
+          <a:p>
+            <a:endParaRPr lang="en-US" dirty="0"/>
+          </a:p>
+        </p:txBody>
+      </p:sp>
+      <p:pic>
+        <p:nvPicPr>
+          <p:cNvPr id="23" name="Picture 22"/>
+          <p:cNvPicPr>
+            <a:picLocks noChangeAspect="1"/>
+          </p:cNvPicPr>
+          <p:nvPr/>
+        </p:nvPicPr>
+        <p:blipFill rotWithShape="1">
+          <a:blip r:embed="rId3">
+            <a:extLst>
+              <a:ext uri="{28A0092B-C50C-407E-A947-70E740481C1C}">
+                <a14:useLocalDpi xmlns:a14="http://schemas.microsoft.com/office/drawing/2010/main" val="0"/>
+              </a:ext>
+            </a:extLst>
+          </a:blip>
+          <a:srcRect t="25450" b="9267"/>
+          <a:stretch/>
+        </p:blipFill>
+        <p:spPr>
+          <a:xfrm>
+            <a:off x="3046390" y="2752936"/>
+            <a:ext cx="2515412" cy="1156200"/>
+          </a:xfrm>
+          <a:prstGeom prst="rect">
+            <a:avLst/>
+          </a:prstGeom>
+        </p:spPr>
+      </p:pic>
+      <p:sp>
+        <p:nvSpPr>
+          <p:cNvPr id="25" name="TextBox 24"/>
+          <p:cNvSpPr txBox="1"/>
+          <p:nvPr/>
+        </p:nvSpPr>
+        <p:spPr>
+          <a:xfrm rot="16993905">
+            <a:off x="2691525" y="3487980"/>
+            <a:ext cx="649374" cy="369332"/>
+          </a:xfrm>
+          <a:prstGeom prst="rect">
+            <a:avLst/>
+          </a:prstGeom>
+          <a:noFill/>
+        </p:spPr>
+        <p:txBody>
+          <a:bodyPr wrap="none" lIns="91440" tIns="45720" rIns="91440" bIns="45720" rtlCol="0">
+            <a:spAutoFit/>
+          </a:bodyPr>
+          <a:lstStyle/>
+          <a:p>
+            <a:r>
+              <a:rPr lang="en-US" sz="1800" dirty="0">
+                <a:solidFill>
+                  <a:srgbClr val="000000"/>
+                </a:solidFill>
+              </a:rPr>
+              <a:t>Time</a:t>
+            </a:r>
+          </a:p>
+        </p:txBody>
+      </p:sp>
+      <p:sp>
+        <p:nvSpPr>
+          <p:cNvPr id="26" name="TextBox 25"/>
+          <p:cNvSpPr txBox="1"/>
+          <p:nvPr/>
+        </p:nvSpPr>
+        <p:spPr>
+          <a:xfrm rot="20878399">
+            <a:off x="3847067" y="3572882"/>
+            <a:ext cx="735034" cy="369332"/>
+          </a:xfrm>
+          <a:prstGeom prst="rect">
+            <a:avLst/>
+          </a:prstGeom>
+          <a:noFill/>
+        </p:spPr>
+        <p:txBody>
+          <a:bodyPr wrap="none" lIns="91440" tIns="45720" rIns="91440" bIns="45720" rtlCol="0">
+            <a:spAutoFit/>
+          </a:bodyPr>
+          <a:lstStyle/>
+          <a:p>
+            <a:r>
+              <a:rPr lang="en-US" sz="1800" dirty="0">
+                <a:solidFill>
+                  <a:srgbClr val="000000"/>
+                </a:solidFill>
+              </a:rPr>
+              <a:t>Space</a:t>
+            </a:r>
+          </a:p>
+        </p:txBody>
+      </p:sp>
+      <p:sp>
+        <p:nvSpPr>
+          <p:cNvPr id="27" name="Line 25"/>
+          <p:cNvSpPr>
+            <a:spLocks noChangeShapeType="1"/>
+          </p:cNvSpPr>
+          <p:nvPr/>
+        </p:nvSpPr>
+        <p:spPr bwMode="auto">
+          <a:xfrm flipV="1">
+            <a:off x="3131537" y="2986243"/>
+            <a:ext cx="122166" cy="407474"/>
+          </a:xfrm>
+          <a:prstGeom prst="line">
+            <a:avLst/>
+          </a:prstGeom>
+          <a:noFill/>
+          <a:ln w="28575">
+            <a:solidFill>
+              <a:schemeClr val="tx1"/>
+            </a:solidFill>
+            <a:round/>
+            <a:headEnd type="none" w="sm" len="sm"/>
+            <a:tailEnd type="triangle" w="med" len="lg"/>
+          </a:ln>
+        </p:spPr>
+        <p:txBody>
+          <a:bodyPr wrap="none" lIns="91440" tIns="45720" rIns="91440" bIns="45720" anchor="ctr"/>
+          <a:lstStyle/>
+          <a:p>
+            <a:endParaRPr lang="en-US" dirty="0"/>
+          </a:p>
+        </p:txBody>
+      </p:sp>
+      <p:sp>
+        <p:nvSpPr>
+          <p:cNvPr id="28" name="Line 25"/>
+          <p:cNvSpPr>
+            <a:spLocks noChangeShapeType="1"/>
+          </p:cNvSpPr>
+          <p:nvPr/>
+        </p:nvSpPr>
+        <p:spPr bwMode="auto">
+          <a:xfrm flipV="1">
+            <a:off x="4625741" y="3554951"/>
+            <a:ext cx="515662" cy="145446"/>
+          </a:xfrm>
+          <a:prstGeom prst="line">
+            <a:avLst/>
+          </a:prstGeom>
+          <a:noFill/>
+          <a:ln w="28575">
+            <a:solidFill>
+              <a:schemeClr val="tx1"/>
+            </a:solidFill>
+            <a:round/>
+            <a:headEnd type="none" w="sm" len="sm"/>
+            <a:tailEnd type="triangle" w="med" len="lg"/>
+          </a:ln>
+        </p:spPr>
+        <p:txBody>
+          <a:bodyPr wrap="none" lIns="91440" tIns="45720" rIns="91440" bIns="45720" anchor="ctr"/>
+          <a:lstStyle/>
+          <a:p>
+            <a:endParaRPr lang="en-US" dirty="0"/>
+          </a:p>
+        </p:txBody>
+      </p:sp>
+      <p:sp>
+        <p:nvSpPr>
+          <p:cNvPr id="29" name="Rounded Rectangle 28"/>
+          <p:cNvSpPr/>
+          <p:nvPr/>
+        </p:nvSpPr>
+        <p:spPr bwMode="auto">
+          <a:xfrm>
+            <a:off x="6490878" y="4641397"/>
+            <a:ext cx="1349456" cy="596902"/>
+          </a:xfrm>
+          <a:prstGeom prst="roundRect">
+            <a:avLst/>
+          </a:prstGeom>
+          <a:solidFill>
+            <a:schemeClr val="bg1">
+              <a:alpha val="50000"/>
+            </a:schemeClr>
+          </a:solidFill>
+          <a:ln w="9525">
+            <a:noFill/>
+            <a:miter lim="800000"/>
+            <a:headEnd/>
+            <a:tailEnd/>
+          </a:ln>
+          <a:effectLst/>
+        </p:spPr>
+        <p:txBody>
+          <a:bodyPr lIns="91440" tIns="45720" rIns="91440" bIns="45720" rtlCol="0" anchor="b">
+            <a:prstTxWarp prst="textNoShape">
+              <a:avLst/>
+            </a:prstTxWarp>
+          </a:bodyPr>
+          <a:lstStyle/>
+          <a:p>
+            <a:pPr algn="ctr">
+              <a:spcBef>
+                <a:spcPct val="0"/>
+              </a:spcBef>
+            </a:pPr>
+            <a:endParaRPr lang="en-US" sz="1600" dirty="0">
+              <a:solidFill>
+                <a:srgbClr val="000000"/>
+              </a:solidFill>
+            </a:endParaRPr>
+          </a:p>
+        </p:txBody>
+      </p:sp>
+      <p:pic>
+        <p:nvPicPr>
+          <p:cNvPr id="31" name="Picture 30"/>
+          <p:cNvPicPr>
+            <a:picLocks/>
+          </p:cNvPicPr>
+          <p:nvPr/>
+        </p:nvPicPr>
+        <p:blipFill rotWithShape="1">
+          <a:blip r:embed="rId4">
+            <a:extLst>
+              <a:ext uri="{28A0092B-C50C-407E-A947-70E740481C1C}">
+                <a14:useLocalDpi xmlns:a14="http://schemas.microsoft.com/office/drawing/2010/main" val="0"/>
+              </a:ext>
+            </a:extLst>
+          </a:blip>
+          <a:srcRect l="4030" t="26640" r="2632" b="9500"/>
+          <a:stretch/>
+        </p:blipFill>
+        <p:spPr>
+          <a:xfrm>
+            <a:off x="5850543" y="2781274"/>
+            <a:ext cx="2399354" cy="1152300"/>
+          </a:xfrm>
+          <a:prstGeom prst="rect">
+            <a:avLst/>
+          </a:prstGeom>
+        </p:spPr>
+      </p:pic>
+      <p:sp>
+        <p:nvSpPr>
+          <p:cNvPr id="32" name="Freeform 6"/>
+          <p:cNvSpPr>
+            <a:spLocks/>
+          </p:cNvSpPr>
+          <p:nvPr/>
+        </p:nvSpPr>
+        <p:spPr bwMode="auto">
+          <a:xfrm>
+            <a:off x="7248772" y="3596539"/>
+            <a:ext cx="13188" cy="13374"/>
+          </a:xfrm>
+          <a:custGeom>
+            <a:avLst/>
+            <a:gdLst>
+              <a:gd name="T0" fmla="*/ 0 w 17"/>
+              <a:gd name="T1" fmla="*/ 0 h 17"/>
+              <a:gd name="T2" fmla="*/ 2147483647 w 17"/>
+              <a:gd name="T3" fmla="*/ 0 h 17"/>
+              <a:gd name="T4" fmla="*/ 2147483647 w 17"/>
+              <a:gd name="T5" fmla="*/ 2147483647 h 17"/>
+              <a:gd name="T6" fmla="*/ 0 w 17"/>
+              <a:gd name="T7" fmla="*/ 2147483647 h 17"/>
+              <a:gd name="T8" fmla="*/ 0 w 17"/>
+              <a:gd name="T9" fmla="*/ 0 h 17"/>
+              <a:gd name="T10" fmla="*/ 0 60000 65536"/>
+              <a:gd name="T11" fmla="*/ 0 60000 65536"/>
+              <a:gd name="T12" fmla="*/ 0 60000 65536"/>
+              <a:gd name="T13" fmla="*/ 0 60000 65536"/>
+              <a:gd name="T14" fmla="*/ 0 60000 65536"/>
+              <a:gd name="T15" fmla="*/ 0 w 17"/>
+              <a:gd name="T16" fmla="*/ 0 h 17"/>
+              <a:gd name="T17" fmla="*/ 17 w 17"/>
+              <a:gd name="T18" fmla="*/ 17 h 17"/>
+            </a:gdLst>
+            <a:ahLst/>
+            <a:cxnLst>
+              <a:cxn ang="T10">
+                <a:pos x="T0" y="T1"/>
+              </a:cxn>
+              <a:cxn ang="T11">
+                <a:pos x="T2" y="T3"/>
+              </a:cxn>
+              <a:cxn ang="T12">
+                <a:pos x="T4" y="T5"/>
+              </a:cxn>
+              <a:cxn ang="T13">
+                <a:pos x="T6" y="T7"/>
+              </a:cxn>
+              <a:cxn ang="T14">
+                <a:pos x="T8" y="T9"/>
+              </a:cxn>
+            </a:cxnLst>
+            <a:rect l="T15" t="T16" r="T17" b="T18"/>
+            <a:pathLst>
+              <a:path w="17" h="17">
+                <a:moveTo>
+                  <a:pt x="0" y="0"/>
+                </a:moveTo>
+                <a:lnTo>
+                  <a:pt x="16" y="0"/>
+                </a:lnTo>
+                <a:lnTo>
+                  <a:pt x="16" y="16"/>
+                </a:lnTo>
+                <a:lnTo>
+                  <a:pt x="0" y="16"/>
+                </a:lnTo>
+                <a:lnTo>
+                  <a:pt x="0" y="0"/>
+                </a:lnTo>
+              </a:path>
+            </a:pathLst>
+          </a:custGeom>
+          <a:solidFill>
+            <a:srgbClr val="FFFFFF"/>
+          </a:solidFill>
+          <a:ln w="9525" cap="rnd">
+            <a:noFill/>
+            <a:round/>
+            <a:headEnd type="none" w="sm" len="sm"/>
+            <a:tailEnd type="none" w="sm" len="sm"/>
+          </a:ln>
+        </p:spPr>
+        <p:txBody>
+          <a:bodyPr lIns="91440" tIns="45720" rIns="91440" bIns="45720"/>
+          <a:lstStyle/>
+          <a:p>
+            <a:endParaRPr lang="en-US" dirty="0"/>
+          </a:p>
+        </p:txBody>
+      </p:sp>
+      <p:sp>
+        <p:nvSpPr>
+          <p:cNvPr id="33" name="Freeform 17"/>
+          <p:cNvSpPr>
+            <a:spLocks/>
+          </p:cNvSpPr>
+          <p:nvPr/>
+        </p:nvSpPr>
+        <p:spPr bwMode="auto">
+          <a:xfrm>
+            <a:off x="7695005" y="4793371"/>
+            <a:ext cx="12246" cy="13374"/>
+          </a:xfrm>
+          <a:custGeom>
+            <a:avLst/>
+            <a:gdLst>
+              <a:gd name="T0" fmla="*/ 0 w 17"/>
+              <a:gd name="T1" fmla="*/ 0 h 17"/>
+              <a:gd name="T2" fmla="*/ 2147483647 w 17"/>
+              <a:gd name="T3" fmla="*/ 0 h 17"/>
+              <a:gd name="T4" fmla="*/ 2147483647 w 17"/>
+              <a:gd name="T5" fmla="*/ 2147483647 h 17"/>
+              <a:gd name="T6" fmla="*/ 0 w 17"/>
+              <a:gd name="T7" fmla="*/ 2147483647 h 17"/>
+              <a:gd name="T8" fmla="*/ 0 w 17"/>
+              <a:gd name="T9" fmla="*/ 0 h 17"/>
+              <a:gd name="T10" fmla="*/ 0 60000 65536"/>
+              <a:gd name="T11" fmla="*/ 0 60000 65536"/>
+              <a:gd name="T12" fmla="*/ 0 60000 65536"/>
+              <a:gd name="T13" fmla="*/ 0 60000 65536"/>
+              <a:gd name="T14" fmla="*/ 0 60000 65536"/>
+              <a:gd name="T15" fmla="*/ 0 w 17"/>
+              <a:gd name="T16" fmla="*/ 0 h 17"/>
+              <a:gd name="T17" fmla="*/ 17 w 17"/>
+              <a:gd name="T18" fmla="*/ 17 h 17"/>
+            </a:gdLst>
+            <a:ahLst/>
+            <a:cxnLst>
+              <a:cxn ang="T10">
+                <a:pos x="T0" y="T1"/>
+              </a:cxn>
+              <a:cxn ang="T11">
+                <a:pos x="T2" y="T3"/>
+              </a:cxn>
+              <a:cxn ang="T12">
+                <a:pos x="T4" y="T5"/>
+              </a:cxn>
+              <a:cxn ang="T13">
+                <a:pos x="T6" y="T7"/>
+              </a:cxn>
+              <a:cxn ang="T14">
+                <a:pos x="T8" y="T9"/>
+              </a:cxn>
+            </a:cxnLst>
+            <a:rect l="T15" t="T16" r="T17" b="T18"/>
+            <a:pathLst>
+              <a:path w="17" h="17">
+                <a:moveTo>
+                  <a:pt x="0" y="0"/>
+                </a:moveTo>
+                <a:lnTo>
+                  <a:pt x="16" y="0"/>
+                </a:lnTo>
+                <a:lnTo>
+                  <a:pt x="16" y="16"/>
+                </a:lnTo>
+                <a:lnTo>
+                  <a:pt x="0" y="16"/>
+                </a:lnTo>
+                <a:lnTo>
+                  <a:pt x="0" y="0"/>
+                </a:lnTo>
+              </a:path>
+            </a:pathLst>
+          </a:custGeom>
+          <a:solidFill>
+            <a:srgbClr val="FFFFFF"/>
+          </a:solidFill>
+          <a:ln w="9525" cap="rnd">
+            <a:noFill/>
+            <a:round/>
+            <a:headEnd type="none" w="sm" len="sm"/>
+            <a:tailEnd type="none" w="sm" len="sm"/>
+          </a:ln>
+        </p:spPr>
+        <p:txBody>
+          <a:bodyPr lIns="91440" tIns="45720" rIns="91440" bIns="45720"/>
+          <a:lstStyle/>
+          <a:p>
+            <a:endParaRPr lang="en-US" dirty="0"/>
+          </a:p>
+        </p:txBody>
+      </p:sp>
+      <p:sp>
+        <p:nvSpPr>
+          <p:cNvPr id="34" name="Text Box 30"/>
+          <p:cNvSpPr txBox="1">
+            <a:spLocks noChangeArrowheads="1"/>
+          </p:cNvSpPr>
+          <p:nvPr/>
+        </p:nvSpPr>
+        <p:spPr bwMode="auto">
+          <a:xfrm>
+            <a:off x="5587563" y="1942115"/>
+            <a:ext cx="2676446" cy="400110"/>
+          </a:xfrm>
+          <a:prstGeom prst="rect">
+            <a:avLst/>
+          </a:prstGeom>
+          <a:noFill/>
+          <a:ln w="12700">
+            <a:noFill/>
+            <a:miter lim="800000"/>
+            <a:headEnd type="none" w="sm" len="sm"/>
+            <a:tailEnd type="none" w="sm" len="sm"/>
+          </a:ln>
+        </p:spPr>
+        <p:txBody>
+          <a:bodyPr wrap="square" lIns="91440" tIns="45720" rIns="91440" bIns="45720">
+            <a:spAutoFit/>
+          </a:bodyPr>
+          <a:lstStyle/>
+          <a:p>
+            <a:pPr algn="ctr">
+              <a:spcBef>
+                <a:spcPct val="0"/>
+              </a:spcBef>
+            </a:pPr>
+            <a:r>
+              <a:rPr lang="en-US" sz="2000" b="1" dirty="0">
+                <a:solidFill>
+                  <a:srgbClr val="000000"/>
+                </a:solidFill>
+              </a:rPr>
+              <a:t>Converge</a:t>
+            </a:r>
+            <a:endParaRPr lang="en-US" sz="2000" dirty="0">
+              <a:solidFill>
+                <a:srgbClr val="000000"/>
+              </a:solidFill>
+            </a:endParaRPr>
+          </a:p>
+        </p:txBody>
+      </p:sp>
+      <p:sp>
+        <p:nvSpPr>
+          <p:cNvPr id="36" name="TextBox 35"/>
+          <p:cNvSpPr txBox="1"/>
+          <p:nvPr/>
+        </p:nvSpPr>
+        <p:spPr>
+          <a:xfrm rot="16993905">
+            <a:off x="5405233" y="3486978"/>
+            <a:ext cx="649374" cy="369332"/>
+          </a:xfrm>
+          <a:prstGeom prst="rect">
+            <a:avLst/>
+          </a:prstGeom>
+          <a:noFill/>
+        </p:spPr>
+        <p:txBody>
+          <a:bodyPr wrap="none" lIns="91440" tIns="45720" rIns="91440" bIns="45720" rtlCol="0">
+            <a:spAutoFit/>
+          </a:bodyPr>
+          <a:lstStyle/>
+          <a:p>
+            <a:r>
+              <a:rPr lang="en-US" sz="1800" dirty="0">
+                <a:solidFill>
+                  <a:srgbClr val="000000"/>
+                </a:solidFill>
+              </a:rPr>
+              <a:t>Time</a:t>
+            </a:r>
+          </a:p>
+        </p:txBody>
+      </p:sp>
+      <p:sp>
+        <p:nvSpPr>
+          <p:cNvPr id="37" name="TextBox 36"/>
+          <p:cNvSpPr txBox="1"/>
+          <p:nvPr/>
+        </p:nvSpPr>
+        <p:spPr>
+          <a:xfrm rot="20878399">
+            <a:off x="6560775" y="3571884"/>
+            <a:ext cx="735034" cy="369332"/>
+          </a:xfrm>
+          <a:prstGeom prst="rect">
+            <a:avLst/>
+          </a:prstGeom>
+          <a:noFill/>
+        </p:spPr>
+        <p:txBody>
+          <a:bodyPr wrap="none" lIns="91440" tIns="45720" rIns="91440" bIns="45720" rtlCol="0">
+            <a:spAutoFit/>
+          </a:bodyPr>
+          <a:lstStyle/>
+          <a:p>
+            <a:r>
+              <a:rPr lang="en-US" sz="1800" dirty="0">
+                <a:solidFill>
+                  <a:srgbClr val="000000"/>
+                </a:solidFill>
+              </a:rPr>
+              <a:t>Space</a:t>
+            </a:r>
+          </a:p>
+        </p:txBody>
+      </p:sp>
+      <p:sp>
+        <p:nvSpPr>
+          <p:cNvPr id="38" name="Line 25"/>
+          <p:cNvSpPr>
+            <a:spLocks noChangeShapeType="1"/>
+          </p:cNvSpPr>
+          <p:nvPr/>
+        </p:nvSpPr>
+        <p:spPr bwMode="auto">
+          <a:xfrm flipV="1">
+            <a:off x="5836175" y="2976173"/>
+            <a:ext cx="122166" cy="407474"/>
+          </a:xfrm>
+          <a:prstGeom prst="line">
+            <a:avLst/>
+          </a:prstGeom>
+          <a:noFill/>
+          <a:ln w="28575">
+            <a:solidFill>
+              <a:schemeClr val="tx1"/>
+            </a:solidFill>
+            <a:round/>
+            <a:headEnd type="none" w="sm" len="sm"/>
+            <a:tailEnd type="triangle" w="med" len="lg"/>
+          </a:ln>
+        </p:spPr>
+        <p:txBody>
+          <a:bodyPr wrap="none" lIns="91440" tIns="45720" rIns="91440" bIns="45720" anchor="ctr"/>
+          <a:lstStyle/>
+          <a:p>
+            <a:endParaRPr lang="en-US" dirty="0">
+              <a:solidFill>
+                <a:srgbClr val="000000"/>
+              </a:solidFill>
+            </a:endParaRPr>
+          </a:p>
+        </p:txBody>
+      </p:sp>
+      <p:sp>
+        <p:nvSpPr>
+          <p:cNvPr id="39" name="Line 25"/>
+          <p:cNvSpPr>
+            <a:spLocks noChangeShapeType="1"/>
+          </p:cNvSpPr>
+          <p:nvPr/>
+        </p:nvSpPr>
+        <p:spPr bwMode="auto">
+          <a:xfrm flipV="1">
+            <a:off x="7353563" y="3553953"/>
+            <a:ext cx="515662" cy="145446"/>
+          </a:xfrm>
+          <a:prstGeom prst="line">
+            <a:avLst/>
+          </a:prstGeom>
+          <a:noFill/>
+          <a:ln w="28575">
+            <a:solidFill>
+              <a:schemeClr val="tx1"/>
+            </a:solidFill>
+            <a:round/>
+            <a:headEnd type="none" w="sm" len="sm"/>
+            <a:tailEnd type="triangle" w="med" len="lg"/>
+          </a:ln>
+        </p:spPr>
+        <p:txBody>
+          <a:bodyPr wrap="none" lIns="91440" tIns="45720" rIns="91440" bIns="45720" anchor="ctr"/>
+          <a:lstStyle/>
+          <a:p>
+            <a:endParaRPr lang="en-US" dirty="0">
+              <a:solidFill>
+                <a:srgbClr val="000000"/>
+              </a:solidFill>
+            </a:endParaRPr>
+          </a:p>
+        </p:txBody>
+      </p:sp>
+      <p:pic>
+        <p:nvPicPr>
+          <p:cNvPr id="40" name="Picture 39" descr="latex-image-1.pdf"/>
+          <p:cNvPicPr>
+            <a:picLocks noChangeAspect="1"/>
+          </p:cNvPicPr>
+          <p:nvPr/>
+        </p:nvPicPr>
+        <p:blipFill>
+          <a:blip r:embed="rId5">
+            <a:extLst>
+              <a:ext uri="{28A0092B-C50C-407E-A947-70E740481C1C}">
+                <a14:useLocalDpi xmlns:a14="http://schemas.microsoft.com/office/drawing/2010/main" val="0"/>
+              </a:ext>
+            </a:extLst>
+          </a:blip>
+          <a:stretch>
+            <a:fillRect/>
+          </a:stretch>
+        </p:blipFill>
+        <p:spPr>
+          <a:xfrm>
+            <a:off x="3675758" y="2547154"/>
+            <a:ext cx="1079500" cy="177800"/>
+          </a:xfrm>
+          <a:prstGeom prst="rect">
+            <a:avLst/>
+          </a:prstGeom>
+        </p:spPr>
+      </p:pic>
+      <p:sp>
+        <p:nvSpPr>
+          <p:cNvPr id="21" name="Text Box 30"/>
+          <p:cNvSpPr txBox="1">
+            <a:spLocks noChangeArrowheads="1"/>
+          </p:cNvSpPr>
+          <p:nvPr/>
+        </p:nvSpPr>
+        <p:spPr bwMode="auto">
+          <a:xfrm>
+            <a:off x="2895021" y="1905769"/>
+            <a:ext cx="2629480" cy="400110"/>
+          </a:xfrm>
+          <a:prstGeom prst="rect">
+            <a:avLst/>
+          </a:prstGeom>
+          <a:noFill/>
+          <a:ln w="12700">
+            <a:noFill/>
+            <a:miter lim="800000"/>
+            <a:headEnd type="none" w="sm" len="sm"/>
+            <a:tailEnd type="none" w="sm" len="sm"/>
+          </a:ln>
+        </p:spPr>
+        <p:txBody>
+          <a:bodyPr wrap="square" lIns="91440" tIns="45720" rIns="91440" bIns="45720">
+            <a:spAutoFit/>
+          </a:bodyPr>
+          <a:lstStyle/>
+          <a:p>
+            <a:pPr algn="ctr">
+              <a:spcBef>
+                <a:spcPct val="0"/>
+              </a:spcBef>
+            </a:pPr>
+            <a:r>
+              <a:rPr lang="en-US" sz="2000" b="1" dirty="0"/>
+              <a:t>Iterate</a:t>
+            </a:r>
+            <a:endParaRPr lang="en-US" sz="2000" dirty="0"/>
+          </a:p>
+        </p:txBody>
+      </p:sp>
+      <p:grpSp>
+        <p:nvGrpSpPr>
+          <p:cNvPr id="45" name="Group 44"/>
+          <p:cNvGrpSpPr>
+            <a:grpSpLocks noChangeAspect="1"/>
+          </p:cNvGrpSpPr>
+          <p:nvPr/>
+        </p:nvGrpSpPr>
+        <p:grpSpPr>
+          <a:xfrm>
+            <a:off x="3627511" y="1841501"/>
+            <a:ext cx="1149324" cy="585602"/>
+            <a:chOff x="5337033" y="4536719"/>
+            <a:chExt cx="709803" cy="406400"/>
+          </a:xfrm>
+        </p:grpSpPr>
+        <p:grpSp>
+          <p:nvGrpSpPr>
+            <p:cNvPr id="47" name="Group 46"/>
+            <p:cNvGrpSpPr/>
+            <p:nvPr/>
+          </p:nvGrpSpPr>
+          <p:grpSpPr>
+            <a:xfrm rot="10800000">
+              <a:off x="5392627" y="4536719"/>
+              <a:ext cx="654209" cy="331613"/>
+              <a:chOff x="5335958" y="4571707"/>
+              <a:chExt cx="654209" cy="457200"/>
+            </a:xfrm>
+          </p:grpSpPr>
+          <p:sp>
+            <p:nvSpPr>
+              <p:cNvPr id="51" name="Arc 50"/>
+              <p:cNvSpPr>
+                <a:spLocks/>
+              </p:cNvSpPr>
+              <p:nvPr/>
+            </p:nvSpPr>
+            <p:spPr>
+              <a:xfrm rot="10800000">
+                <a:off x="5390757" y="4571707"/>
+                <a:ext cx="599410" cy="457200"/>
+              </a:xfrm>
+              <a:prstGeom prst="arc">
+                <a:avLst>
+                  <a:gd name="adj1" fmla="val 11111675"/>
+                  <a:gd name="adj2" fmla="val 0"/>
+                </a:avLst>
+              </a:prstGeom>
+              <a:ln w="38100" cmpd="sng">
+                <a:solidFill>
+                  <a:schemeClr val="tx1"/>
+                </a:solidFill>
+                <a:prstDash val="solid"/>
+                <a:tailEnd type="none"/>
+              </a:ln>
+              <a:effectLst/>
+            </p:spPr>
+            <p:style>
+              <a:lnRef idx="2">
+                <a:schemeClr val="accent1"/>
+              </a:lnRef>
+              <a:fillRef idx="0">
+                <a:schemeClr val="accent1"/>
+              </a:fillRef>
+              <a:effectRef idx="1">
+                <a:schemeClr val="accent1"/>
+              </a:effectRef>
+              <a:fontRef idx="minor">
+                <a:schemeClr val="tx1"/>
+              </a:fontRef>
+            </p:style>
+            <p:txBody>
+              <a:bodyPr rtlCol="0" anchor="ctr"/>
+              <a:lstStyle/>
+              <a:p>
+                <a:pPr algn="ctr"/>
+                <a:endParaRPr lang="en-US" sz="2000"/>
+              </a:p>
+            </p:txBody>
+          </p:sp>
+          <p:sp>
+            <p:nvSpPr>
+              <p:cNvPr id="52" name="Right Triangle 51"/>
+              <p:cNvSpPr>
+                <a:spLocks/>
+              </p:cNvSpPr>
+              <p:nvPr/>
+            </p:nvSpPr>
+            <p:spPr>
+              <a:xfrm rot="8100000">
+                <a:off x="5335958" y="4729039"/>
+                <a:ext cx="106680" cy="151284"/>
+              </a:xfrm>
+              <a:prstGeom prst="rtTriangle">
+                <a:avLst/>
+              </a:prstGeom>
+              <a:solidFill>
+                <a:schemeClr val="tx1"/>
+              </a:solidFill>
+              <a:ln w="63500" cap="rnd" cmpd="sng">
+                <a:noFill/>
+                <a:prstDash val="solid"/>
+                <a:round/>
+                <a:tailEnd type="triangle" w="sm" len="sm"/>
+              </a:ln>
+              <a:effectLst/>
+            </p:spPr>
+            <p:style>
+              <a:lnRef idx="2">
+                <a:schemeClr val="accent1"/>
+              </a:lnRef>
+              <a:fillRef idx="0">
+                <a:schemeClr val="accent1"/>
+              </a:fillRef>
+              <a:effectRef idx="1">
+                <a:schemeClr val="accent1"/>
+              </a:effectRef>
+              <a:fontRef idx="minor">
+                <a:schemeClr val="tx1"/>
+              </a:fontRef>
+            </p:style>
+            <p:txBody>
+              <a:bodyPr rtlCol="0" anchor="ctr"/>
+              <a:lstStyle/>
+              <a:p>
+                <a:pPr algn="ctr"/>
+                <a:endParaRPr lang="en-US" sz="2000">
+                  <a:solidFill>
+                    <a:schemeClr val="tx1"/>
+                  </a:solidFill>
+                </a:endParaRPr>
+              </a:p>
+            </p:txBody>
+          </p:sp>
+        </p:grpSp>
+        <p:grpSp>
+          <p:nvGrpSpPr>
+            <p:cNvPr id="48" name="Group 47"/>
+            <p:cNvGrpSpPr/>
+            <p:nvPr/>
+          </p:nvGrpSpPr>
+          <p:grpSpPr>
+            <a:xfrm>
+              <a:off x="5337033" y="4611506"/>
+              <a:ext cx="655815" cy="331613"/>
+              <a:chOff x="5334352" y="4552251"/>
+              <a:chExt cx="655815" cy="457200"/>
+            </a:xfrm>
+          </p:grpSpPr>
+          <p:sp>
+            <p:nvSpPr>
+              <p:cNvPr id="49" name="Arc 48"/>
+              <p:cNvSpPr>
+                <a:spLocks/>
+              </p:cNvSpPr>
+              <p:nvPr/>
+            </p:nvSpPr>
+            <p:spPr>
+              <a:xfrm rot="10800000">
+                <a:off x="5390757" y="4552251"/>
+                <a:ext cx="599410" cy="457200"/>
+              </a:xfrm>
+              <a:prstGeom prst="arc">
+                <a:avLst>
+                  <a:gd name="adj1" fmla="val 11111675"/>
+                  <a:gd name="adj2" fmla="val 0"/>
+                </a:avLst>
+              </a:prstGeom>
+              <a:ln w="38100" cmpd="sng">
+                <a:solidFill>
+                  <a:schemeClr val="tx1"/>
+                </a:solidFill>
+                <a:prstDash val="solid"/>
+                <a:tailEnd type="none"/>
+              </a:ln>
+              <a:effectLst/>
+            </p:spPr>
+            <p:style>
+              <a:lnRef idx="2">
+                <a:schemeClr val="accent1"/>
+              </a:lnRef>
+              <a:fillRef idx="0">
+                <a:schemeClr val="accent1"/>
+              </a:fillRef>
+              <a:effectRef idx="1">
+                <a:schemeClr val="accent1"/>
+              </a:effectRef>
+              <a:fontRef idx="minor">
+                <a:schemeClr val="tx1"/>
+              </a:fontRef>
+            </p:style>
+            <p:txBody>
+              <a:bodyPr rtlCol="0" anchor="ctr"/>
+              <a:lstStyle/>
+              <a:p>
+                <a:pPr algn="ctr"/>
+                <a:endParaRPr lang="en-US" sz="2000"/>
+              </a:p>
+            </p:txBody>
+          </p:sp>
+          <p:sp>
+            <p:nvSpPr>
+              <p:cNvPr id="50" name="Right Triangle 49"/>
+              <p:cNvSpPr>
+                <a:spLocks/>
+              </p:cNvSpPr>
+              <p:nvPr/>
+            </p:nvSpPr>
+            <p:spPr>
+              <a:xfrm rot="8160000">
+                <a:off x="5334352" y="4708320"/>
+                <a:ext cx="111643" cy="151284"/>
+              </a:xfrm>
+              <a:prstGeom prst="rtTriangle">
+                <a:avLst/>
+              </a:prstGeom>
+              <a:solidFill>
+                <a:schemeClr val="tx1"/>
+              </a:solidFill>
+              <a:ln w="63500" cap="rnd" cmpd="sng">
+                <a:noFill/>
+                <a:prstDash val="solid"/>
+                <a:round/>
+                <a:tailEnd type="triangle" w="sm" len="sm"/>
+              </a:ln>
+              <a:effectLst/>
+            </p:spPr>
+            <p:style>
+              <a:lnRef idx="2">
+                <a:schemeClr val="accent1"/>
+              </a:lnRef>
+              <a:fillRef idx="0">
+                <a:schemeClr val="accent1"/>
+              </a:fillRef>
+              <a:effectRef idx="1">
+                <a:schemeClr val="accent1"/>
+              </a:effectRef>
+              <a:fontRef idx="minor">
+                <a:schemeClr val="tx1"/>
+              </a:fontRef>
+            </p:style>
+            <p:txBody>
+              <a:bodyPr rtlCol="0" anchor="ctr"/>
+              <a:lstStyle/>
+              <a:p>
+                <a:pPr algn="ctr"/>
+                <a:endParaRPr lang="en-US" sz="2000">
+                  <a:solidFill>
+                    <a:schemeClr val="tx1"/>
+                  </a:solidFill>
+                </a:endParaRPr>
+              </a:p>
+            </p:txBody>
+          </p:sp>
+        </p:grpSp>
+      </p:grpSp>
+      <p:sp>
+        <p:nvSpPr>
+          <p:cNvPr id="53" name="Right Arrow 52"/>
+          <p:cNvSpPr/>
+          <p:nvPr/>
+        </p:nvSpPr>
+        <p:spPr>
+          <a:xfrm flipV="1">
+            <a:off x="2739254" y="2114509"/>
+            <a:ext cx="637334" cy="102640"/>
+          </a:xfrm>
+          <a:prstGeom prst="rightArrow">
+            <a:avLst/>
+          </a:prstGeom>
+          <a:solidFill>
+            <a:schemeClr val="tx1"/>
+          </a:solidFill>
+          <a:ln w="63500" cap="rnd" cmpd="sng">
+            <a:solidFill>
+              <a:schemeClr val="tx1"/>
+            </a:solidFill>
+            <a:prstDash val="solid"/>
+            <a:round/>
+            <a:tailEnd type="triangle" w="sm" len="sm"/>
+          </a:ln>
+          <a:effectLst/>
+        </p:spPr>
+        <p:style>
+          <a:lnRef idx="2">
+            <a:schemeClr val="accent1"/>
+          </a:lnRef>
+          <a:fillRef idx="0">
+            <a:schemeClr val="accent1"/>
+          </a:fillRef>
+          <a:effectRef idx="1">
+            <a:schemeClr val="accent1"/>
+          </a:effectRef>
+          <a:fontRef idx="minor">
+            <a:schemeClr val="tx1"/>
+          </a:fontRef>
+        </p:style>
+        <p:txBody>
+          <a:bodyPr rtlCol="0" anchor="ctr"/>
+          <a:lstStyle/>
+          <a:p>
+            <a:pPr algn="ctr"/>
+            <a:endParaRPr lang="en-US" sz="900">
+              <a:solidFill>
+                <a:schemeClr val="tx1"/>
+              </a:solidFill>
+            </a:endParaRPr>
+          </a:p>
+        </p:txBody>
+      </p:sp>
+      <p:sp>
+        <p:nvSpPr>
+          <p:cNvPr id="54" name="Right Arrow 53"/>
+          <p:cNvSpPr/>
+          <p:nvPr/>
+        </p:nvSpPr>
+        <p:spPr>
+          <a:xfrm flipV="1">
+            <a:off x="5476824" y="2118743"/>
+            <a:ext cx="637334" cy="102640"/>
+          </a:xfrm>
+          <a:prstGeom prst="rightArrow">
+            <a:avLst/>
+          </a:prstGeom>
+          <a:solidFill>
+            <a:schemeClr val="tx1"/>
+          </a:solidFill>
+          <a:ln w="63500" cap="rnd" cmpd="sng">
+            <a:solidFill>
+              <a:schemeClr val="tx1"/>
+            </a:solidFill>
+            <a:prstDash val="solid"/>
+            <a:round/>
+            <a:tailEnd type="triangle" w="sm" len="sm"/>
+          </a:ln>
+          <a:effectLst/>
+        </p:spPr>
+        <p:style>
+          <a:lnRef idx="2">
+            <a:schemeClr val="accent1"/>
+          </a:lnRef>
+          <a:fillRef idx="0">
+            <a:schemeClr val="accent1"/>
+          </a:fillRef>
+          <a:effectRef idx="1">
+            <a:schemeClr val="accent1"/>
+          </a:effectRef>
+          <a:fontRef idx="minor">
+            <a:schemeClr val="tx1"/>
+          </a:fontRef>
+        </p:style>
+        <p:txBody>
+          <a:bodyPr rtlCol="0" anchor="ctr"/>
+          <a:lstStyle/>
+          <a:p>
+            <a:pPr algn="ctr"/>
+            <a:endParaRPr lang="en-US" sz="900">
+              <a:solidFill>
+                <a:schemeClr val="tx1"/>
+              </a:solidFill>
+            </a:endParaRPr>
+          </a:p>
+        </p:txBody>
+      </p:sp>
+      <p:sp>
+        <p:nvSpPr>
+          <p:cNvPr id="2" name="Rounded Rectangle 1"/>
+          <p:cNvSpPr/>
+          <p:nvPr/>
+        </p:nvSpPr>
+        <p:spPr>
+          <a:xfrm>
+            <a:off x="2786923" y="2497670"/>
+            <a:ext cx="2751666" cy="1566334"/>
+          </a:xfrm>
+          <a:prstGeom prst="roundRect">
+            <a:avLst/>
+          </a:prstGeom>
+          <a:noFill/>
+          <a:ln w="38100" cap="rnd" cmpd="sng">
+            <a:solidFill>
+              <a:schemeClr val="tx1"/>
+            </a:solidFill>
+            <a:prstDash val="solid"/>
+            <a:round/>
+            <a:tailEnd type="triangle" w="sm" len="sm"/>
+          </a:ln>
+          <a:effectLst/>
+        </p:spPr>
+        <p:style>
+          <a:lnRef idx="2">
+            <a:schemeClr val="accent1"/>
+          </a:lnRef>
+          <a:fillRef idx="0">
+            <a:schemeClr val="accent1"/>
+          </a:fillRef>
+          <a:effectRef idx="1">
+            <a:schemeClr val="accent1"/>
+          </a:effectRef>
+          <a:fontRef idx="minor">
+            <a:schemeClr val="tx1"/>
+          </a:fontRef>
+        </p:style>
+        <p:txBody>
+          <a:bodyPr rtlCol="0" anchor="ctr"/>
+          <a:lstStyle/>
+          <a:p>
+            <a:pPr algn="ctr"/>
+            <a:endParaRPr lang="en-US">
+              <a:solidFill>
+                <a:schemeClr val="tx1"/>
+              </a:solidFill>
+            </a:endParaRPr>
+          </a:p>
+        </p:txBody>
+      </p:sp>
+      <p:sp>
+        <p:nvSpPr>
+          <p:cNvPr id="55" name="Rounded Rectangle 54"/>
+          <p:cNvSpPr/>
+          <p:nvPr/>
+        </p:nvSpPr>
+        <p:spPr>
+          <a:xfrm>
+            <a:off x="5535751" y="2494846"/>
+            <a:ext cx="2751666" cy="1566334"/>
+          </a:xfrm>
+          <a:prstGeom prst="roundRect">
+            <a:avLst/>
+          </a:prstGeom>
+          <a:noFill/>
+          <a:ln w="38100" cap="rnd" cmpd="sng">
+            <a:solidFill>
+              <a:schemeClr val="tx1"/>
+            </a:solidFill>
+            <a:prstDash val="solid"/>
+            <a:round/>
+            <a:tailEnd type="triangle" w="sm" len="sm"/>
+          </a:ln>
+          <a:effectLst/>
+        </p:spPr>
+        <p:style>
+          <a:lnRef idx="2">
+            <a:schemeClr val="accent1"/>
+          </a:lnRef>
+          <a:fillRef idx="0">
+            <a:schemeClr val="accent1"/>
+          </a:fillRef>
+          <a:effectRef idx="1">
+            <a:schemeClr val="accent1"/>
+          </a:effectRef>
+          <a:fontRef idx="minor">
+            <a:schemeClr val="tx1"/>
+          </a:fontRef>
+        </p:style>
+        <p:txBody>
+          <a:bodyPr rtlCol="0" anchor="ctr"/>
+          <a:lstStyle/>
+          <a:p>
+            <a:pPr algn="ctr"/>
+            <a:endParaRPr lang="en-US">
+              <a:solidFill>
+                <a:schemeClr val="tx1"/>
+              </a:solidFill>
+            </a:endParaRPr>
+          </a:p>
+        </p:txBody>
+      </p:sp>
+      <p:sp>
+        <p:nvSpPr>
+          <p:cNvPr id="56" name="Rounded Rectangle 55"/>
+          <p:cNvSpPr/>
+          <p:nvPr/>
+        </p:nvSpPr>
+        <p:spPr>
+          <a:xfrm>
+            <a:off x="35280" y="2492028"/>
+            <a:ext cx="2751666" cy="1566334"/>
+          </a:xfrm>
+          <a:prstGeom prst="roundRect">
+            <a:avLst/>
+          </a:prstGeom>
+          <a:noFill/>
+          <a:ln w="38100" cap="rnd" cmpd="sng">
+            <a:solidFill>
+              <a:schemeClr val="tx1"/>
+            </a:solidFill>
+            <a:prstDash val="solid"/>
+            <a:round/>
+            <a:tailEnd type="triangle" w="sm" len="sm"/>
+          </a:ln>
+          <a:effectLst/>
+        </p:spPr>
+        <p:style>
+          <a:lnRef idx="2">
+            <a:schemeClr val="accent1"/>
+          </a:lnRef>
+          <a:fillRef idx="0">
+            <a:schemeClr val="accent1"/>
+          </a:fillRef>
+          <a:effectRef idx="1">
+            <a:schemeClr val="accent1"/>
+          </a:effectRef>
+          <a:fontRef idx="minor">
+            <a:schemeClr val="tx1"/>
+          </a:fontRef>
+        </p:style>
+        <p:txBody>
+          <a:bodyPr rtlCol="0" anchor="ctr"/>
+          <a:lstStyle/>
+          <a:p>
+            <a:pPr algn="ctr"/>
+            <a:endParaRPr lang="en-US">
+              <a:solidFill>
+                <a:schemeClr val="tx1"/>
+              </a:solidFill>
+            </a:endParaRPr>
+          </a:p>
+        </p:txBody>
+      </p:sp>
+    </p:spTree>
+    <p:extLst>
+      <p:ext uri="{BB962C8B-B14F-4D97-AF65-F5344CB8AC3E}">
+        <p14:creationId xmlns:p14="http://schemas.microsoft.com/office/powerpoint/2010/main" val="533794142"/>
+      </p:ext>
+    </p:extLst>
+  </p:cSld>
+  <p:clrMapOvr>
+    <a:masterClrMapping/>
+  </p:clrMapOvr>
+</p:sld>
+</file>
+
+<file path=ppt/slides/slide3.xml><?xml version="1.0" encoding="utf-8"?>
+<p:sld xmlns:a="http://schemas.openxmlformats.org/drawingml/2006/main" xmlns:r="http://schemas.openxmlformats.org/officeDocument/2006/relationships" xmlns:p="http://schemas.openxmlformats.org/presentationml/2006/main">
+  <p:cSld>
+    <p:spTree>
+      <p:nvGrpSpPr>
+        <p:cNvPr id="1" name=""/>
+        <p:cNvGrpSpPr/>
+        <p:nvPr/>
+      </p:nvGrpSpPr>
+      <p:grpSpPr>
+        <a:xfrm>
+          <a:off x="0" y="0"/>
+          <a:ext cx="0" cy="0"/>
+          <a:chOff x="0" y="0"/>
+          <a:chExt cx="0" cy="0"/>
+        </a:xfrm>
+      </p:grpSpPr>
       <p:grpSp>
         <p:nvGrpSpPr>
           <p:cNvPr id="50" name="Group 49"/>
@@ -7693,98 +9327,6 @@
     <p:extLst>
       <p:ext uri="{BB962C8B-B14F-4D97-AF65-F5344CB8AC3E}">
         <p14:creationId xmlns:p14="http://schemas.microsoft.com/office/powerpoint/2010/main" val="1416242583"/>
-      </p:ext>
-    </p:extLst>
-  </p:cSld>
-  <p:clrMapOvr>
-    <a:masterClrMapping/>
-  </p:clrMapOvr>
-</p:sld>
-</file>
-
-<file path=ppt/slides/slide3.xml><?xml version="1.0" encoding="utf-8"?>
-<p:sld xmlns:a="http://schemas.openxmlformats.org/drawingml/2006/main" xmlns:r="http://schemas.openxmlformats.org/officeDocument/2006/relationships" xmlns:p="http://schemas.openxmlformats.org/presentationml/2006/main">
-  <p:cSld>
-    <p:spTree>
-      <p:nvGrpSpPr>
-        <p:cNvPr id="1" name=""/>
-        <p:cNvGrpSpPr/>
-        <p:nvPr/>
-      </p:nvGrpSpPr>
-      <p:grpSpPr>
-        <a:xfrm>
-          <a:off x="0" y="0"/>
-          <a:ext cx="0" cy="0"/>
-          <a:chOff x="0" y="0"/>
-          <a:chExt cx="0" cy="0"/>
-        </a:xfrm>
-      </p:grpSpPr>
-      <p:sp>
-        <p:nvSpPr>
-          <p:cNvPr id="3" name="Content Placeholder 2"/>
-          <p:cNvSpPr>
-            <a:spLocks noGrp="1"/>
-          </p:cNvSpPr>
-          <p:nvPr>
-            <p:ph idx="1"/>
-          </p:nvPr>
-        </p:nvSpPr>
-        <p:spPr>
-          <a:xfrm>
-            <a:off x="457200" y="469120"/>
-            <a:ext cx="8229600" cy="720840"/>
-          </a:xfrm>
-        </p:spPr>
-        <p:txBody>
-          <a:bodyPr>
-            <a:normAutofit/>
-          </a:bodyPr>
-          <a:lstStyle/>
-          <a:p>
-            <a:pPr marL="0" indent="0">
-              <a:buNone/>
-            </a:pPr>
-            <a:r>
-              <a:rPr lang="en-US" sz="2400" dirty="0" smtClean="0"/>
-              <a:t>Typesetting the name in documents, and in the logo</a:t>
-            </a:r>
-          </a:p>
-        </p:txBody>
-      </p:sp>
-      <p:pic>
-        <p:nvPicPr>
-          <p:cNvPr id="4" name="Picture 3" descr="latex-image-1.pdf"/>
-          <p:cNvPicPr>
-            <a:picLocks noChangeAspect="1"/>
-          </p:cNvPicPr>
-          <p:nvPr/>
-        </p:nvPicPr>
-        <p:blipFill>
-          <a:blip r:embed="rId2">
-            <a:extLst>
-              <a:ext uri="{28A0092B-C50C-407E-A947-70E740481C1C}">
-                <a14:useLocalDpi xmlns:a14="http://schemas.microsoft.com/office/drawing/2010/main" val="0"/>
-              </a:ext>
-            </a:extLst>
-          </a:blip>
-          <a:stretch>
-            <a:fillRect/>
-          </a:stretch>
-        </p:blipFill>
-        <p:spPr>
-          <a:xfrm>
-            <a:off x="559175" y="1189960"/>
-            <a:ext cx="6731000" cy="1447800"/>
-          </a:xfrm>
-          <a:prstGeom prst="rect">
-            <a:avLst/>
-          </a:prstGeom>
-        </p:spPr>
-      </p:pic>
-    </p:spTree>
-    <p:extLst>
-      <p:ext uri="{BB962C8B-B14F-4D97-AF65-F5344CB8AC3E}">
-        <p14:creationId xmlns:p14="http://schemas.microsoft.com/office/powerpoint/2010/main" val="4187172655"/>
       </p:ext>
     </p:extLst>
   </p:cSld>
